--- a/提出用シート.pptx
+++ b/提出用シート.pptx
@@ -116,6 +116,9 @@
     <p:ext uri="{EFAFB233-063F-42B5-8137-9DF3F51BA10A}">
       <p15:sldGuideLst xmlns:p15="http://schemas.microsoft.com/office/powerpoint/2012/main"/>
     </p:ext>
+    <p:ext uri="{2D200454-40CA-4A62-9FC3-DE9A4176ACB9}">
+      <p15:notesGuideLst xmlns:p15="http://schemas.microsoft.com/office/powerpoint/2012/main"/>
+    </p:ext>
   </p:extLst>
 </p:presentation>
 </file>
@@ -202,7 +205,7 @@
           <a:p>
             <a:fld id="{0DAB80DC-B028-49FD-8DFE-7A5C0D258345}" type="datetimeFigureOut">
               <a:rPr kumimoji="1" lang="ja-JP" altLang="en-US" smtClean="0"/>
-              <a:t>2017/7/29</a:t>
+              <a:t>2017/8/5</a:t>
             </a:fld>
             <a:endParaRPr kumimoji="1" lang="ja-JP" altLang="en-US"/>
           </a:p>
@@ -416,7 +419,7 @@
           <a:p>
             <a:fld id="{9877CDFD-5C91-4263-9D4E-FD180A28B7F6}" type="datetimeFigureOut">
               <a:rPr kumimoji="1" lang="ja-JP" altLang="en-US" smtClean="0"/>
-              <a:t>2017/7/29</a:t>
+              <a:t>2017/8/5</a:t>
             </a:fld>
             <a:endParaRPr kumimoji="1" lang="ja-JP" altLang="en-US"/>
           </a:p>
@@ -618,7 +621,7 @@
           <a:p>
             <a:fld id="{9877CDFD-5C91-4263-9D4E-FD180A28B7F6}" type="datetimeFigureOut">
               <a:rPr kumimoji="1" lang="ja-JP" altLang="en-US" smtClean="0"/>
-              <a:t>2017/7/29</a:t>
+              <a:t>2017/8/5</a:t>
             </a:fld>
             <a:endParaRPr kumimoji="1" lang="ja-JP" altLang="en-US"/>
           </a:p>
@@ -830,7 +833,7 @@
           <a:p>
             <a:fld id="{9877CDFD-5C91-4263-9D4E-FD180A28B7F6}" type="datetimeFigureOut">
               <a:rPr kumimoji="1" lang="ja-JP" altLang="en-US" smtClean="0"/>
-              <a:t>2017/7/29</a:t>
+              <a:t>2017/8/5</a:t>
             </a:fld>
             <a:endParaRPr kumimoji="1" lang="ja-JP" altLang="en-US"/>
           </a:p>
@@ -1311,7 +1314,7 @@
           <a:p>
             <a:fld id="{9877CDFD-5C91-4263-9D4E-FD180A28B7F6}" type="datetimeFigureOut">
               <a:rPr kumimoji="1" lang="ja-JP" altLang="en-US" smtClean="0"/>
-              <a:t>2017/7/29</a:t>
+              <a:t>2017/8/5</a:t>
             </a:fld>
             <a:endParaRPr kumimoji="1" lang="ja-JP" altLang="en-US"/>
           </a:p>
@@ -1607,7 +1610,7 @@
           <a:p>
             <a:fld id="{9877CDFD-5C91-4263-9D4E-FD180A28B7F6}" type="datetimeFigureOut">
               <a:rPr kumimoji="1" lang="ja-JP" altLang="en-US" smtClean="0"/>
-              <a:t>2017/7/29</a:t>
+              <a:t>2017/8/5</a:t>
             </a:fld>
             <a:endParaRPr kumimoji="1" lang="ja-JP" altLang="en-US"/>
           </a:p>
@@ -2038,7 +2041,7 @@
           <a:p>
             <a:fld id="{9877CDFD-5C91-4263-9D4E-FD180A28B7F6}" type="datetimeFigureOut">
               <a:rPr kumimoji="1" lang="ja-JP" altLang="en-US" smtClean="0"/>
-              <a:t>2017/7/29</a:t>
+              <a:t>2017/8/5</a:t>
             </a:fld>
             <a:endParaRPr kumimoji="1" lang="ja-JP" altLang="en-US"/>
           </a:p>
@@ -2156,7 +2159,7 @@
           <a:p>
             <a:fld id="{9877CDFD-5C91-4263-9D4E-FD180A28B7F6}" type="datetimeFigureOut">
               <a:rPr kumimoji="1" lang="ja-JP" altLang="en-US" smtClean="0"/>
-              <a:t>2017/7/29</a:t>
+              <a:t>2017/8/5</a:t>
             </a:fld>
             <a:endParaRPr kumimoji="1" lang="ja-JP" altLang="en-US"/>
           </a:p>
@@ -2251,7 +2254,7 @@
           <a:p>
             <a:fld id="{9877CDFD-5C91-4263-9D4E-FD180A28B7F6}" type="datetimeFigureOut">
               <a:rPr kumimoji="1" lang="ja-JP" altLang="en-US" smtClean="0"/>
-              <a:t>2017/7/29</a:t>
+              <a:t>2017/8/5</a:t>
             </a:fld>
             <a:endParaRPr kumimoji="1" lang="ja-JP" altLang="en-US"/>
           </a:p>
@@ -2560,7 +2563,7 @@
           <a:p>
             <a:fld id="{9877CDFD-5C91-4263-9D4E-FD180A28B7F6}" type="datetimeFigureOut">
               <a:rPr kumimoji="1" lang="ja-JP" altLang="en-US" smtClean="0"/>
-              <a:t>2017/7/29</a:t>
+              <a:t>2017/8/5</a:t>
             </a:fld>
             <a:endParaRPr kumimoji="1" lang="ja-JP" altLang="en-US"/>
           </a:p>
@@ -2813,7 +2816,7 @@
           <a:p>
             <a:fld id="{9877CDFD-5C91-4263-9D4E-FD180A28B7F6}" type="datetimeFigureOut">
               <a:rPr kumimoji="1" lang="ja-JP" altLang="en-US" smtClean="0"/>
-              <a:t>2017/7/29</a:t>
+              <a:t>2017/8/5</a:t>
             </a:fld>
             <a:endParaRPr kumimoji="1" lang="ja-JP" altLang="en-US"/>
           </a:p>
@@ -3058,7 +3061,7 @@
           <a:p>
             <a:fld id="{9877CDFD-5C91-4263-9D4E-FD180A28B7F6}" type="datetimeFigureOut">
               <a:rPr kumimoji="1" lang="ja-JP" altLang="en-US" smtClean="0"/>
-              <a:t>2017/7/29</a:t>
+              <a:t>2017/8/5</a:t>
             </a:fld>
             <a:endParaRPr kumimoji="1" lang="ja-JP" altLang="en-US"/>
           </a:p>
@@ -3966,8 +3969,8 @@
         </p:blipFill>
         <p:spPr>
           <a:xfrm>
-            <a:off x="849933" y="5293962"/>
-            <a:ext cx="4826671" cy="4084938"/>
+            <a:off x="849933" y="3336948"/>
+            <a:ext cx="7139035" cy="6041952"/>
           </a:xfrm>
         </p:spPr>
       </p:pic>
@@ -4052,11 +4055,7 @@
             </a:r>
             <a:r>
               <a:rPr lang="ja-JP" altLang="en-US" sz="1400" dirty="0" smtClean="0"/>
-              <a:t>を完走</a:t>
-            </a:r>
-            <a:r>
-              <a:rPr lang="ja-JP" altLang="en-US" sz="1400" dirty="0" smtClean="0"/>
-              <a:t>する</a:t>
+              <a:t>を完走する</a:t>
             </a:r>
             <a:endParaRPr lang="en-US" altLang="ja-JP" sz="1400" dirty="0" smtClean="0"/>
           </a:p>
@@ -4417,8 +4416,8 @@
         </p:blipFill>
         <p:spPr>
           <a:xfrm>
-            <a:off x="687325" y="2619154"/>
-            <a:ext cx="2216125" cy="3003539"/>
+            <a:off x="381923" y="2364504"/>
+            <a:ext cx="2674850" cy="3625254"/>
           </a:xfrm>
           <a:prstGeom prst="rect">
             <a:avLst/>
@@ -5181,8 +5180,8 @@
         </p:blipFill>
         <p:spPr>
           <a:xfrm>
-            <a:off x="905575" y="1312132"/>
-            <a:ext cx="4705034" cy="3101975"/>
+            <a:off x="574940" y="1323070"/>
+            <a:ext cx="5090519" cy="3356121"/>
           </a:xfrm>
         </p:spPr>
       </p:pic>
@@ -5208,8 +5207,8 @@
         </p:blipFill>
         <p:spPr>
           <a:xfrm>
-            <a:off x="6164728" y="1279525"/>
-            <a:ext cx="5348797" cy="3639461"/>
+            <a:off x="5458806" y="1279525"/>
+            <a:ext cx="6054720" cy="4119789"/>
           </a:xfrm>
           <a:prstGeom prst="rect">
             <a:avLst/>
@@ -5756,7 +5755,7 @@
         <p:spPr>
           <a:xfrm>
             <a:off x="578699" y="933446"/>
-            <a:ext cx="3766526" cy="3676071"/>
+            <a:ext cx="3207236" cy="3676071"/>
           </a:xfrm>
           <a:prstGeom prst="rect">
             <a:avLst/>
@@ -5775,8 +5774,16 @@
           <a:lstStyle/>
           <a:p>
             <a:r>
+              <a:rPr lang="ja-JP" altLang="en-US" dirty="0" smtClean="0"/>
+              <a:t>輝度</a:t>
+            </a:r>
+            <a:r>
+              <a:rPr lang="ja-JP" altLang="en-US" dirty="0"/>
+              <a:t>値</a:t>
+            </a:r>
+            <a:r>
               <a:rPr kumimoji="1" lang="ja-JP" altLang="en-US" dirty="0" smtClean="0"/>
-              <a:t>ライントレース</a:t>
+              <a:t>トレース</a:t>
             </a:r>
             <a:endParaRPr kumimoji="1" lang="en-US" altLang="ja-JP" dirty="0" smtClean="0"/>
           </a:p>
@@ -5820,8 +5827,8 @@
         </p:nvSpPr>
         <p:spPr>
           <a:xfrm>
-            <a:off x="614793" y="5200646"/>
-            <a:ext cx="3766526" cy="3676071"/>
+            <a:off x="614792" y="5200646"/>
+            <a:ext cx="3171143" cy="3676071"/>
           </a:xfrm>
           <a:prstGeom prst="rect">
             <a:avLst/>
@@ -5840,8 +5847,8 @@
           <a:lstStyle/>
           <a:p>
             <a:r>
-              <a:rPr kumimoji="1" lang="ja-JP" altLang="en-US" dirty="0" smtClean="0"/>
-              <a:t>ライントレース</a:t>
+              <a:rPr lang="ja-JP" altLang="en-US" dirty="0" smtClean="0"/>
+              <a:t>しっぽダッシュ</a:t>
             </a:r>
             <a:endParaRPr kumimoji="1" lang="en-US" altLang="ja-JP" dirty="0" smtClean="0"/>
           </a:p>
@@ -5885,8 +5892,8 @@
         </p:nvSpPr>
         <p:spPr>
           <a:xfrm>
-            <a:off x="4545150" y="933446"/>
-            <a:ext cx="3766526" cy="3676071"/>
+            <a:off x="8419076" y="1109047"/>
+            <a:ext cx="3740838" cy="3676071"/>
           </a:xfrm>
           <a:prstGeom prst="rect">
             <a:avLst/>
@@ -5904,54 +5911,54 @@
           </a:bodyPr>
           <a:lstStyle/>
           <a:p>
+            <a:endParaRPr kumimoji="1" lang="en-US" altLang="ja-JP" dirty="0" smtClean="0"/>
+          </a:p>
+          <a:p>
+            <a:endParaRPr lang="en-US" altLang="ja-JP" dirty="0"/>
+          </a:p>
+          <a:p>
+            <a:endParaRPr kumimoji="1" lang="en-US" altLang="ja-JP" dirty="0" smtClean="0"/>
+          </a:p>
+          <a:p>
+            <a:endParaRPr lang="en-US" altLang="ja-JP" dirty="0"/>
+          </a:p>
+          <a:p>
+            <a:endParaRPr kumimoji="1" lang="en-US" altLang="ja-JP" dirty="0" smtClean="0"/>
+          </a:p>
+          <a:p>
+            <a:endParaRPr lang="en-US" altLang="ja-JP" dirty="0"/>
+          </a:p>
+          <a:p>
+            <a:endParaRPr kumimoji="1" lang="en-US" altLang="ja-JP" dirty="0" smtClean="0"/>
+          </a:p>
+          <a:p>
+            <a:endParaRPr lang="en-US" altLang="ja-JP" dirty="0"/>
+          </a:p>
+          <a:p>
+            <a:endParaRPr kumimoji="1" lang="en-US" altLang="ja-JP" dirty="0" smtClean="0"/>
+          </a:p>
+          <a:p>
+            <a:endParaRPr lang="en-US" altLang="ja-JP" dirty="0"/>
+          </a:p>
+          <a:p>
             <a:r>
               <a:rPr kumimoji="1" lang="ja-JP" altLang="en-US" dirty="0" smtClean="0"/>
-              <a:t>ライントレース</a:t>
+              <a:t>直進フィードフォワード</a:t>
             </a:r>
             <a:endParaRPr kumimoji="1" lang="en-US" altLang="ja-JP" dirty="0" smtClean="0"/>
           </a:p>
-          <a:p>
-            <a:endParaRPr lang="en-US" altLang="ja-JP" dirty="0"/>
-          </a:p>
-          <a:p>
-            <a:endParaRPr kumimoji="1" lang="en-US" altLang="ja-JP" dirty="0" smtClean="0"/>
-          </a:p>
-          <a:p>
-            <a:endParaRPr lang="en-US" altLang="ja-JP" dirty="0"/>
-          </a:p>
-          <a:p>
-            <a:endParaRPr kumimoji="1" lang="en-US" altLang="ja-JP" dirty="0" smtClean="0"/>
-          </a:p>
-          <a:p>
-            <a:endParaRPr lang="en-US" altLang="ja-JP" dirty="0"/>
-          </a:p>
-          <a:p>
-            <a:endParaRPr kumimoji="1" lang="en-US" altLang="ja-JP" dirty="0" smtClean="0"/>
-          </a:p>
-          <a:p>
-            <a:endParaRPr lang="en-US" altLang="ja-JP" dirty="0"/>
-          </a:p>
-          <a:p>
-            <a:endParaRPr kumimoji="1" lang="en-US" altLang="ja-JP" dirty="0" smtClean="0"/>
-          </a:p>
-          <a:p>
-            <a:endParaRPr lang="en-US" altLang="ja-JP" dirty="0"/>
-          </a:p>
-          <a:p>
-            <a:endParaRPr kumimoji="1" lang="en-US" altLang="ja-JP" dirty="0" smtClean="0"/>
-          </a:p>
-        </p:txBody>
-      </p:sp>
-      <p:sp>
-        <p:nvSpPr>
-          <p:cNvPr id="25" name="テキスト ボックス 24"/>
+        </p:txBody>
+      </p:sp>
+      <p:sp>
+        <p:nvSpPr>
+          <p:cNvPr id="26" name="テキスト ボックス 25"/>
           <p:cNvSpPr txBox="1"/>
           <p:nvPr/>
         </p:nvSpPr>
         <p:spPr>
           <a:xfrm>
-            <a:off x="4581244" y="5200646"/>
-            <a:ext cx="3766526" cy="3676071"/>
+            <a:off x="8213558" y="5173995"/>
+            <a:ext cx="3946357" cy="3676071"/>
           </a:xfrm>
           <a:prstGeom prst="rect">
             <a:avLst/>
@@ -5970,8 +5977,12 @@
           <a:lstStyle/>
           <a:p>
             <a:r>
-              <a:rPr kumimoji="1" lang="ja-JP" altLang="en-US" dirty="0" smtClean="0"/>
-              <a:t>ライントレース</a:t>
+              <a:rPr lang="ja-JP" altLang="en-US" dirty="0"/>
+              <a:t>コース</a:t>
+            </a:r>
+            <a:r>
+              <a:rPr lang="ja-JP" altLang="en-US" dirty="0" smtClean="0"/>
+              <a:t>の切り替え（曲率）</a:t>
             </a:r>
             <a:endParaRPr kumimoji="1" lang="en-US" altLang="ja-JP" dirty="0" smtClean="0"/>
           </a:p>
@@ -6009,14 +6020,14 @@
       </p:sp>
       <p:sp>
         <p:nvSpPr>
-          <p:cNvPr id="26" name="テキスト ボックス 25"/>
+          <p:cNvPr id="28" name="テキスト ボックス 27"/>
           <p:cNvSpPr txBox="1"/>
           <p:nvPr/>
         </p:nvSpPr>
         <p:spPr>
           <a:xfrm>
-            <a:off x="8552971" y="933446"/>
-            <a:ext cx="3766526" cy="3676071"/>
+            <a:off x="4678699" y="5281113"/>
+            <a:ext cx="2991853" cy="3676071"/>
           </a:xfrm>
           <a:prstGeom prst="rect">
             <a:avLst/>
@@ -6035,8 +6046,12 @@
           <a:lstStyle/>
           <a:p>
             <a:r>
-              <a:rPr kumimoji="1" lang="ja-JP" altLang="en-US" dirty="0" smtClean="0"/>
-              <a:t>ライントレース</a:t>
+              <a:rPr lang="ja-JP" altLang="en-US" dirty="0"/>
+              <a:t>コース</a:t>
+            </a:r>
+            <a:r>
+              <a:rPr lang="ja-JP" altLang="en-US" dirty="0" smtClean="0"/>
+              <a:t>の切り替え（距離）</a:t>
             </a:r>
             <a:endParaRPr kumimoji="1" lang="en-US" altLang="ja-JP" dirty="0" smtClean="0"/>
           </a:p>
@@ -6074,14 +6089,14 @@
       </p:sp>
       <p:sp>
         <p:nvSpPr>
-          <p:cNvPr id="27" name="テキスト ボックス 26"/>
+          <p:cNvPr id="29" name="テキスト ボックス 28"/>
           <p:cNvSpPr txBox="1"/>
           <p:nvPr/>
         </p:nvSpPr>
         <p:spPr>
           <a:xfrm>
-            <a:off x="8589065" y="5200646"/>
-            <a:ext cx="3766526" cy="3676071"/>
+            <a:off x="4581327" y="1215320"/>
+            <a:ext cx="3207236" cy="3350276"/>
           </a:xfrm>
           <a:prstGeom prst="rect">
             <a:avLst/>
@@ -6100,12 +6115,9 @@
           <a:lstStyle/>
           <a:p>
             <a:r>
-              <a:rPr kumimoji="1" lang="ja-JP" altLang="en-US" dirty="0" smtClean="0"/>
-              <a:t>ライントレース</a:t>
-            </a:r>
-            <a:endParaRPr kumimoji="1" lang="en-US" altLang="ja-JP" dirty="0" smtClean="0"/>
-          </a:p>
-          <a:p>
+              <a:rPr lang="ja-JP" altLang="en-US" dirty="0" smtClean="0"/>
+              <a:t>キャリブレーション</a:t>
+            </a:r>
             <a:endParaRPr lang="en-US" altLang="ja-JP" dirty="0"/>
           </a:p>
           <a:p>

--- a/提出用シート.pptx
+++ b/提出用シート.pptx
@@ -4083,7 +4083,9 @@
               <a:ext cx="5843600" cy="3070201"/>
             </a:xfrm>
             <a:prstGeom prst="roundRect">
-              <a:avLst/>
+              <a:avLst>
+                <a:gd name="adj" fmla="val 9832"/>
+              </a:avLst>
             </a:prstGeom>
             <a:solidFill>
               <a:srgbClr val="FFFFFF">
@@ -4612,7 +4614,7 @@
           </p:nvSpPr>
           <p:spPr>
             <a:xfrm>
-              <a:off x="7505095" y="8581205"/>
+              <a:off x="7505095" y="8459397"/>
               <a:ext cx="5344734" cy="1395510"/>
             </a:xfrm>
             <a:prstGeom prst="rect">
@@ -4646,7 +4648,15 @@
               </a:r>
               <a:r>
                 <a:rPr lang="ja-JP" altLang="en-US" dirty="0" smtClean="0"/>
-                <a:t>特にクラス図で時間をかけてレビューし、構造と持っている機能で動作が分かるようにしました</a:t>
+                <a:t>実装したい機能をユースケースにすべて挙げた後、コース完走に必要な機能から順に</a:t>
+              </a:r>
+              <a:r>
+                <a:rPr lang="ja-JP" altLang="en-US" dirty="0" smtClean="0"/>
+                <a:t>実現するため、実装</a:t>
+              </a:r>
+              <a:r>
+                <a:rPr lang="ja-JP" altLang="en-US" dirty="0" smtClean="0"/>
+                <a:t>をつけて。</a:t>
               </a:r>
               <a:endParaRPr lang="ja-JP" altLang="en-US" dirty="0"/>
             </a:p>
@@ -4946,7 +4956,7 @@
         </p:nvSpPr>
         <p:spPr>
           <a:xfrm>
-            <a:off x="496824" y="876300"/>
+            <a:off x="436864" y="876300"/>
             <a:ext cx="2608326" cy="307777"/>
           </a:xfrm>
           <a:prstGeom prst="rect">
@@ -6193,7 +6203,15 @@
             </a:r>
             <a:r>
               <a:rPr lang="ja-JP" altLang="en-US" sz="1200" dirty="0" smtClean="0"/>
-              <a:t>　：ユースケース　　　　　　　：ミスユースケース　　　　　　　：次週で実装予定のユースケース</a:t>
+              <a:t>　：ユースケース　　　　　　　：ミスユースケース　　　　　　　：</a:t>
+            </a:r>
+            <a:r>
+              <a:rPr lang="ja-JP" altLang="en-US" sz="1200" dirty="0" smtClean="0"/>
+              <a:t>次周で</a:t>
+            </a:r>
+            <a:r>
+              <a:rPr lang="ja-JP" altLang="en-US" sz="1200" dirty="0" smtClean="0"/>
+              <a:t>実装予定のユースケース</a:t>
             </a:r>
             <a:endParaRPr lang="en-US" altLang="ja-JP" sz="1200" dirty="0" smtClean="0"/>
           </a:p>
@@ -11485,7 +11503,7 @@
         <p:spPr>
           <a:xfrm>
             <a:off x="604008" y="967260"/>
-            <a:ext cx="3207236" cy="2462213"/>
+            <a:ext cx="3583926" cy="3970318"/>
           </a:xfrm>
           <a:prstGeom prst="rect">
             <a:avLst/>
@@ -11530,15 +11548,43 @@
             <a:endParaRPr kumimoji="1" lang="en-US" altLang="ja-JP" sz="1400" dirty="0" smtClean="0"/>
           </a:p>
           <a:p>
+            <a:endParaRPr lang="en-US" altLang="ja-JP" sz="1400" dirty="0" smtClean="0"/>
+          </a:p>
+          <a:p>
             <a:endParaRPr lang="en-US" altLang="ja-JP" sz="1400" dirty="0"/>
           </a:p>
           <a:p>
-            <a:endParaRPr kumimoji="1" lang="en-US" altLang="ja-JP" sz="1400" dirty="0" smtClean="0"/>
+            <a:endParaRPr lang="en-US" altLang="ja-JP" sz="1400" dirty="0" smtClean="0"/>
           </a:p>
           <a:p>
             <a:endParaRPr lang="en-US" altLang="ja-JP" sz="1400" dirty="0"/>
           </a:p>
           <a:p>
+            <a:endParaRPr lang="en-US" altLang="ja-JP" sz="1400" dirty="0" smtClean="0"/>
+          </a:p>
+          <a:p>
+            <a:endParaRPr lang="en-US" altLang="ja-JP" sz="1400" dirty="0"/>
+          </a:p>
+          <a:p>
+            <a:r>
+              <a:rPr lang="ja-JP" altLang="en-US" sz="1400" dirty="0" smtClean="0"/>
+              <a:t>ラインのエッジ周辺でカラーセンサが返す値は、黒から白にかけて連続的に変化する。</a:t>
+            </a:r>
+            <a:endParaRPr lang="en-US" altLang="ja-JP" sz="1400" dirty="0" smtClean="0"/>
+          </a:p>
+          <a:p>
+            <a:r>
+              <a:rPr kumimoji="1" lang="ja-JP" altLang="en-US" sz="1400" dirty="0" smtClean="0"/>
+              <a:t>センサ値を黒値からの差分と黒↔白間の値の比（</a:t>
+            </a:r>
+            <a:r>
+              <a:rPr kumimoji="1" lang="en-US" altLang="ja-JP" sz="1400" dirty="0" smtClean="0"/>
+              <a:t>=</a:t>
+            </a:r>
+            <a:r>
+              <a:rPr kumimoji="1" lang="ja-JP" altLang="en-US" sz="1400" dirty="0" smtClean="0"/>
+              <a:t>輝度値）として扱うことで、外乱の影響を防ぐ。</a:t>
+            </a:r>
             <a:endParaRPr kumimoji="1" lang="en-US" altLang="ja-JP" sz="1400" dirty="0" smtClean="0"/>
           </a:p>
         </p:txBody>
@@ -11551,17 +11597,15 @@
         </p:nvSpPr>
         <p:spPr>
           <a:xfrm>
-            <a:off x="8631936" y="1109047"/>
-            <a:ext cx="3527978" cy="2462213"/>
+            <a:off x="8631936" y="969179"/>
+            <a:ext cx="3527978" cy="3323987"/>
           </a:xfrm>
           <a:prstGeom prst="rect">
             <a:avLst/>
           </a:prstGeom>
           <a:noFill/>
           <a:ln>
-            <a:solidFill>
-              <a:schemeClr val="tx1"/>
-            </a:solidFill>
+            <a:noFill/>
           </a:ln>
         </p:spPr>
         <p:txBody>
@@ -11570,41 +11614,101 @@
           </a:bodyPr>
           <a:lstStyle/>
           <a:p>
-            <a:endParaRPr kumimoji="1" lang="en-US" altLang="ja-JP" sz="1400" dirty="0" smtClean="0"/>
+            <a:r>
+              <a:rPr lang="ja-JP" altLang="en-US" sz="1400" dirty="0" smtClean="0"/>
+              <a:t>○直進のフィードフォワード</a:t>
+            </a:r>
+            <a:endParaRPr lang="en-US" altLang="ja-JP" sz="1400" dirty="0" smtClean="0"/>
           </a:p>
           <a:p>
             <a:endParaRPr lang="en-US" altLang="ja-JP" sz="1400" dirty="0"/>
           </a:p>
           <a:p>
-            <a:endParaRPr kumimoji="1" lang="en-US" altLang="ja-JP" sz="1400" dirty="0" smtClean="0"/>
+            <a:endParaRPr lang="en-US" altLang="ja-JP" sz="1400" dirty="0" smtClean="0"/>
+          </a:p>
+          <a:p>
+            <a:endParaRPr lang="en-US" altLang="ja-JP" sz="1400" dirty="0" smtClean="0"/>
           </a:p>
           <a:p>
             <a:endParaRPr lang="en-US" altLang="ja-JP" sz="1400" dirty="0"/>
           </a:p>
           <a:p>
-            <a:endParaRPr kumimoji="1" lang="en-US" altLang="ja-JP" sz="1400" dirty="0" smtClean="0"/>
+            <a:endParaRPr lang="en-US" altLang="ja-JP" sz="1400" dirty="0" smtClean="0"/>
           </a:p>
           <a:p>
             <a:endParaRPr lang="en-US" altLang="ja-JP" sz="1400" dirty="0"/>
           </a:p>
           <a:p>
-            <a:endParaRPr kumimoji="1" lang="en-US" altLang="ja-JP" sz="1400" dirty="0" smtClean="0"/>
-          </a:p>
-          <a:p>
+            <a:r>
+              <a:rPr lang="ja-JP" altLang="en-US" sz="1400" dirty="0" smtClean="0"/>
+              <a:t>倒立振子が</a:t>
+            </a:r>
+            <a:r>
+              <a:rPr lang="en-US" altLang="ja-JP" sz="1400" dirty="0" smtClean="0"/>
+              <a:t>4msec</a:t>
+            </a:r>
+            <a:r>
+              <a:rPr lang="ja-JP" altLang="en-US" sz="1400" dirty="0" smtClean="0"/>
+              <a:t>周期で呼ぶことで姿勢を保てることを利用した進行速度の向上方法</a:t>
+            </a:r>
+            <a:endParaRPr lang="en-US" altLang="ja-JP" sz="1400" dirty="0" smtClean="0"/>
+          </a:p>
+          <a:p>
+            <a:endParaRPr lang="en-US" altLang="ja-JP" sz="1400" dirty="0" smtClean="0"/>
+          </a:p>
+          <a:p>
+            <a:pPr marL="342900" indent="-342900">
+              <a:buAutoNum type="arabicPeriod"/>
+            </a:pPr>
+            <a:r>
+              <a:rPr lang="ja-JP" altLang="en-US" sz="1400" dirty="0" smtClean="0"/>
+              <a:t>倒立振子ライブラリの値をモータに与え、一定時間間を置く</a:t>
+            </a:r>
+            <a:endParaRPr lang="en-US" altLang="ja-JP" sz="1400" dirty="0" smtClean="0"/>
+          </a:p>
+          <a:p>
+            <a:pPr marL="342900" indent="-342900">
+              <a:buAutoNum type="arabicPeriod"/>
+            </a:pPr>
+            <a:r>
+              <a:rPr lang="ja-JP" altLang="en-US" sz="1400" dirty="0" smtClean="0"/>
+              <a:t>進行</a:t>
+            </a:r>
+            <a:r>
+              <a:rPr lang="ja-JP" altLang="en-US" sz="1400" dirty="0"/>
+              <a:t>方向</a:t>
+            </a:r>
+            <a:r>
+              <a:rPr lang="ja-JP" altLang="en-US" sz="1400" dirty="0" smtClean="0"/>
+              <a:t>の入力をいれる</a:t>
+            </a:r>
+            <a:endParaRPr lang="en-US" altLang="ja-JP" sz="1400" dirty="0" smtClean="0"/>
+          </a:p>
+          <a:p>
+            <a:pPr marL="342900" indent="-342900">
+              <a:buAutoNum type="arabicPeriod"/>
+            </a:pPr>
+            <a:r>
+              <a:rPr lang="ja-JP" altLang="en-US" sz="1400" dirty="0" smtClean="0"/>
+              <a:t>再度</a:t>
+            </a:r>
+            <a:r>
+              <a:rPr lang="en-US" altLang="ja-JP" sz="1400" dirty="0" smtClean="0"/>
+              <a:t>1</a:t>
+            </a:r>
+            <a:r>
+              <a:rPr lang="ja-JP" altLang="en-US" sz="1400" dirty="0" smtClean="0"/>
+              <a:t>を行うまでの時間を、</a:t>
+            </a:r>
+            <a:r>
+              <a:rPr lang="en-US" altLang="ja-JP" sz="1400" dirty="0" smtClean="0"/>
+              <a:t>4msec</a:t>
+            </a:r>
+            <a:r>
+              <a:rPr lang="ja-JP" altLang="en-US" sz="1400" dirty="0" smtClean="0"/>
+              <a:t>以内に収め、上記を繰り返す</a:t>
+            </a:r>
             <a:endParaRPr lang="en-US" altLang="ja-JP" sz="1400" dirty="0"/>
-          </a:p>
-          <a:p>
-            <a:endParaRPr kumimoji="1" lang="en-US" altLang="ja-JP" sz="1400" dirty="0" smtClean="0"/>
-          </a:p>
-          <a:p>
-            <a:endParaRPr lang="en-US" altLang="ja-JP" sz="1400" dirty="0"/>
-          </a:p>
-          <a:p>
-            <a:r>
-              <a:rPr kumimoji="1" lang="ja-JP" altLang="en-US" sz="1400" dirty="0" smtClean="0"/>
-              <a:t>直進フィードフォワード</a:t>
-            </a:r>
-            <a:endParaRPr kumimoji="1" lang="en-US" altLang="ja-JP" sz="1400" dirty="0" smtClean="0"/>
           </a:p>
         </p:txBody>
       </p:sp>
@@ -11735,17 +11839,15 @@
         </p:nvSpPr>
         <p:spPr>
           <a:xfrm>
-            <a:off x="4581327" y="1215320"/>
-            <a:ext cx="3207236" cy="2246769"/>
+            <a:off x="4581327" y="969577"/>
+            <a:ext cx="3207236" cy="3539430"/>
           </a:xfrm>
           <a:prstGeom prst="rect">
             <a:avLst/>
           </a:prstGeom>
           <a:noFill/>
           <a:ln>
-            <a:solidFill>
-              <a:schemeClr val="tx1"/>
-            </a:solidFill>
+            <a:noFill/>
           </a:ln>
         </p:spPr>
         <p:txBody>
@@ -11756,7 +11858,7 @@
           <a:p>
             <a:r>
               <a:rPr lang="ja-JP" altLang="en-US" sz="1400" dirty="0" smtClean="0"/>
-              <a:t>キャリブレーション</a:t>
+              <a:t>○カラーセンサキャリブレーション</a:t>
             </a:r>
             <a:endParaRPr lang="en-US" altLang="ja-JP" sz="1400" dirty="0"/>
           </a:p>
@@ -11782,9 +11884,30 @@
             <a:endParaRPr kumimoji="1" lang="en-US" altLang="ja-JP" sz="1400" dirty="0" smtClean="0"/>
           </a:p>
           <a:p>
+            <a:endParaRPr kumimoji="1" lang="en-US" altLang="ja-JP" sz="1400" dirty="0" smtClean="0"/>
+          </a:p>
+          <a:p>
             <a:endParaRPr lang="en-US" altLang="ja-JP" sz="1400" dirty="0"/>
           </a:p>
           <a:p>
+            <a:endParaRPr kumimoji="1" lang="en-US" altLang="ja-JP" sz="1400" dirty="0" smtClean="0"/>
+          </a:p>
+          <a:p>
+            <a:r>
+              <a:rPr kumimoji="1" lang="ja-JP" altLang="en-US" sz="1400" dirty="0" smtClean="0"/>
+              <a:t>競技開始前にコース上の白、黒</a:t>
+            </a:r>
+            <a:r>
+              <a:rPr lang="ja-JP" altLang="en-US" sz="1400" dirty="0" smtClean="0"/>
+              <a:t>、灰のカラーセンサ値を取得し、走行体に記録する。</a:t>
+            </a:r>
+            <a:endParaRPr lang="en-US" altLang="ja-JP" sz="1400" dirty="0" smtClean="0"/>
+          </a:p>
+          <a:p>
+            <a:r>
+              <a:rPr kumimoji="1" lang="ja-JP" altLang="en-US" sz="1400" dirty="0" smtClean="0"/>
+              <a:t>照明の影響を含めたセンサ値の基準を持つことで、誤検出を減らす。</a:t>
+            </a:r>
             <a:endParaRPr kumimoji="1" lang="en-US" altLang="ja-JP" sz="1400" dirty="0" smtClean="0"/>
           </a:p>
         </p:txBody>
@@ -12067,17 +12190,15 @@
         </p:nvSpPr>
         <p:spPr>
           <a:xfrm>
-            <a:off x="4539764" y="5257079"/>
-            <a:ext cx="3532928" cy="2893100"/>
+            <a:off x="4658284" y="5257079"/>
+            <a:ext cx="3414408" cy="3970318"/>
           </a:xfrm>
           <a:prstGeom prst="rect">
             <a:avLst/>
           </a:prstGeom>
           <a:noFill/>
           <a:ln>
-            <a:solidFill>
-              <a:schemeClr val="tx1"/>
-            </a:solidFill>
+            <a:noFill/>
           </a:ln>
         </p:spPr>
         <p:txBody>
@@ -12088,48 +12209,76 @@
           <a:p>
             <a:r>
               <a:rPr lang="ja-JP" altLang="en-US" sz="1400" dirty="0" smtClean="0"/>
-              <a:t>○コース</a:t>
+              <a:t>○走行距離の推定</a:t>
+            </a:r>
+            <a:endParaRPr lang="en-US" altLang="ja-JP" sz="1400" dirty="0" smtClean="0"/>
+          </a:p>
+          <a:p>
+            <a:endParaRPr lang="en-US" altLang="ja-JP" sz="1400" dirty="0"/>
+          </a:p>
+          <a:p>
+            <a:endParaRPr kumimoji="1" lang="en-US" altLang="ja-JP" sz="1400" dirty="0" smtClean="0"/>
+          </a:p>
+          <a:p>
+            <a:endParaRPr lang="en-US" altLang="ja-JP" sz="1400" dirty="0"/>
+          </a:p>
+          <a:p>
+            <a:endParaRPr kumimoji="1" lang="en-US" altLang="ja-JP" sz="1400" dirty="0" smtClean="0"/>
+          </a:p>
+          <a:p>
+            <a:endParaRPr lang="en-US" altLang="ja-JP" sz="1400" dirty="0"/>
+          </a:p>
+          <a:p>
+            <a:endParaRPr kumimoji="1" lang="en-US" altLang="ja-JP" sz="1400" dirty="0" smtClean="0"/>
+          </a:p>
+          <a:p>
+            <a:endParaRPr lang="en-US" altLang="ja-JP" sz="1400" dirty="0"/>
+          </a:p>
+          <a:p>
+            <a:endParaRPr kumimoji="1" lang="en-US" altLang="ja-JP" sz="1400" dirty="0" smtClean="0"/>
+          </a:p>
+          <a:p>
+            <a:endParaRPr kumimoji="1" lang="en-US" altLang="ja-JP" sz="1400" dirty="0" smtClean="0"/>
+          </a:p>
+          <a:p>
+            <a:endParaRPr lang="en-US" altLang="ja-JP" sz="1400" dirty="0" smtClean="0"/>
+          </a:p>
+          <a:p>
+            <a:r>
+              <a:rPr lang="ja-JP" altLang="en-US" sz="1400" dirty="0"/>
+              <a:t>モータ</a:t>
             </a:r>
             <a:r>
               <a:rPr lang="ja-JP" altLang="en-US" sz="1400" dirty="0" smtClean="0"/>
-              <a:t>の切り替え（距離）</a:t>
-            </a:r>
-            <a:endParaRPr kumimoji="1" lang="en-US" altLang="ja-JP" sz="1400" dirty="0" smtClean="0"/>
+              <a:t>ーのエンコーダ値から走行距離を計算する方法</a:t>
+            </a:r>
+            <a:endParaRPr lang="en-US" altLang="ja-JP" sz="1400" dirty="0" smtClean="0"/>
           </a:p>
           <a:p>
             <a:endParaRPr lang="en-US" altLang="ja-JP" sz="1400" dirty="0"/>
           </a:p>
           <a:p>
-            <a:endParaRPr kumimoji="1" lang="en-US" altLang="ja-JP" sz="1400" dirty="0" smtClean="0"/>
-          </a:p>
-          <a:p>
-            <a:endParaRPr lang="en-US" altLang="ja-JP" sz="1400" dirty="0"/>
-          </a:p>
-          <a:p>
-            <a:endParaRPr kumimoji="1" lang="en-US" altLang="ja-JP" sz="1400" dirty="0" smtClean="0"/>
-          </a:p>
-          <a:p>
-            <a:endParaRPr lang="en-US" altLang="ja-JP" sz="1400" dirty="0"/>
-          </a:p>
-          <a:p>
-            <a:endParaRPr kumimoji="1" lang="en-US" altLang="ja-JP" sz="1400" dirty="0" smtClean="0"/>
-          </a:p>
-          <a:p>
-            <a:endParaRPr lang="en-US" altLang="ja-JP" sz="1400" dirty="0"/>
-          </a:p>
-          <a:p>
-            <a:endParaRPr kumimoji="1" lang="en-US" altLang="ja-JP" sz="1400" dirty="0" smtClean="0"/>
-          </a:p>
-          <a:p>
-            <a:endParaRPr kumimoji="1" lang="en-US" altLang="ja-JP" sz="1400" dirty="0" smtClean="0"/>
-          </a:p>
-          <a:p>
+            <a:pPr marL="342900" indent="-342900">
+              <a:buAutoNum type="arabicPeriod"/>
+            </a:pPr>
+            <a:r>
+              <a:rPr lang="ja-JP" altLang="en-US" sz="1400" dirty="0" smtClean="0"/>
+              <a:t>エンコーダ値から車輪の回転量を計算する</a:t>
+            </a:r>
             <a:endParaRPr lang="en-US" altLang="ja-JP" sz="1400" dirty="0" smtClean="0"/>
           </a:p>
           <a:p>
-            <a:endParaRPr lang="en-US" altLang="ja-JP" sz="1400" dirty="0"/>
-          </a:p>
-          <a:p>
+            <a:pPr marL="342900" indent="-342900">
+              <a:buAutoNum type="arabicPeriod"/>
+            </a:pPr>
+            <a:r>
+              <a:rPr lang="ja-JP" altLang="en-US" sz="1400" dirty="0"/>
+              <a:t>車輪</a:t>
+            </a:r>
+            <a:r>
+              <a:rPr lang="ja-JP" altLang="en-US" sz="1400" dirty="0" smtClean="0"/>
+              <a:t>の直径、円周率、回転量を掛け合わせる</a:t>
+            </a:r>
             <a:endParaRPr kumimoji="1" lang="en-US" altLang="ja-JP" sz="1400" dirty="0" smtClean="0"/>
           </a:p>
         </p:txBody>
@@ -15565,7 +15714,7 @@
         </p:nvSpPr>
         <p:spPr>
           <a:xfrm>
-            <a:off x="5942241" y="6549662"/>
+            <a:off x="5942241" y="6184916"/>
             <a:ext cx="2145911" cy="1077218"/>
           </a:xfrm>
           <a:prstGeom prst="rect">
@@ -15602,6 +15751,3835 @@
               <a:t>走行距離</a:t>
             </a:r>
             <a:endParaRPr kumimoji="1" lang="ja-JP" altLang="en-US" sz="2400" dirty="0"/>
+          </a:p>
+        </p:txBody>
+      </p:sp>
+      <p:pic>
+        <p:nvPicPr>
+          <p:cNvPr id="123" name="図 122"/>
+          <p:cNvPicPr>
+            <a:picLocks noChangeAspect="1"/>
+          </p:cNvPicPr>
+          <p:nvPr/>
+        </p:nvPicPr>
+        <p:blipFill>
+          <a:blip r:embed="rId2"/>
+          <a:stretch>
+            <a:fillRect/>
+          </a:stretch>
+        </p:blipFill>
+        <p:spPr>
+          <a:xfrm>
+            <a:off x="4679828" y="1274504"/>
+            <a:ext cx="3061951" cy="1784063"/>
+          </a:xfrm>
+          <a:prstGeom prst="rect">
+            <a:avLst/>
+          </a:prstGeom>
+        </p:spPr>
+      </p:pic>
+      <p:grpSp>
+        <p:nvGrpSpPr>
+          <p:cNvPr id="124" name="グループ化 123"/>
+          <p:cNvGrpSpPr/>
+          <p:nvPr/>
+        </p:nvGrpSpPr>
+        <p:grpSpPr>
+          <a:xfrm rot="5400000">
+            <a:off x="6009654" y="2297334"/>
+            <a:ext cx="606001" cy="438137"/>
+            <a:chOff x="3293289" y="1967488"/>
+            <a:chExt cx="3744615" cy="2707345"/>
+          </a:xfrm>
+        </p:grpSpPr>
+        <p:sp>
+          <p:nvSpPr>
+            <p:cNvPr id="125" name="正方形/長方形 124"/>
+            <p:cNvSpPr/>
+            <p:nvPr/>
+          </p:nvSpPr>
+          <p:spPr>
+            <a:xfrm>
+              <a:off x="3593215" y="3310866"/>
+              <a:ext cx="3188585" cy="114492"/>
+            </a:xfrm>
+            <a:prstGeom prst="rect">
+              <a:avLst/>
+            </a:prstGeom>
+            <a:solidFill>
+              <a:schemeClr val="bg2"/>
+            </a:solidFill>
+            <a:ln>
+              <a:solidFill>
+                <a:schemeClr val="tx1"/>
+              </a:solidFill>
+            </a:ln>
+          </p:spPr>
+          <p:style>
+            <a:lnRef idx="2">
+              <a:schemeClr val="accent1">
+                <a:shade val="50000"/>
+              </a:schemeClr>
+            </a:lnRef>
+            <a:fillRef idx="1">
+              <a:schemeClr val="accent1"/>
+            </a:fillRef>
+            <a:effectRef idx="0">
+              <a:schemeClr val="accent1"/>
+            </a:effectRef>
+            <a:fontRef idx="minor">
+              <a:schemeClr val="lt1"/>
+            </a:fontRef>
+          </p:style>
+          <p:txBody>
+            <a:bodyPr rtlCol="0" anchor="ctr"/>
+            <a:lstStyle/>
+            <a:p>
+              <a:pPr algn="ctr"/>
+              <a:endParaRPr kumimoji="1" lang="ja-JP" altLang="en-US"/>
+            </a:p>
+          </p:txBody>
+        </p:sp>
+        <p:sp>
+          <p:nvSpPr>
+            <p:cNvPr id="126" name="正方形/長方形 125"/>
+            <p:cNvSpPr/>
+            <p:nvPr/>
+          </p:nvSpPr>
+          <p:spPr>
+            <a:xfrm>
+              <a:off x="3876716" y="2583502"/>
+              <a:ext cx="2636315" cy="1546408"/>
+            </a:xfrm>
+            <a:prstGeom prst="rect">
+              <a:avLst/>
+            </a:prstGeom>
+            <a:solidFill>
+              <a:schemeClr val="bg1"/>
+            </a:solidFill>
+            <a:ln>
+              <a:solidFill>
+                <a:schemeClr val="tx1"/>
+              </a:solidFill>
+            </a:ln>
+          </p:spPr>
+          <p:style>
+            <a:lnRef idx="2">
+              <a:schemeClr val="accent1">
+                <a:shade val="50000"/>
+              </a:schemeClr>
+            </a:lnRef>
+            <a:fillRef idx="1">
+              <a:schemeClr val="accent1"/>
+            </a:fillRef>
+            <a:effectRef idx="0">
+              <a:schemeClr val="accent1"/>
+            </a:effectRef>
+            <a:fontRef idx="minor">
+              <a:schemeClr val="lt1"/>
+            </a:fontRef>
+          </p:style>
+          <p:txBody>
+            <a:bodyPr rtlCol="0" anchor="ctr"/>
+            <a:lstStyle/>
+            <a:p>
+              <a:pPr algn="ctr"/>
+              <a:endParaRPr kumimoji="1" lang="ja-JP" altLang="en-US"/>
+            </a:p>
+          </p:txBody>
+        </p:sp>
+        <p:sp>
+          <p:nvSpPr>
+            <p:cNvPr id="127" name="正方形/長方形 126"/>
+            <p:cNvSpPr/>
+            <p:nvPr/>
+          </p:nvSpPr>
+          <p:spPr>
+            <a:xfrm>
+              <a:off x="3293289" y="2141061"/>
+              <a:ext cx="442485" cy="2533772"/>
+            </a:xfrm>
+            <a:prstGeom prst="rect">
+              <a:avLst/>
+            </a:prstGeom>
+            <a:solidFill>
+              <a:schemeClr val="tx1"/>
+            </a:solidFill>
+            <a:ln>
+              <a:solidFill>
+                <a:schemeClr val="tx1"/>
+              </a:solidFill>
+            </a:ln>
+          </p:spPr>
+          <p:style>
+            <a:lnRef idx="2">
+              <a:schemeClr val="accent1">
+                <a:shade val="50000"/>
+              </a:schemeClr>
+            </a:lnRef>
+            <a:fillRef idx="1">
+              <a:schemeClr val="accent1"/>
+            </a:fillRef>
+            <a:effectRef idx="0">
+              <a:schemeClr val="accent1"/>
+            </a:effectRef>
+            <a:fontRef idx="minor">
+              <a:schemeClr val="lt1"/>
+            </a:fontRef>
+          </p:style>
+          <p:txBody>
+            <a:bodyPr rtlCol="0" anchor="ctr"/>
+            <a:lstStyle/>
+            <a:p>
+              <a:pPr algn="ctr"/>
+              <a:endParaRPr kumimoji="1" lang="ja-JP" altLang="en-US"/>
+            </a:p>
+          </p:txBody>
+        </p:sp>
+        <p:sp>
+          <p:nvSpPr>
+            <p:cNvPr id="128" name="正方形/長方形 127"/>
+            <p:cNvSpPr/>
+            <p:nvPr/>
+          </p:nvSpPr>
+          <p:spPr>
+            <a:xfrm>
+              <a:off x="6595419" y="2141061"/>
+              <a:ext cx="442485" cy="2533772"/>
+            </a:xfrm>
+            <a:prstGeom prst="rect">
+              <a:avLst/>
+            </a:prstGeom>
+            <a:solidFill>
+              <a:schemeClr val="tx1"/>
+            </a:solidFill>
+            <a:ln>
+              <a:solidFill>
+                <a:schemeClr val="tx1"/>
+              </a:solidFill>
+            </a:ln>
+          </p:spPr>
+          <p:style>
+            <a:lnRef idx="2">
+              <a:schemeClr val="accent1">
+                <a:shade val="50000"/>
+              </a:schemeClr>
+            </a:lnRef>
+            <a:fillRef idx="1">
+              <a:schemeClr val="accent1"/>
+            </a:fillRef>
+            <a:effectRef idx="0">
+              <a:schemeClr val="accent1"/>
+            </a:effectRef>
+            <a:fontRef idx="minor">
+              <a:schemeClr val="lt1"/>
+            </a:fontRef>
+          </p:style>
+          <p:txBody>
+            <a:bodyPr rtlCol="0" anchor="ctr"/>
+            <a:lstStyle/>
+            <a:p>
+              <a:pPr algn="ctr"/>
+              <a:endParaRPr kumimoji="1" lang="ja-JP" altLang="en-US"/>
+            </a:p>
+          </p:txBody>
+        </p:sp>
+        <p:sp>
+          <p:nvSpPr>
+            <p:cNvPr id="129" name="正方形/長方形 128"/>
+            <p:cNvSpPr/>
+            <p:nvPr/>
+          </p:nvSpPr>
+          <p:spPr>
+            <a:xfrm>
+              <a:off x="3876715" y="2739879"/>
+              <a:ext cx="2636315" cy="529102"/>
+            </a:xfrm>
+            <a:prstGeom prst="rect">
+              <a:avLst/>
+            </a:prstGeom>
+            <a:solidFill>
+              <a:schemeClr val="tx1"/>
+            </a:solidFill>
+            <a:ln>
+              <a:solidFill>
+                <a:schemeClr val="tx1"/>
+              </a:solidFill>
+            </a:ln>
+          </p:spPr>
+          <p:style>
+            <a:lnRef idx="2">
+              <a:schemeClr val="accent1">
+                <a:shade val="50000"/>
+              </a:schemeClr>
+            </a:lnRef>
+            <a:fillRef idx="1">
+              <a:schemeClr val="accent1"/>
+            </a:fillRef>
+            <a:effectRef idx="0">
+              <a:schemeClr val="accent1"/>
+            </a:effectRef>
+            <a:fontRef idx="minor">
+              <a:schemeClr val="lt1"/>
+            </a:fontRef>
+          </p:style>
+          <p:txBody>
+            <a:bodyPr rtlCol="0" anchor="ctr"/>
+            <a:lstStyle/>
+            <a:p>
+              <a:pPr algn="ctr"/>
+              <a:endParaRPr kumimoji="1" lang="ja-JP" altLang="en-US"/>
+            </a:p>
+          </p:txBody>
+        </p:sp>
+        <p:sp>
+          <p:nvSpPr>
+            <p:cNvPr id="130" name="正方形/長方形 129"/>
+            <p:cNvSpPr/>
+            <p:nvPr/>
+          </p:nvSpPr>
+          <p:spPr>
+            <a:xfrm>
+              <a:off x="4728787" y="2583502"/>
+              <a:ext cx="1013127" cy="156377"/>
+            </a:xfrm>
+            <a:prstGeom prst="rect">
+              <a:avLst/>
+            </a:prstGeom>
+            <a:solidFill>
+              <a:schemeClr val="bg1">
+                <a:lumMod val="75000"/>
+              </a:schemeClr>
+            </a:solidFill>
+            <a:ln>
+              <a:solidFill>
+                <a:schemeClr val="tx1"/>
+              </a:solidFill>
+            </a:ln>
+          </p:spPr>
+          <p:style>
+            <a:lnRef idx="2">
+              <a:schemeClr val="accent1">
+                <a:shade val="50000"/>
+              </a:schemeClr>
+            </a:lnRef>
+            <a:fillRef idx="1">
+              <a:schemeClr val="accent1"/>
+            </a:fillRef>
+            <a:effectRef idx="0">
+              <a:schemeClr val="accent1"/>
+            </a:effectRef>
+            <a:fontRef idx="minor">
+              <a:schemeClr val="lt1"/>
+            </a:fontRef>
+          </p:style>
+          <p:txBody>
+            <a:bodyPr rtlCol="0" anchor="ctr"/>
+            <a:lstStyle/>
+            <a:p>
+              <a:pPr algn="ctr"/>
+              <a:endParaRPr kumimoji="1" lang="ja-JP" altLang="en-US"/>
+            </a:p>
+          </p:txBody>
+        </p:sp>
+        <p:sp>
+          <p:nvSpPr>
+            <p:cNvPr id="131" name="正方形/長方形 130"/>
+            <p:cNvSpPr/>
+            <p:nvPr/>
+          </p:nvSpPr>
+          <p:spPr>
+            <a:xfrm>
+              <a:off x="4224715" y="3282354"/>
+              <a:ext cx="772380" cy="156377"/>
+            </a:xfrm>
+            <a:prstGeom prst="rect">
+              <a:avLst/>
+            </a:prstGeom>
+            <a:solidFill>
+              <a:srgbClr val="FF0000"/>
+            </a:solidFill>
+            <a:ln>
+              <a:solidFill>
+                <a:srgbClr val="FF0000"/>
+              </a:solidFill>
+            </a:ln>
+          </p:spPr>
+          <p:style>
+            <a:lnRef idx="2">
+              <a:schemeClr val="accent1">
+                <a:shade val="50000"/>
+              </a:schemeClr>
+            </a:lnRef>
+            <a:fillRef idx="1">
+              <a:schemeClr val="accent1"/>
+            </a:fillRef>
+            <a:effectRef idx="0">
+              <a:schemeClr val="accent1"/>
+            </a:effectRef>
+            <a:fontRef idx="minor">
+              <a:schemeClr val="lt1"/>
+            </a:fontRef>
+          </p:style>
+          <p:txBody>
+            <a:bodyPr rtlCol="0" anchor="ctr"/>
+            <a:lstStyle/>
+            <a:p>
+              <a:pPr algn="ctr"/>
+              <a:endParaRPr kumimoji="1" lang="ja-JP" altLang="en-US"/>
+            </a:p>
+          </p:txBody>
+        </p:sp>
+        <p:sp>
+          <p:nvSpPr>
+            <p:cNvPr id="132" name="正方形/長方形 131"/>
+            <p:cNvSpPr/>
+            <p:nvPr/>
+          </p:nvSpPr>
+          <p:spPr>
+            <a:xfrm>
+              <a:off x="5457681" y="3282354"/>
+              <a:ext cx="772380" cy="156377"/>
+            </a:xfrm>
+            <a:prstGeom prst="rect">
+              <a:avLst/>
+            </a:prstGeom>
+            <a:solidFill>
+              <a:srgbClr val="FF0000"/>
+            </a:solidFill>
+            <a:ln>
+              <a:solidFill>
+                <a:srgbClr val="FF0000"/>
+              </a:solidFill>
+            </a:ln>
+          </p:spPr>
+          <p:style>
+            <a:lnRef idx="2">
+              <a:schemeClr val="accent1">
+                <a:shade val="50000"/>
+              </a:schemeClr>
+            </a:lnRef>
+            <a:fillRef idx="1">
+              <a:schemeClr val="accent1"/>
+            </a:fillRef>
+            <a:effectRef idx="0">
+              <a:schemeClr val="accent1"/>
+            </a:effectRef>
+            <a:fontRef idx="minor">
+              <a:schemeClr val="lt1"/>
+            </a:fontRef>
+          </p:style>
+          <p:txBody>
+            <a:bodyPr rtlCol="0" anchor="ctr"/>
+            <a:lstStyle/>
+            <a:p>
+              <a:pPr algn="ctr"/>
+              <a:endParaRPr kumimoji="1" lang="ja-JP" altLang="en-US"/>
+            </a:p>
+          </p:txBody>
+        </p:sp>
+        <p:sp>
+          <p:nvSpPr>
+            <p:cNvPr id="133" name="正方形/長方形 132"/>
+            <p:cNvSpPr/>
+            <p:nvPr/>
+          </p:nvSpPr>
+          <p:spPr>
+            <a:xfrm>
+              <a:off x="4503809" y="1967488"/>
+              <a:ext cx="1480932" cy="182880"/>
+            </a:xfrm>
+            <a:prstGeom prst="rect">
+              <a:avLst/>
+            </a:prstGeom>
+            <a:solidFill>
+              <a:schemeClr val="bg2"/>
+            </a:solidFill>
+            <a:ln>
+              <a:solidFill>
+                <a:schemeClr val="tx1"/>
+              </a:solidFill>
+            </a:ln>
+          </p:spPr>
+          <p:style>
+            <a:lnRef idx="2">
+              <a:schemeClr val="accent1">
+                <a:shade val="50000"/>
+              </a:schemeClr>
+            </a:lnRef>
+            <a:fillRef idx="1">
+              <a:schemeClr val="accent1"/>
+            </a:fillRef>
+            <a:effectRef idx="0">
+              <a:schemeClr val="accent1"/>
+            </a:effectRef>
+            <a:fontRef idx="minor">
+              <a:schemeClr val="lt1"/>
+            </a:fontRef>
+          </p:style>
+          <p:txBody>
+            <a:bodyPr rtlCol="0" anchor="ctr"/>
+            <a:lstStyle/>
+            <a:p>
+              <a:pPr algn="ctr"/>
+              <a:endParaRPr kumimoji="1" lang="ja-JP" altLang="en-US"/>
+            </a:p>
+          </p:txBody>
+        </p:sp>
+        <p:sp>
+          <p:nvSpPr>
+            <p:cNvPr id="134" name="正方形/長方形 133"/>
+            <p:cNvSpPr/>
+            <p:nvPr/>
+          </p:nvSpPr>
+          <p:spPr>
+            <a:xfrm rot="16200000">
+              <a:off x="4378682" y="2275495"/>
+              <a:ext cx="433134" cy="182880"/>
+            </a:xfrm>
+            <a:prstGeom prst="rect">
+              <a:avLst/>
+            </a:prstGeom>
+            <a:solidFill>
+              <a:schemeClr val="bg2"/>
+            </a:solidFill>
+            <a:ln>
+              <a:solidFill>
+                <a:schemeClr val="tx1"/>
+              </a:solidFill>
+            </a:ln>
+          </p:spPr>
+          <p:style>
+            <a:lnRef idx="2">
+              <a:schemeClr val="accent1">
+                <a:shade val="50000"/>
+              </a:schemeClr>
+            </a:lnRef>
+            <a:fillRef idx="1">
+              <a:schemeClr val="accent1"/>
+            </a:fillRef>
+            <a:effectRef idx="0">
+              <a:schemeClr val="accent1"/>
+            </a:effectRef>
+            <a:fontRef idx="minor">
+              <a:schemeClr val="lt1"/>
+            </a:fontRef>
+          </p:style>
+          <p:txBody>
+            <a:bodyPr rtlCol="0" anchor="ctr"/>
+            <a:lstStyle/>
+            <a:p>
+              <a:pPr algn="ctr"/>
+              <a:endParaRPr kumimoji="1" lang="ja-JP" altLang="en-US"/>
+            </a:p>
+          </p:txBody>
+        </p:sp>
+        <p:sp>
+          <p:nvSpPr>
+            <p:cNvPr id="135" name="正方形/長方形 134"/>
+            <p:cNvSpPr/>
+            <p:nvPr/>
+          </p:nvSpPr>
+          <p:spPr>
+            <a:xfrm rot="16200000">
+              <a:off x="5674483" y="2275495"/>
+              <a:ext cx="433134" cy="182880"/>
+            </a:xfrm>
+            <a:prstGeom prst="rect">
+              <a:avLst/>
+            </a:prstGeom>
+            <a:solidFill>
+              <a:schemeClr val="bg2"/>
+            </a:solidFill>
+            <a:ln>
+              <a:solidFill>
+                <a:schemeClr val="tx1"/>
+              </a:solidFill>
+            </a:ln>
+          </p:spPr>
+          <p:style>
+            <a:lnRef idx="2">
+              <a:schemeClr val="accent1">
+                <a:shade val="50000"/>
+              </a:schemeClr>
+            </a:lnRef>
+            <a:fillRef idx="1">
+              <a:schemeClr val="accent1"/>
+            </a:fillRef>
+            <a:effectRef idx="0">
+              <a:schemeClr val="accent1"/>
+            </a:effectRef>
+            <a:fontRef idx="minor">
+              <a:schemeClr val="lt1"/>
+            </a:fontRef>
+          </p:style>
+          <p:txBody>
+            <a:bodyPr rtlCol="0" anchor="ctr"/>
+            <a:lstStyle/>
+            <a:p>
+              <a:pPr algn="ctr"/>
+              <a:endParaRPr kumimoji="1" lang="ja-JP" altLang="en-US"/>
+            </a:p>
+          </p:txBody>
+        </p:sp>
+      </p:grpSp>
+      <p:grpSp>
+        <p:nvGrpSpPr>
+          <p:cNvPr id="160" name="グループ化 159"/>
+          <p:cNvGrpSpPr/>
+          <p:nvPr/>
+        </p:nvGrpSpPr>
+        <p:grpSpPr>
+          <a:xfrm rot="5400000">
+            <a:off x="5005378" y="2347776"/>
+            <a:ext cx="606001" cy="438137"/>
+            <a:chOff x="3293289" y="1967488"/>
+            <a:chExt cx="3744615" cy="2707345"/>
+          </a:xfrm>
+        </p:grpSpPr>
+        <p:sp>
+          <p:nvSpPr>
+            <p:cNvPr id="161" name="正方形/長方形 160"/>
+            <p:cNvSpPr/>
+            <p:nvPr/>
+          </p:nvSpPr>
+          <p:spPr>
+            <a:xfrm>
+              <a:off x="3593215" y="3310866"/>
+              <a:ext cx="3188585" cy="114492"/>
+            </a:xfrm>
+            <a:prstGeom prst="rect">
+              <a:avLst/>
+            </a:prstGeom>
+            <a:solidFill>
+              <a:schemeClr val="bg2"/>
+            </a:solidFill>
+            <a:ln>
+              <a:solidFill>
+                <a:schemeClr val="tx1"/>
+              </a:solidFill>
+            </a:ln>
+          </p:spPr>
+          <p:style>
+            <a:lnRef idx="2">
+              <a:schemeClr val="accent1">
+                <a:shade val="50000"/>
+              </a:schemeClr>
+            </a:lnRef>
+            <a:fillRef idx="1">
+              <a:schemeClr val="accent1"/>
+            </a:fillRef>
+            <a:effectRef idx="0">
+              <a:schemeClr val="accent1"/>
+            </a:effectRef>
+            <a:fontRef idx="minor">
+              <a:schemeClr val="lt1"/>
+            </a:fontRef>
+          </p:style>
+          <p:txBody>
+            <a:bodyPr rtlCol="0" anchor="ctr"/>
+            <a:lstStyle/>
+            <a:p>
+              <a:pPr algn="ctr"/>
+              <a:endParaRPr kumimoji="1" lang="ja-JP" altLang="en-US"/>
+            </a:p>
+          </p:txBody>
+        </p:sp>
+        <p:sp>
+          <p:nvSpPr>
+            <p:cNvPr id="162" name="正方形/長方形 161"/>
+            <p:cNvSpPr/>
+            <p:nvPr/>
+          </p:nvSpPr>
+          <p:spPr>
+            <a:xfrm>
+              <a:off x="3876716" y="2583502"/>
+              <a:ext cx="2636315" cy="1546408"/>
+            </a:xfrm>
+            <a:prstGeom prst="rect">
+              <a:avLst/>
+            </a:prstGeom>
+            <a:solidFill>
+              <a:schemeClr val="bg1"/>
+            </a:solidFill>
+            <a:ln>
+              <a:solidFill>
+                <a:schemeClr val="tx1"/>
+              </a:solidFill>
+            </a:ln>
+          </p:spPr>
+          <p:style>
+            <a:lnRef idx="2">
+              <a:schemeClr val="accent1">
+                <a:shade val="50000"/>
+              </a:schemeClr>
+            </a:lnRef>
+            <a:fillRef idx="1">
+              <a:schemeClr val="accent1"/>
+            </a:fillRef>
+            <a:effectRef idx="0">
+              <a:schemeClr val="accent1"/>
+            </a:effectRef>
+            <a:fontRef idx="minor">
+              <a:schemeClr val="lt1"/>
+            </a:fontRef>
+          </p:style>
+          <p:txBody>
+            <a:bodyPr rtlCol="0" anchor="ctr"/>
+            <a:lstStyle/>
+            <a:p>
+              <a:pPr algn="ctr"/>
+              <a:endParaRPr kumimoji="1" lang="ja-JP" altLang="en-US"/>
+            </a:p>
+          </p:txBody>
+        </p:sp>
+        <p:sp>
+          <p:nvSpPr>
+            <p:cNvPr id="163" name="正方形/長方形 162"/>
+            <p:cNvSpPr/>
+            <p:nvPr/>
+          </p:nvSpPr>
+          <p:spPr>
+            <a:xfrm>
+              <a:off x="3293289" y="2141061"/>
+              <a:ext cx="442485" cy="2533772"/>
+            </a:xfrm>
+            <a:prstGeom prst="rect">
+              <a:avLst/>
+            </a:prstGeom>
+            <a:solidFill>
+              <a:schemeClr val="tx1"/>
+            </a:solidFill>
+            <a:ln>
+              <a:solidFill>
+                <a:schemeClr val="tx1"/>
+              </a:solidFill>
+            </a:ln>
+          </p:spPr>
+          <p:style>
+            <a:lnRef idx="2">
+              <a:schemeClr val="accent1">
+                <a:shade val="50000"/>
+              </a:schemeClr>
+            </a:lnRef>
+            <a:fillRef idx="1">
+              <a:schemeClr val="accent1"/>
+            </a:fillRef>
+            <a:effectRef idx="0">
+              <a:schemeClr val="accent1"/>
+            </a:effectRef>
+            <a:fontRef idx="minor">
+              <a:schemeClr val="lt1"/>
+            </a:fontRef>
+          </p:style>
+          <p:txBody>
+            <a:bodyPr rtlCol="0" anchor="ctr"/>
+            <a:lstStyle/>
+            <a:p>
+              <a:pPr algn="ctr"/>
+              <a:endParaRPr kumimoji="1" lang="ja-JP" altLang="en-US"/>
+            </a:p>
+          </p:txBody>
+        </p:sp>
+        <p:sp>
+          <p:nvSpPr>
+            <p:cNvPr id="164" name="正方形/長方形 163"/>
+            <p:cNvSpPr/>
+            <p:nvPr/>
+          </p:nvSpPr>
+          <p:spPr>
+            <a:xfrm>
+              <a:off x="6595419" y="2141061"/>
+              <a:ext cx="442485" cy="2533772"/>
+            </a:xfrm>
+            <a:prstGeom prst="rect">
+              <a:avLst/>
+            </a:prstGeom>
+            <a:solidFill>
+              <a:schemeClr val="tx1"/>
+            </a:solidFill>
+            <a:ln>
+              <a:solidFill>
+                <a:schemeClr val="tx1"/>
+              </a:solidFill>
+            </a:ln>
+          </p:spPr>
+          <p:style>
+            <a:lnRef idx="2">
+              <a:schemeClr val="accent1">
+                <a:shade val="50000"/>
+              </a:schemeClr>
+            </a:lnRef>
+            <a:fillRef idx="1">
+              <a:schemeClr val="accent1"/>
+            </a:fillRef>
+            <a:effectRef idx="0">
+              <a:schemeClr val="accent1"/>
+            </a:effectRef>
+            <a:fontRef idx="minor">
+              <a:schemeClr val="lt1"/>
+            </a:fontRef>
+          </p:style>
+          <p:txBody>
+            <a:bodyPr rtlCol="0" anchor="ctr"/>
+            <a:lstStyle/>
+            <a:p>
+              <a:pPr algn="ctr"/>
+              <a:endParaRPr kumimoji="1" lang="ja-JP" altLang="en-US"/>
+            </a:p>
+          </p:txBody>
+        </p:sp>
+        <p:sp>
+          <p:nvSpPr>
+            <p:cNvPr id="165" name="正方形/長方形 164"/>
+            <p:cNvSpPr/>
+            <p:nvPr/>
+          </p:nvSpPr>
+          <p:spPr>
+            <a:xfrm>
+              <a:off x="3876715" y="2739879"/>
+              <a:ext cx="2636315" cy="529102"/>
+            </a:xfrm>
+            <a:prstGeom prst="rect">
+              <a:avLst/>
+            </a:prstGeom>
+            <a:solidFill>
+              <a:schemeClr val="tx1"/>
+            </a:solidFill>
+            <a:ln>
+              <a:solidFill>
+                <a:schemeClr val="tx1"/>
+              </a:solidFill>
+            </a:ln>
+          </p:spPr>
+          <p:style>
+            <a:lnRef idx="2">
+              <a:schemeClr val="accent1">
+                <a:shade val="50000"/>
+              </a:schemeClr>
+            </a:lnRef>
+            <a:fillRef idx="1">
+              <a:schemeClr val="accent1"/>
+            </a:fillRef>
+            <a:effectRef idx="0">
+              <a:schemeClr val="accent1"/>
+            </a:effectRef>
+            <a:fontRef idx="minor">
+              <a:schemeClr val="lt1"/>
+            </a:fontRef>
+          </p:style>
+          <p:txBody>
+            <a:bodyPr rtlCol="0" anchor="ctr"/>
+            <a:lstStyle/>
+            <a:p>
+              <a:pPr algn="ctr"/>
+              <a:endParaRPr kumimoji="1" lang="ja-JP" altLang="en-US"/>
+            </a:p>
+          </p:txBody>
+        </p:sp>
+        <p:sp>
+          <p:nvSpPr>
+            <p:cNvPr id="166" name="正方形/長方形 165"/>
+            <p:cNvSpPr/>
+            <p:nvPr/>
+          </p:nvSpPr>
+          <p:spPr>
+            <a:xfrm>
+              <a:off x="4728787" y="2583502"/>
+              <a:ext cx="1013127" cy="156377"/>
+            </a:xfrm>
+            <a:prstGeom prst="rect">
+              <a:avLst/>
+            </a:prstGeom>
+            <a:solidFill>
+              <a:schemeClr val="bg1">
+                <a:lumMod val="75000"/>
+              </a:schemeClr>
+            </a:solidFill>
+            <a:ln>
+              <a:solidFill>
+                <a:schemeClr val="tx1"/>
+              </a:solidFill>
+            </a:ln>
+          </p:spPr>
+          <p:style>
+            <a:lnRef idx="2">
+              <a:schemeClr val="accent1">
+                <a:shade val="50000"/>
+              </a:schemeClr>
+            </a:lnRef>
+            <a:fillRef idx="1">
+              <a:schemeClr val="accent1"/>
+            </a:fillRef>
+            <a:effectRef idx="0">
+              <a:schemeClr val="accent1"/>
+            </a:effectRef>
+            <a:fontRef idx="minor">
+              <a:schemeClr val="lt1"/>
+            </a:fontRef>
+          </p:style>
+          <p:txBody>
+            <a:bodyPr rtlCol="0" anchor="ctr"/>
+            <a:lstStyle/>
+            <a:p>
+              <a:pPr algn="ctr"/>
+              <a:endParaRPr kumimoji="1" lang="ja-JP" altLang="en-US"/>
+            </a:p>
+          </p:txBody>
+        </p:sp>
+        <p:sp>
+          <p:nvSpPr>
+            <p:cNvPr id="167" name="正方形/長方形 166"/>
+            <p:cNvSpPr/>
+            <p:nvPr/>
+          </p:nvSpPr>
+          <p:spPr>
+            <a:xfrm>
+              <a:off x="4224715" y="3282354"/>
+              <a:ext cx="772380" cy="156377"/>
+            </a:xfrm>
+            <a:prstGeom prst="rect">
+              <a:avLst/>
+            </a:prstGeom>
+            <a:solidFill>
+              <a:srgbClr val="FF0000"/>
+            </a:solidFill>
+            <a:ln>
+              <a:solidFill>
+                <a:srgbClr val="FF0000"/>
+              </a:solidFill>
+            </a:ln>
+          </p:spPr>
+          <p:style>
+            <a:lnRef idx="2">
+              <a:schemeClr val="accent1">
+                <a:shade val="50000"/>
+              </a:schemeClr>
+            </a:lnRef>
+            <a:fillRef idx="1">
+              <a:schemeClr val="accent1"/>
+            </a:fillRef>
+            <a:effectRef idx="0">
+              <a:schemeClr val="accent1"/>
+            </a:effectRef>
+            <a:fontRef idx="minor">
+              <a:schemeClr val="lt1"/>
+            </a:fontRef>
+          </p:style>
+          <p:txBody>
+            <a:bodyPr rtlCol="0" anchor="ctr"/>
+            <a:lstStyle/>
+            <a:p>
+              <a:pPr algn="ctr"/>
+              <a:endParaRPr kumimoji="1" lang="ja-JP" altLang="en-US"/>
+            </a:p>
+          </p:txBody>
+        </p:sp>
+        <p:sp>
+          <p:nvSpPr>
+            <p:cNvPr id="168" name="正方形/長方形 167"/>
+            <p:cNvSpPr/>
+            <p:nvPr/>
+          </p:nvSpPr>
+          <p:spPr>
+            <a:xfrm>
+              <a:off x="5457681" y="3282354"/>
+              <a:ext cx="772380" cy="156377"/>
+            </a:xfrm>
+            <a:prstGeom prst="rect">
+              <a:avLst/>
+            </a:prstGeom>
+            <a:solidFill>
+              <a:srgbClr val="FF0000"/>
+            </a:solidFill>
+            <a:ln>
+              <a:solidFill>
+                <a:srgbClr val="FF0000"/>
+              </a:solidFill>
+            </a:ln>
+          </p:spPr>
+          <p:style>
+            <a:lnRef idx="2">
+              <a:schemeClr val="accent1">
+                <a:shade val="50000"/>
+              </a:schemeClr>
+            </a:lnRef>
+            <a:fillRef idx="1">
+              <a:schemeClr val="accent1"/>
+            </a:fillRef>
+            <a:effectRef idx="0">
+              <a:schemeClr val="accent1"/>
+            </a:effectRef>
+            <a:fontRef idx="minor">
+              <a:schemeClr val="lt1"/>
+            </a:fontRef>
+          </p:style>
+          <p:txBody>
+            <a:bodyPr rtlCol="0" anchor="ctr"/>
+            <a:lstStyle/>
+            <a:p>
+              <a:pPr algn="ctr"/>
+              <a:endParaRPr kumimoji="1" lang="ja-JP" altLang="en-US"/>
+            </a:p>
+          </p:txBody>
+        </p:sp>
+        <p:sp>
+          <p:nvSpPr>
+            <p:cNvPr id="169" name="正方形/長方形 168"/>
+            <p:cNvSpPr/>
+            <p:nvPr/>
+          </p:nvSpPr>
+          <p:spPr>
+            <a:xfrm>
+              <a:off x="4503809" y="1967488"/>
+              <a:ext cx="1480932" cy="182880"/>
+            </a:xfrm>
+            <a:prstGeom prst="rect">
+              <a:avLst/>
+            </a:prstGeom>
+            <a:solidFill>
+              <a:schemeClr val="bg2"/>
+            </a:solidFill>
+            <a:ln>
+              <a:solidFill>
+                <a:schemeClr val="tx1"/>
+              </a:solidFill>
+            </a:ln>
+          </p:spPr>
+          <p:style>
+            <a:lnRef idx="2">
+              <a:schemeClr val="accent1">
+                <a:shade val="50000"/>
+              </a:schemeClr>
+            </a:lnRef>
+            <a:fillRef idx="1">
+              <a:schemeClr val="accent1"/>
+            </a:fillRef>
+            <a:effectRef idx="0">
+              <a:schemeClr val="accent1"/>
+            </a:effectRef>
+            <a:fontRef idx="minor">
+              <a:schemeClr val="lt1"/>
+            </a:fontRef>
+          </p:style>
+          <p:txBody>
+            <a:bodyPr rtlCol="0" anchor="ctr"/>
+            <a:lstStyle/>
+            <a:p>
+              <a:pPr algn="ctr"/>
+              <a:endParaRPr kumimoji="1" lang="ja-JP" altLang="en-US"/>
+            </a:p>
+          </p:txBody>
+        </p:sp>
+        <p:sp>
+          <p:nvSpPr>
+            <p:cNvPr id="170" name="正方形/長方形 169"/>
+            <p:cNvSpPr/>
+            <p:nvPr/>
+          </p:nvSpPr>
+          <p:spPr>
+            <a:xfrm rot="16200000">
+              <a:off x="4378682" y="2275495"/>
+              <a:ext cx="433134" cy="182880"/>
+            </a:xfrm>
+            <a:prstGeom prst="rect">
+              <a:avLst/>
+            </a:prstGeom>
+            <a:solidFill>
+              <a:schemeClr val="bg2"/>
+            </a:solidFill>
+            <a:ln>
+              <a:solidFill>
+                <a:schemeClr val="tx1"/>
+              </a:solidFill>
+            </a:ln>
+          </p:spPr>
+          <p:style>
+            <a:lnRef idx="2">
+              <a:schemeClr val="accent1">
+                <a:shade val="50000"/>
+              </a:schemeClr>
+            </a:lnRef>
+            <a:fillRef idx="1">
+              <a:schemeClr val="accent1"/>
+            </a:fillRef>
+            <a:effectRef idx="0">
+              <a:schemeClr val="accent1"/>
+            </a:effectRef>
+            <a:fontRef idx="minor">
+              <a:schemeClr val="lt1"/>
+            </a:fontRef>
+          </p:style>
+          <p:txBody>
+            <a:bodyPr rtlCol="0" anchor="ctr"/>
+            <a:lstStyle/>
+            <a:p>
+              <a:pPr algn="ctr"/>
+              <a:endParaRPr kumimoji="1" lang="ja-JP" altLang="en-US"/>
+            </a:p>
+          </p:txBody>
+        </p:sp>
+        <p:sp>
+          <p:nvSpPr>
+            <p:cNvPr id="171" name="正方形/長方形 170"/>
+            <p:cNvSpPr/>
+            <p:nvPr/>
+          </p:nvSpPr>
+          <p:spPr>
+            <a:xfrm rot="16200000">
+              <a:off x="5674483" y="2275495"/>
+              <a:ext cx="433134" cy="182880"/>
+            </a:xfrm>
+            <a:prstGeom prst="rect">
+              <a:avLst/>
+            </a:prstGeom>
+            <a:solidFill>
+              <a:schemeClr val="bg2"/>
+            </a:solidFill>
+            <a:ln>
+              <a:solidFill>
+                <a:schemeClr val="tx1"/>
+              </a:solidFill>
+            </a:ln>
+          </p:spPr>
+          <p:style>
+            <a:lnRef idx="2">
+              <a:schemeClr val="accent1">
+                <a:shade val="50000"/>
+              </a:schemeClr>
+            </a:lnRef>
+            <a:fillRef idx="1">
+              <a:schemeClr val="accent1"/>
+            </a:fillRef>
+            <a:effectRef idx="0">
+              <a:schemeClr val="accent1"/>
+            </a:effectRef>
+            <a:fontRef idx="minor">
+              <a:schemeClr val="lt1"/>
+            </a:fontRef>
+          </p:style>
+          <p:txBody>
+            <a:bodyPr rtlCol="0" anchor="ctr"/>
+            <a:lstStyle/>
+            <a:p>
+              <a:pPr algn="ctr"/>
+              <a:endParaRPr kumimoji="1" lang="ja-JP" altLang="en-US"/>
+            </a:p>
+          </p:txBody>
+        </p:sp>
+      </p:grpSp>
+      <p:grpSp>
+        <p:nvGrpSpPr>
+          <p:cNvPr id="172" name="グループ化 171"/>
+          <p:cNvGrpSpPr/>
+          <p:nvPr/>
+        </p:nvGrpSpPr>
+        <p:grpSpPr>
+          <a:xfrm rot="10800000">
+            <a:off x="6749807" y="2646194"/>
+            <a:ext cx="606001" cy="438137"/>
+            <a:chOff x="3293289" y="1967488"/>
+            <a:chExt cx="3744615" cy="2707345"/>
+          </a:xfrm>
+        </p:grpSpPr>
+        <p:sp>
+          <p:nvSpPr>
+            <p:cNvPr id="173" name="正方形/長方形 172"/>
+            <p:cNvSpPr/>
+            <p:nvPr/>
+          </p:nvSpPr>
+          <p:spPr>
+            <a:xfrm>
+              <a:off x="3593215" y="3310866"/>
+              <a:ext cx="3188585" cy="114492"/>
+            </a:xfrm>
+            <a:prstGeom prst="rect">
+              <a:avLst/>
+            </a:prstGeom>
+            <a:solidFill>
+              <a:schemeClr val="bg2"/>
+            </a:solidFill>
+            <a:ln>
+              <a:solidFill>
+                <a:schemeClr val="tx1"/>
+              </a:solidFill>
+            </a:ln>
+          </p:spPr>
+          <p:style>
+            <a:lnRef idx="2">
+              <a:schemeClr val="accent1">
+                <a:shade val="50000"/>
+              </a:schemeClr>
+            </a:lnRef>
+            <a:fillRef idx="1">
+              <a:schemeClr val="accent1"/>
+            </a:fillRef>
+            <a:effectRef idx="0">
+              <a:schemeClr val="accent1"/>
+            </a:effectRef>
+            <a:fontRef idx="minor">
+              <a:schemeClr val="lt1"/>
+            </a:fontRef>
+          </p:style>
+          <p:txBody>
+            <a:bodyPr rtlCol="0" anchor="ctr"/>
+            <a:lstStyle/>
+            <a:p>
+              <a:pPr algn="ctr"/>
+              <a:endParaRPr kumimoji="1" lang="ja-JP" altLang="en-US"/>
+            </a:p>
+          </p:txBody>
+        </p:sp>
+        <p:sp>
+          <p:nvSpPr>
+            <p:cNvPr id="174" name="正方形/長方形 173"/>
+            <p:cNvSpPr/>
+            <p:nvPr/>
+          </p:nvSpPr>
+          <p:spPr>
+            <a:xfrm>
+              <a:off x="3876716" y="2583502"/>
+              <a:ext cx="2636315" cy="1546408"/>
+            </a:xfrm>
+            <a:prstGeom prst="rect">
+              <a:avLst/>
+            </a:prstGeom>
+            <a:solidFill>
+              <a:schemeClr val="bg1"/>
+            </a:solidFill>
+            <a:ln>
+              <a:solidFill>
+                <a:schemeClr val="tx1"/>
+              </a:solidFill>
+            </a:ln>
+          </p:spPr>
+          <p:style>
+            <a:lnRef idx="2">
+              <a:schemeClr val="accent1">
+                <a:shade val="50000"/>
+              </a:schemeClr>
+            </a:lnRef>
+            <a:fillRef idx="1">
+              <a:schemeClr val="accent1"/>
+            </a:fillRef>
+            <a:effectRef idx="0">
+              <a:schemeClr val="accent1"/>
+            </a:effectRef>
+            <a:fontRef idx="minor">
+              <a:schemeClr val="lt1"/>
+            </a:fontRef>
+          </p:style>
+          <p:txBody>
+            <a:bodyPr rtlCol="0" anchor="ctr"/>
+            <a:lstStyle/>
+            <a:p>
+              <a:pPr algn="ctr"/>
+              <a:endParaRPr kumimoji="1" lang="ja-JP" altLang="en-US"/>
+            </a:p>
+          </p:txBody>
+        </p:sp>
+        <p:sp>
+          <p:nvSpPr>
+            <p:cNvPr id="175" name="正方形/長方形 174"/>
+            <p:cNvSpPr/>
+            <p:nvPr/>
+          </p:nvSpPr>
+          <p:spPr>
+            <a:xfrm>
+              <a:off x="3293289" y="2141061"/>
+              <a:ext cx="442485" cy="2533772"/>
+            </a:xfrm>
+            <a:prstGeom prst="rect">
+              <a:avLst/>
+            </a:prstGeom>
+            <a:solidFill>
+              <a:schemeClr val="tx1"/>
+            </a:solidFill>
+            <a:ln>
+              <a:solidFill>
+                <a:schemeClr val="tx1"/>
+              </a:solidFill>
+            </a:ln>
+          </p:spPr>
+          <p:style>
+            <a:lnRef idx="2">
+              <a:schemeClr val="accent1">
+                <a:shade val="50000"/>
+              </a:schemeClr>
+            </a:lnRef>
+            <a:fillRef idx="1">
+              <a:schemeClr val="accent1"/>
+            </a:fillRef>
+            <a:effectRef idx="0">
+              <a:schemeClr val="accent1"/>
+            </a:effectRef>
+            <a:fontRef idx="minor">
+              <a:schemeClr val="lt1"/>
+            </a:fontRef>
+          </p:style>
+          <p:txBody>
+            <a:bodyPr rtlCol="0" anchor="ctr"/>
+            <a:lstStyle/>
+            <a:p>
+              <a:pPr algn="ctr"/>
+              <a:endParaRPr kumimoji="1" lang="ja-JP" altLang="en-US"/>
+            </a:p>
+          </p:txBody>
+        </p:sp>
+        <p:sp>
+          <p:nvSpPr>
+            <p:cNvPr id="176" name="正方形/長方形 175"/>
+            <p:cNvSpPr/>
+            <p:nvPr/>
+          </p:nvSpPr>
+          <p:spPr>
+            <a:xfrm>
+              <a:off x="6595419" y="2141061"/>
+              <a:ext cx="442485" cy="2533772"/>
+            </a:xfrm>
+            <a:prstGeom prst="rect">
+              <a:avLst/>
+            </a:prstGeom>
+            <a:solidFill>
+              <a:schemeClr val="tx1"/>
+            </a:solidFill>
+            <a:ln>
+              <a:solidFill>
+                <a:schemeClr val="tx1"/>
+              </a:solidFill>
+            </a:ln>
+          </p:spPr>
+          <p:style>
+            <a:lnRef idx="2">
+              <a:schemeClr val="accent1">
+                <a:shade val="50000"/>
+              </a:schemeClr>
+            </a:lnRef>
+            <a:fillRef idx="1">
+              <a:schemeClr val="accent1"/>
+            </a:fillRef>
+            <a:effectRef idx="0">
+              <a:schemeClr val="accent1"/>
+            </a:effectRef>
+            <a:fontRef idx="minor">
+              <a:schemeClr val="lt1"/>
+            </a:fontRef>
+          </p:style>
+          <p:txBody>
+            <a:bodyPr rtlCol="0" anchor="ctr"/>
+            <a:lstStyle/>
+            <a:p>
+              <a:pPr algn="ctr"/>
+              <a:endParaRPr kumimoji="1" lang="ja-JP" altLang="en-US"/>
+            </a:p>
+          </p:txBody>
+        </p:sp>
+        <p:sp>
+          <p:nvSpPr>
+            <p:cNvPr id="177" name="正方形/長方形 176"/>
+            <p:cNvSpPr/>
+            <p:nvPr/>
+          </p:nvSpPr>
+          <p:spPr>
+            <a:xfrm>
+              <a:off x="3876715" y="2739879"/>
+              <a:ext cx="2636315" cy="529102"/>
+            </a:xfrm>
+            <a:prstGeom prst="rect">
+              <a:avLst/>
+            </a:prstGeom>
+            <a:solidFill>
+              <a:schemeClr val="tx1"/>
+            </a:solidFill>
+            <a:ln>
+              <a:solidFill>
+                <a:schemeClr val="tx1"/>
+              </a:solidFill>
+            </a:ln>
+          </p:spPr>
+          <p:style>
+            <a:lnRef idx="2">
+              <a:schemeClr val="accent1">
+                <a:shade val="50000"/>
+              </a:schemeClr>
+            </a:lnRef>
+            <a:fillRef idx="1">
+              <a:schemeClr val="accent1"/>
+            </a:fillRef>
+            <a:effectRef idx="0">
+              <a:schemeClr val="accent1"/>
+            </a:effectRef>
+            <a:fontRef idx="minor">
+              <a:schemeClr val="lt1"/>
+            </a:fontRef>
+          </p:style>
+          <p:txBody>
+            <a:bodyPr rtlCol="0" anchor="ctr"/>
+            <a:lstStyle/>
+            <a:p>
+              <a:pPr algn="ctr"/>
+              <a:endParaRPr kumimoji="1" lang="ja-JP" altLang="en-US"/>
+            </a:p>
+          </p:txBody>
+        </p:sp>
+        <p:sp>
+          <p:nvSpPr>
+            <p:cNvPr id="178" name="正方形/長方形 177"/>
+            <p:cNvSpPr/>
+            <p:nvPr/>
+          </p:nvSpPr>
+          <p:spPr>
+            <a:xfrm>
+              <a:off x="4728787" y="2583502"/>
+              <a:ext cx="1013127" cy="156377"/>
+            </a:xfrm>
+            <a:prstGeom prst="rect">
+              <a:avLst/>
+            </a:prstGeom>
+            <a:solidFill>
+              <a:schemeClr val="bg1">
+                <a:lumMod val="75000"/>
+              </a:schemeClr>
+            </a:solidFill>
+            <a:ln>
+              <a:solidFill>
+                <a:schemeClr val="tx1"/>
+              </a:solidFill>
+            </a:ln>
+          </p:spPr>
+          <p:style>
+            <a:lnRef idx="2">
+              <a:schemeClr val="accent1">
+                <a:shade val="50000"/>
+              </a:schemeClr>
+            </a:lnRef>
+            <a:fillRef idx="1">
+              <a:schemeClr val="accent1"/>
+            </a:fillRef>
+            <a:effectRef idx="0">
+              <a:schemeClr val="accent1"/>
+            </a:effectRef>
+            <a:fontRef idx="minor">
+              <a:schemeClr val="lt1"/>
+            </a:fontRef>
+          </p:style>
+          <p:txBody>
+            <a:bodyPr rtlCol="0" anchor="ctr"/>
+            <a:lstStyle/>
+            <a:p>
+              <a:pPr algn="ctr"/>
+              <a:endParaRPr kumimoji="1" lang="ja-JP" altLang="en-US"/>
+            </a:p>
+          </p:txBody>
+        </p:sp>
+        <p:sp>
+          <p:nvSpPr>
+            <p:cNvPr id="179" name="正方形/長方形 178"/>
+            <p:cNvSpPr/>
+            <p:nvPr/>
+          </p:nvSpPr>
+          <p:spPr>
+            <a:xfrm>
+              <a:off x="4224715" y="3282354"/>
+              <a:ext cx="772380" cy="156377"/>
+            </a:xfrm>
+            <a:prstGeom prst="rect">
+              <a:avLst/>
+            </a:prstGeom>
+            <a:solidFill>
+              <a:srgbClr val="FF0000"/>
+            </a:solidFill>
+            <a:ln>
+              <a:solidFill>
+                <a:srgbClr val="FF0000"/>
+              </a:solidFill>
+            </a:ln>
+          </p:spPr>
+          <p:style>
+            <a:lnRef idx="2">
+              <a:schemeClr val="accent1">
+                <a:shade val="50000"/>
+              </a:schemeClr>
+            </a:lnRef>
+            <a:fillRef idx="1">
+              <a:schemeClr val="accent1"/>
+            </a:fillRef>
+            <a:effectRef idx="0">
+              <a:schemeClr val="accent1"/>
+            </a:effectRef>
+            <a:fontRef idx="minor">
+              <a:schemeClr val="lt1"/>
+            </a:fontRef>
+          </p:style>
+          <p:txBody>
+            <a:bodyPr rtlCol="0" anchor="ctr"/>
+            <a:lstStyle/>
+            <a:p>
+              <a:pPr algn="ctr"/>
+              <a:endParaRPr kumimoji="1" lang="ja-JP" altLang="en-US"/>
+            </a:p>
+          </p:txBody>
+        </p:sp>
+        <p:sp>
+          <p:nvSpPr>
+            <p:cNvPr id="180" name="正方形/長方形 179"/>
+            <p:cNvSpPr/>
+            <p:nvPr/>
+          </p:nvSpPr>
+          <p:spPr>
+            <a:xfrm>
+              <a:off x="5457681" y="3282354"/>
+              <a:ext cx="772380" cy="156377"/>
+            </a:xfrm>
+            <a:prstGeom prst="rect">
+              <a:avLst/>
+            </a:prstGeom>
+            <a:solidFill>
+              <a:srgbClr val="FF0000"/>
+            </a:solidFill>
+            <a:ln>
+              <a:solidFill>
+                <a:srgbClr val="FF0000"/>
+              </a:solidFill>
+            </a:ln>
+          </p:spPr>
+          <p:style>
+            <a:lnRef idx="2">
+              <a:schemeClr val="accent1">
+                <a:shade val="50000"/>
+              </a:schemeClr>
+            </a:lnRef>
+            <a:fillRef idx="1">
+              <a:schemeClr val="accent1"/>
+            </a:fillRef>
+            <a:effectRef idx="0">
+              <a:schemeClr val="accent1"/>
+            </a:effectRef>
+            <a:fontRef idx="minor">
+              <a:schemeClr val="lt1"/>
+            </a:fontRef>
+          </p:style>
+          <p:txBody>
+            <a:bodyPr rtlCol="0" anchor="ctr"/>
+            <a:lstStyle/>
+            <a:p>
+              <a:pPr algn="ctr"/>
+              <a:endParaRPr kumimoji="1" lang="ja-JP" altLang="en-US"/>
+            </a:p>
+          </p:txBody>
+        </p:sp>
+        <p:sp>
+          <p:nvSpPr>
+            <p:cNvPr id="181" name="正方形/長方形 180"/>
+            <p:cNvSpPr/>
+            <p:nvPr/>
+          </p:nvSpPr>
+          <p:spPr>
+            <a:xfrm>
+              <a:off x="4503809" y="1967488"/>
+              <a:ext cx="1480932" cy="182880"/>
+            </a:xfrm>
+            <a:prstGeom prst="rect">
+              <a:avLst/>
+            </a:prstGeom>
+            <a:solidFill>
+              <a:schemeClr val="bg2"/>
+            </a:solidFill>
+            <a:ln>
+              <a:solidFill>
+                <a:schemeClr val="tx1"/>
+              </a:solidFill>
+            </a:ln>
+          </p:spPr>
+          <p:style>
+            <a:lnRef idx="2">
+              <a:schemeClr val="accent1">
+                <a:shade val="50000"/>
+              </a:schemeClr>
+            </a:lnRef>
+            <a:fillRef idx="1">
+              <a:schemeClr val="accent1"/>
+            </a:fillRef>
+            <a:effectRef idx="0">
+              <a:schemeClr val="accent1"/>
+            </a:effectRef>
+            <a:fontRef idx="minor">
+              <a:schemeClr val="lt1"/>
+            </a:fontRef>
+          </p:style>
+          <p:txBody>
+            <a:bodyPr rtlCol="0" anchor="ctr"/>
+            <a:lstStyle/>
+            <a:p>
+              <a:pPr algn="ctr"/>
+              <a:endParaRPr kumimoji="1" lang="ja-JP" altLang="en-US"/>
+            </a:p>
+          </p:txBody>
+        </p:sp>
+        <p:sp>
+          <p:nvSpPr>
+            <p:cNvPr id="182" name="正方形/長方形 181"/>
+            <p:cNvSpPr/>
+            <p:nvPr/>
+          </p:nvSpPr>
+          <p:spPr>
+            <a:xfrm rot="16200000">
+              <a:off x="4378682" y="2275495"/>
+              <a:ext cx="433134" cy="182880"/>
+            </a:xfrm>
+            <a:prstGeom prst="rect">
+              <a:avLst/>
+            </a:prstGeom>
+            <a:solidFill>
+              <a:schemeClr val="bg2"/>
+            </a:solidFill>
+            <a:ln>
+              <a:solidFill>
+                <a:schemeClr val="tx1"/>
+              </a:solidFill>
+            </a:ln>
+          </p:spPr>
+          <p:style>
+            <a:lnRef idx="2">
+              <a:schemeClr val="accent1">
+                <a:shade val="50000"/>
+              </a:schemeClr>
+            </a:lnRef>
+            <a:fillRef idx="1">
+              <a:schemeClr val="accent1"/>
+            </a:fillRef>
+            <a:effectRef idx="0">
+              <a:schemeClr val="accent1"/>
+            </a:effectRef>
+            <a:fontRef idx="minor">
+              <a:schemeClr val="lt1"/>
+            </a:fontRef>
+          </p:style>
+          <p:txBody>
+            <a:bodyPr rtlCol="0" anchor="ctr"/>
+            <a:lstStyle/>
+            <a:p>
+              <a:pPr algn="ctr"/>
+              <a:endParaRPr kumimoji="1" lang="ja-JP" altLang="en-US"/>
+            </a:p>
+          </p:txBody>
+        </p:sp>
+        <p:sp>
+          <p:nvSpPr>
+            <p:cNvPr id="183" name="正方形/長方形 182"/>
+            <p:cNvSpPr/>
+            <p:nvPr/>
+          </p:nvSpPr>
+          <p:spPr>
+            <a:xfrm rot="16200000">
+              <a:off x="5674483" y="2275495"/>
+              <a:ext cx="433134" cy="182880"/>
+            </a:xfrm>
+            <a:prstGeom prst="rect">
+              <a:avLst/>
+            </a:prstGeom>
+            <a:solidFill>
+              <a:schemeClr val="bg2"/>
+            </a:solidFill>
+            <a:ln>
+              <a:solidFill>
+                <a:schemeClr val="tx1"/>
+              </a:solidFill>
+            </a:ln>
+          </p:spPr>
+          <p:style>
+            <a:lnRef idx="2">
+              <a:schemeClr val="accent1">
+                <a:shade val="50000"/>
+              </a:schemeClr>
+            </a:lnRef>
+            <a:fillRef idx="1">
+              <a:schemeClr val="accent1"/>
+            </a:fillRef>
+            <a:effectRef idx="0">
+              <a:schemeClr val="accent1"/>
+            </a:effectRef>
+            <a:fontRef idx="minor">
+              <a:schemeClr val="lt1"/>
+            </a:fontRef>
+          </p:style>
+          <p:txBody>
+            <a:bodyPr rtlCol="0" anchor="ctr"/>
+            <a:lstStyle/>
+            <a:p>
+              <a:pPr algn="ctr"/>
+              <a:endParaRPr kumimoji="1" lang="ja-JP" altLang="en-US"/>
+            </a:p>
+          </p:txBody>
+        </p:sp>
+      </p:grpSp>
+      <p:sp>
+        <p:nvSpPr>
+          <p:cNvPr id="184" name="テキスト ボックス 183"/>
+          <p:cNvSpPr txBox="1"/>
+          <p:nvPr/>
+        </p:nvSpPr>
+        <p:spPr>
+          <a:xfrm>
+            <a:off x="7374402" y="2684247"/>
+            <a:ext cx="386231" cy="338554"/>
+          </a:xfrm>
+          <a:prstGeom prst="rect">
+            <a:avLst/>
+          </a:prstGeom>
+          <a:noFill/>
+        </p:spPr>
+        <p:txBody>
+          <a:bodyPr wrap="square" rtlCol="0">
+            <a:spAutoFit/>
+          </a:bodyPr>
+          <a:lstStyle/>
+          <a:p>
+            <a:r>
+              <a:rPr kumimoji="1" lang="ja-JP" altLang="en-US" sz="1600" dirty="0" smtClean="0"/>
+              <a:t>①</a:t>
+            </a:r>
+            <a:endParaRPr kumimoji="1" lang="ja-JP" altLang="en-US" sz="1600" dirty="0"/>
+          </a:p>
+        </p:txBody>
+      </p:sp>
+      <p:sp>
+        <p:nvSpPr>
+          <p:cNvPr id="185" name="テキスト ボックス 184"/>
+          <p:cNvSpPr txBox="1"/>
+          <p:nvPr/>
+        </p:nvSpPr>
+        <p:spPr>
+          <a:xfrm>
+            <a:off x="5140859" y="1901069"/>
+            <a:ext cx="386231" cy="338554"/>
+          </a:xfrm>
+          <a:prstGeom prst="rect">
+            <a:avLst/>
+          </a:prstGeom>
+          <a:noFill/>
+        </p:spPr>
+        <p:txBody>
+          <a:bodyPr wrap="square" rtlCol="0">
+            <a:spAutoFit/>
+          </a:bodyPr>
+          <a:lstStyle/>
+          <a:p>
+            <a:r>
+              <a:rPr kumimoji="1" lang="ja-JP" altLang="en-US" sz="1600" dirty="0" smtClean="0"/>
+              <a:t>②</a:t>
+            </a:r>
+            <a:endParaRPr kumimoji="1" lang="ja-JP" altLang="en-US" sz="1600" dirty="0"/>
+          </a:p>
+        </p:txBody>
+      </p:sp>
+      <p:sp>
+        <p:nvSpPr>
+          <p:cNvPr id="186" name="テキスト ボックス 185"/>
+          <p:cNvSpPr txBox="1"/>
+          <p:nvPr/>
+        </p:nvSpPr>
+        <p:spPr>
+          <a:xfrm>
+            <a:off x="6105493" y="1879735"/>
+            <a:ext cx="386231" cy="338554"/>
+          </a:xfrm>
+          <a:prstGeom prst="rect">
+            <a:avLst/>
+          </a:prstGeom>
+          <a:noFill/>
+        </p:spPr>
+        <p:txBody>
+          <a:bodyPr wrap="square" rtlCol="0">
+            <a:spAutoFit/>
+          </a:bodyPr>
+          <a:lstStyle/>
+          <a:p>
+            <a:r>
+              <a:rPr kumimoji="1" lang="ja-JP" altLang="en-US" sz="1600" dirty="0" smtClean="0"/>
+              <a:t>③</a:t>
+            </a:r>
+            <a:endParaRPr kumimoji="1" lang="ja-JP" altLang="en-US" sz="1600" dirty="0"/>
+          </a:p>
+        </p:txBody>
+      </p:sp>
+      <p:grpSp>
+        <p:nvGrpSpPr>
+          <p:cNvPr id="187" name="グループ化 186"/>
+          <p:cNvGrpSpPr/>
+          <p:nvPr/>
+        </p:nvGrpSpPr>
+        <p:grpSpPr>
+          <a:xfrm>
+            <a:off x="8926095" y="1395656"/>
+            <a:ext cx="327260" cy="835340"/>
+            <a:chOff x="2632279" y="1614180"/>
+            <a:chExt cx="2700019" cy="6891874"/>
+          </a:xfrm>
+        </p:grpSpPr>
+        <p:grpSp>
+          <p:nvGrpSpPr>
+            <p:cNvPr id="188" name="グループ化 187"/>
+            <p:cNvGrpSpPr/>
+            <p:nvPr/>
+          </p:nvGrpSpPr>
+          <p:grpSpPr>
+            <a:xfrm rot="18399811">
+              <a:off x="3316450" y="5739831"/>
+              <a:ext cx="3360773" cy="670923"/>
+              <a:chOff x="5656156" y="5432766"/>
+              <a:chExt cx="3725968" cy="670923"/>
+            </a:xfrm>
+          </p:grpSpPr>
+          <p:sp>
+            <p:nvSpPr>
+              <p:cNvPr id="194" name="正方形/長方形 193"/>
+              <p:cNvSpPr/>
+              <p:nvPr/>
+            </p:nvSpPr>
+            <p:spPr>
+              <a:xfrm>
+                <a:off x="5656156" y="5762417"/>
+                <a:ext cx="2704803" cy="341272"/>
+              </a:xfrm>
+              <a:prstGeom prst="rect">
+                <a:avLst/>
+              </a:prstGeom>
+              <a:solidFill>
+                <a:schemeClr val="bg2"/>
+              </a:solidFill>
+              <a:ln>
+                <a:solidFill>
+                  <a:schemeClr val="tx1"/>
+                </a:solidFill>
+              </a:ln>
+            </p:spPr>
+            <p:style>
+              <a:lnRef idx="2">
+                <a:schemeClr val="accent1">
+                  <a:shade val="50000"/>
+                </a:schemeClr>
+              </a:lnRef>
+              <a:fillRef idx="1">
+                <a:schemeClr val="accent1"/>
+              </a:fillRef>
+              <a:effectRef idx="0">
+                <a:schemeClr val="accent1"/>
+              </a:effectRef>
+              <a:fontRef idx="minor">
+                <a:schemeClr val="lt1"/>
+              </a:fontRef>
+            </p:style>
+            <p:txBody>
+              <a:bodyPr rtlCol="0" anchor="ctr"/>
+              <a:lstStyle/>
+              <a:p>
+                <a:pPr algn="ctr"/>
+                <a:endParaRPr kumimoji="1" lang="ja-JP" altLang="en-US"/>
+              </a:p>
+            </p:txBody>
+          </p:sp>
+          <p:sp>
+            <p:nvSpPr>
+              <p:cNvPr id="195" name="正方形/長方形 194"/>
+              <p:cNvSpPr/>
+              <p:nvPr/>
+            </p:nvSpPr>
+            <p:spPr>
+              <a:xfrm rot="19235960">
+                <a:off x="8097624" y="5432766"/>
+                <a:ext cx="1284500" cy="341272"/>
+              </a:xfrm>
+              <a:prstGeom prst="rect">
+                <a:avLst/>
+              </a:prstGeom>
+              <a:solidFill>
+                <a:schemeClr val="bg2"/>
+              </a:solidFill>
+              <a:ln>
+                <a:solidFill>
+                  <a:schemeClr val="tx1"/>
+                </a:solidFill>
+              </a:ln>
+            </p:spPr>
+            <p:style>
+              <a:lnRef idx="2">
+                <a:schemeClr val="accent1">
+                  <a:shade val="50000"/>
+                </a:schemeClr>
+              </a:lnRef>
+              <a:fillRef idx="1">
+                <a:schemeClr val="accent1"/>
+              </a:fillRef>
+              <a:effectRef idx="0">
+                <a:schemeClr val="accent1"/>
+              </a:effectRef>
+              <a:fontRef idx="minor">
+                <a:schemeClr val="lt1"/>
+              </a:fontRef>
+            </p:style>
+            <p:txBody>
+              <a:bodyPr rtlCol="0" anchor="ctr"/>
+              <a:lstStyle/>
+              <a:p>
+                <a:pPr algn="ctr"/>
+                <a:endParaRPr kumimoji="1" lang="ja-JP" altLang="en-US"/>
+              </a:p>
+            </p:txBody>
+          </p:sp>
+          <p:sp>
+            <p:nvSpPr>
+              <p:cNvPr id="196" name="平行四辺形 195"/>
+              <p:cNvSpPr/>
+              <p:nvPr/>
+            </p:nvSpPr>
+            <p:spPr>
+              <a:xfrm>
+                <a:off x="8053083" y="5762417"/>
+                <a:ext cx="392906" cy="341272"/>
+              </a:xfrm>
+              <a:prstGeom prst="parallelogram">
+                <a:avLst/>
+              </a:prstGeom>
+              <a:solidFill>
+                <a:schemeClr val="bg2"/>
+              </a:solidFill>
+              <a:ln>
+                <a:solidFill>
+                  <a:schemeClr val="bg2"/>
+                </a:solidFill>
+              </a:ln>
+            </p:spPr>
+            <p:style>
+              <a:lnRef idx="2">
+                <a:schemeClr val="accent1">
+                  <a:shade val="50000"/>
+                </a:schemeClr>
+              </a:lnRef>
+              <a:fillRef idx="1">
+                <a:schemeClr val="accent1"/>
+              </a:fillRef>
+              <a:effectRef idx="0">
+                <a:schemeClr val="accent1"/>
+              </a:effectRef>
+              <a:fontRef idx="minor">
+                <a:schemeClr val="lt1"/>
+              </a:fontRef>
+            </p:style>
+            <p:txBody>
+              <a:bodyPr rtlCol="0" anchor="ctr"/>
+              <a:lstStyle/>
+              <a:p>
+                <a:pPr algn="ctr"/>
+                <a:endParaRPr kumimoji="1" lang="ja-JP" altLang="en-US"/>
+              </a:p>
+            </p:txBody>
+          </p:sp>
+          <p:cxnSp>
+            <p:nvCxnSpPr>
+              <p:cNvPr id="197" name="直線コネクタ 196"/>
+              <p:cNvCxnSpPr/>
+              <p:nvPr/>
+            </p:nvCxnSpPr>
+            <p:spPr>
+              <a:xfrm>
+                <a:off x="7921545" y="5762417"/>
+                <a:ext cx="317897" cy="0"/>
+              </a:xfrm>
+              <a:prstGeom prst="line">
+                <a:avLst/>
+              </a:prstGeom>
+              <a:ln w="12700">
+                <a:solidFill>
+                  <a:schemeClr val="tx1"/>
+                </a:solidFill>
+              </a:ln>
+            </p:spPr>
+            <p:style>
+              <a:lnRef idx="1">
+                <a:schemeClr val="accent1"/>
+              </a:lnRef>
+              <a:fillRef idx="0">
+                <a:schemeClr val="accent1"/>
+              </a:fillRef>
+              <a:effectRef idx="0">
+                <a:schemeClr val="accent1"/>
+              </a:effectRef>
+              <a:fontRef idx="minor">
+                <a:schemeClr val="tx1"/>
+              </a:fontRef>
+            </p:style>
+          </p:cxnSp>
+          <p:cxnSp>
+            <p:nvCxnSpPr>
+              <p:cNvPr id="198" name="直線コネクタ 197"/>
+              <p:cNvCxnSpPr/>
+              <p:nvPr/>
+            </p:nvCxnSpPr>
+            <p:spPr>
+              <a:xfrm>
+                <a:off x="8016775" y="6102963"/>
+                <a:ext cx="337254" cy="0"/>
+              </a:xfrm>
+              <a:prstGeom prst="line">
+                <a:avLst/>
+              </a:prstGeom>
+              <a:ln w="12700">
+                <a:solidFill>
+                  <a:schemeClr val="tx1"/>
+                </a:solidFill>
+              </a:ln>
+            </p:spPr>
+            <p:style>
+              <a:lnRef idx="1">
+                <a:schemeClr val="accent1"/>
+              </a:lnRef>
+              <a:fillRef idx="0">
+                <a:schemeClr val="accent1"/>
+              </a:fillRef>
+              <a:effectRef idx="0">
+                <a:schemeClr val="accent1"/>
+              </a:effectRef>
+              <a:fontRef idx="minor">
+                <a:schemeClr val="tx1"/>
+              </a:fontRef>
+            </p:style>
+          </p:cxnSp>
+        </p:grpSp>
+        <p:grpSp>
+          <p:nvGrpSpPr>
+            <p:cNvPr id="189" name="グループ化 188"/>
+            <p:cNvGrpSpPr/>
+            <p:nvPr/>
+          </p:nvGrpSpPr>
+          <p:grpSpPr>
+            <a:xfrm>
+              <a:off x="2632279" y="1614180"/>
+              <a:ext cx="2533772" cy="6891874"/>
+              <a:chOff x="2632279" y="1614180"/>
+              <a:chExt cx="2533772" cy="6891874"/>
+            </a:xfrm>
+          </p:grpSpPr>
+          <p:sp>
+            <p:nvSpPr>
+              <p:cNvPr id="190" name="正方形/長方形 189"/>
+              <p:cNvSpPr/>
+              <p:nvPr/>
+            </p:nvSpPr>
+            <p:spPr>
+              <a:xfrm>
+                <a:off x="2907792" y="3033104"/>
+                <a:ext cx="1982746" cy="4003359"/>
+              </a:xfrm>
+              <a:prstGeom prst="rect">
+                <a:avLst/>
+              </a:prstGeom>
+              <a:solidFill>
+                <a:schemeClr val="bg1"/>
+              </a:solidFill>
+              <a:ln>
+                <a:solidFill>
+                  <a:schemeClr val="tx1"/>
+                </a:solidFill>
+              </a:ln>
+            </p:spPr>
+            <p:style>
+              <a:lnRef idx="2">
+                <a:schemeClr val="accent1">
+                  <a:shade val="50000"/>
+                </a:schemeClr>
+              </a:lnRef>
+              <a:fillRef idx="1">
+                <a:schemeClr val="accent1"/>
+              </a:fillRef>
+              <a:effectRef idx="0">
+                <a:schemeClr val="accent1"/>
+              </a:effectRef>
+              <a:fontRef idx="minor">
+                <a:schemeClr val="lt1"/>
+              </a:fontRef>
+            </p:style>
+            <p:txBody>
+              <a:bodyPr rtlCol="0" anchor="ctr"/>
+              <a:lstStyle/>
+              <a:p>
+                <a:pPr algn="ctr"/>
+                <a:endParaRPr kumimoji="1" lang="ja-JP" altLang="en-US"/>
+              </a:p>
+            </p:txBody>
+          </p:sp>
+          <p:sp>
+            <p:nvSpPr>
+              <p:cNvPr id="191" name="正方形/長方形 190"/>
+              <p:cNvSpPr/>
+              <p:nvPr/>
+            </p:nvSpPr>
+            <p:spPr>
+              <a:xfrm>
+                <a:off x="3774277" y="1614180"/>
+                <a:ext cx="760127" cy="1013510"/>
+              </a:xfrm>
+              <a:prstGeom prst="rect">
+                <a:avLst/>
+              </a:prstGeom>
+              <a:solidFill>
+                <a:schemeClr val="tx1"/>
+              </a:solidFill>
+              <a:ln>
+                <a:solidFill>
+                  <a:schemeClr val="tx1"/>
+                </a:solidFill>
+              </a:ln>
+            </p:spPr>
+            <p:style>
+              <a:lnRef idx="2">
+                <a:schemeClr val="accent1">
+                  <a:shade val="50000"/>
+                </a:schemeClr>
+              </a:lnRef>
+              <a:fillRef idx="1">
+                <a:schemeClr val="accent1"/>
+              </a:fillRef>
+              <a:effectRef idx="0">
+                <a:schemeClr val="accent1"/>
+              </a:effectRef>
+              <a:fontRef idx="minor">
+                <a:schemeClr val="lt1"/>
+              </a:fontRef>
+            </p:style>
+            <p:txBody>
+              <a:bodyPr rtlCol="0" anchor="ctr"/>
+              <a:lstStyle/>
+              <a:p>
+                <a:pPr algn="ctr"/>
+                <a:endParaRPr kumimoji="1" lang="ja-JP" altLang="en-US"/>
+              </a:p>
+            </p:txBody>
+          </p:sp>
+          <p:sp>
+            <p:nvSpPr>
+              <p:cNvPr id="192" name="正方形/長方形 191"/>
+              <p:cNvSpPr/>
+              <p:nvPr/>
+            </p:nvSpPr>
+            <p:spPr>
+              <a:xfrm>
+                <a:off x="4494262" y="1614184"/>
+                <a:ext cx="319621" cy="1418916"/>
+              </a:xfrm>
+              <a:prstGeom prst="rect">
+                <a:avLst/>
+              </a:prstGeom>
+              <a:solidFill>
+                <a:schemeClr val="bg1">
+                  <a:lumMod val="75000"/>
+                </a:schemeClr>
+              </a:solidFill>
+              <a:ln>
+                <a:solidFill>
+                  <a:schemeClr val="tx1"/>
+                </a:solidFill>
+              </a:ln>
+            </p:spPr>
+            <p:style>
+              <a:lnRef idx="2">
+                <a:schemeClr val="accent1">
+                  <a:shade val="50000"/>
+                </a:schemeClr>
+              </a:lnRef>
+              <a:fillRef idx="1">
+                <a:schemeClr val="accent1"/>
+              </a:fillRef>
+              <a:effectRef idx="0">
+                <a:schemeClr val="accent1"/>
+              </a:effectRef>
+              <a:fontRef idx="minor">
+                <a:schemeClr val="lt1"/>
+              </a:fontRef>
+            </p:style>
+            <p:txBody>
+              <a:bodyPr rtlCol="0" anchor="ctr"/>
+              <a:lstStyle/>
+              <a:p>
+                <a:pPr algn="ctr"/>
+                <a:endParaRPr kumimoji="1" lang="ja-JP" altLang="en-US"/>
+              </a:p>
+            </p:txBody>
+          </p:sp>
+          <p:sp>
+            <p:nvSpPr>
+              <p:cNvPr id="193" name="円/楕円 192"/>
+              <p:cNvSpPr/>
+              <p:nvPr/>
+            </p:nvSpPr>
+            <p:spPr>
+              <a:xfrm>
+                <a:off x="2632279" y="5972282"/>
+                <a:ext cx="2533772" cy="2533772"/>
+              </a:xfrm>
+              <a:prstGeom prst="ellipse">
+                <a:avLst/>
+              </a:prstGeom>
+              <a:solidFill>
+                <a:schemeClr val="bg2"/>
+              </a:solidFill>
+              <a:ln w="76200">
+                <a:solidFill>
+                  <a:schemeClr val="tx1"/>
+                </a:solidFill>
+              </a:ln>
+            </p:spPr>
+            <p:style>
+              <a:lnRef idx="2">
+                <a:schemeClr val="accent1">
+                  <a:shade val="50000"/>
+                </a:schemeClr>
+              </a:lnRef>
+              <a:fillRef idx="1">
+                <a:schemeClr val="accent1"/>
+              </a:fillRef>
+              <a:effectRef idx="0">
+                <a:schemeClr val="accent1"/>
+              </a:effectRef>
+              <a:fontRef idx="minor">
+                <a:schemeClr val="lt1"/>
+              </a:fontRef>
+            </p:style>
+            <p:txBody>
+              <a:bodyPr rtlCol="0" anchor="ctr"/>
+              <a:lstStyle/>
+              <a:p>
+                <a:pPr algn="ctr"/>
+                <a:endParaRPr kumimoji="1" lang="ja-JP" altLang="en-US"/>
+              </a:p>
+            </p:txBody>
+          </p:sp>
+        </p:grpSp>
+      </p:grpSp>
+      <p:grpSp>
+        <p:nvGrpSpPr>
+          <p:cNvPr id="199" name="グループ化 198"/>
+          <p:cNvGrpSpPr/>
+          <p:nvPr/>
+        </p:nvGrpSpPr>
+        <p:grpSpPr>
+          <a:xfrm>
+            <a:off x="11435968" y="1404282"/>
+            <a:ext cx="327260" cy="835340"/>
+            <a:chOff x="2632279" y="1614180"/>
+            <a:chExt cx="2700019" cy="6891874"/>
+          </a:xfrm>
+        </p:grpSpPr>
+        <p:grpSp>
+          <p:nvGrpSpPr>
+            <p:cNvPr id="200" name="グループ化 199"/>
+            <p:cNvGrpSpPr/>
+            <p:nvPr/>
+          </p:nvGrpSpPr>
+          <p:grpSpPr>
+            <a:xfrm rot="18399811">
+              <a:off x="3316450" y="5739831"/>
+              <a:ext cx="3360773" cy="670923"/>
+              <a:chOff x="5656156" y="5432766"/>
+              <a:chExt cx="3725968" cy="670923"/>
+            </a:xfrm>
+          </p:grpSpPr>
+          <p:sp>
+            <p:nvSpPr>
+              <p:cNvPr id="206" name="正方形/長方形 205"/>
+              <p:cNvSpPr/>
+              <p:nvPr/>
+            </p:nvSpPr>
+            <p:spPr>
+              <a:xfrm>
+                <a:off x="5656156" y="5762417"/>
+                <a:ext cx="2704803" cy="341272"/>
+              </a:xfrm>
+              <a:prstGeom prst="rect">
+                <a:avLst/>
+              </a:prstGeom>
+              <a:solidFill>
+                <a:schemeClr val="bg2"/>
+              </a:solidFill>
+              <a:ln>
+                <a:solidFill>
+                  <a:schemeClr val="tx1"/>
+                </a:solidFill>
+              </a:ln>
+            </p:spPr>
+            <p:style>
+              <a:lnRef idx="2">
+                <a:schemeClr val="accent1">
+                  <a:shade val="50000"/>
+                </a:schemeClr>
+              </a:lnRef>
+              <a:fillRef idx="1">
+                <a:schemeClr val="accent1"/>
+              </a:fillRef>
+              <a:effectRef idx="0">
+                <a:schemeClr val="accent1"/>
+              </a:effectRef>
+              <a:fontRef idx="minor">
+                <a:schemeClr val="lt1"/>
+              </a:fontRef>
+            </p:style>
+            <p:txBody>
+              <a:bodyPr rtlCol="0" anchor="ctr"/>
+              <a:lstStyle/>
+              <a:p>
+                <a:pPr algn="ctr"/>
+                <a:endParaRPr kumimoji="1" lang="ja-JP" altLang="en-US"/>
+              </a:p>
+            </p:txBody>
+          </p:sp>
+          <p:sp>
+            <p:nvSpPr>
+              <p:cNvPr id="207" name="正方形/長方形 206"/>
+              <p:cNvSpPr/>
+              <p:nvPr/>
+            </p:nvSpPr>
+            <p:spPr>
+              <a:xfrm rot="19235960">
+                <a:off x="8097624" y="5432766"/>
+                <a:ext cx="1284500" cy="341272"/>
+              </a:xfrm>
+              <a:prstGeom prst="rect">
+                <a:avLst/>
+              </a:prstGeom>
+              <a:solidFill>
+                <a:schemeClr val="bg2"/>
+              </a:solidFill>
+              <a:ln>
+                <a:solidFill>
+                  <a:schemeClr val="tx1"/>
+                </a:solidFill>
+              </a:ln>
+            </p:spPr>
+            <p:style>
+              <a:lnRef idx="2">
+                <a:schemeClr val="accent1">
+                  <a:shade val="50000"/>
+                </a:schemeClr>
+              </a:lnRef>
+              <a:fillRef idx="1">
+                <a:schemeClr val="accent1"/>
+              </a:fillRef>
+              <a:effectRef idx="0">
+                <a:schemeClr val="accent1"/>
+              </a:effectRef>
+              <a:fontRef idx="minor">
+                <a:schemeClr val="lt1"/>
+              </a:fontRef>
+            </p:style>
+            <p:txBody>
+              <a:bodyPr rtlCol="0" anchor="ctr"/>
+              <a:lstStyle/>
+              <a:p>
+                <a:pPr algn="ctr"/>
+                <a:endParaRPr kumimoji="1" lang="ja-JP" altLang="en-US"/>
+              </a:p>
+            </p:txBody>
+          </p:sp>
+          <p:sp>
+            <p:nvSpPr>
+              <p:cNvPr id="208" name="平行四辺形 207"/>
+              <p:cNvSpPr/>
+              <p:nvPr/>
+            </p:nvSpPr>
+            <p:spPr>
+              <a:xfrm>
+                <a:off x="8053083" y="5762417"/>
+                <a:ext cx="392906" cy="341272"/>
+              </a:xfrm>
+              <a:prstGeom prst="parallelogram">
+                <a:avLst/>
+              </a:prstGeom>
+              <a:solidFill>
+                <a:schemeClr val="bg2"/>
+              </a:solidFill>
+              <a:ln>
+                <a:solidFill>
+                  <a:schemeClr val="bg2"/>
+                </a:solidFill>
+              </a:ln>
+            </p:spPr>
+            <p:style>
+              <a:lnRef idx="2">
+                <a:schemeClr val="accent1">
+                  <a:shade val="50000"/>
+                </a:schemeClr>
+              </a:lnRef>
+              <a:fillRef idx="1">
+                <a:schemeClr val="accent1"/>
+              </a:fillRef>
+              <a:effectRef idx="0">
+                <a:schemeClr val="accent1"/>
+              </a:effectRef>
+              <a:fontRef idx="minor">
+                <a:schemeClr val="lt1"/>
+              </a:fontRef>
+            </p:style>
+            <p:txBody>
+              <a:bodyPr rtlCol="0" anchor="ctr"/>
+              <a:lstStyle/>
+              <a:p>
+                <a:pPr algn="ctr"/>
+                <a:endParaRPr kumimoji="1" lang="ja-JP" altLang="en-US"/>
+              </a:p>
+            </p:txBody>
+          </p:sp>
+          <p:cxnSp>
+            <p:nvCxnSpPr>
+              <p:cNvPr id="209" name="直線コネクタ 208"/>
+              <p:cNvCxnSpPr/>
+              <p:nvPr/>
+            </p:nvCxnSpPr>
+            <p:spPr>
+              <a:xfrm>
+                <a:off x="7921545" y="5762417"/>
+                <a:ext cx="317897" cy="0"/>
+              </a:xfrm>
+              <a:prstGeom prst="line">
+                <a:avLst/>
+              </a:prstGeom>
+              <a:ln w="12700">
+                <a:solidFill>
+                  <a:schemeClr val="tx1"/>
+                </a:solidFill>
+              </a:ln>
+            </p:spPr>
+            <p:style>
+              <a:lnRef idx="1">
+                <a:schemeClr val="accent1"/>
+              </a:lnRef>
+              <a:fillRef idx="0">
+                <a:schemeClr val="accent1"/>
+              </a:fillRef>
+              <a:effectRef idx="0">
+                <a:schemeClr val="accent1"/>
+              </a:effectRef>
+              <a:fontRef idx="minor">
+                <a:schemeClr val="tx1"/>
+              </a:fontRef>
+            </p:style>
+          </p:cxnSp>
+          <p:cxnSp>
+            <p:nvCxnSpPr>
+              <p:cNvPr id="210" name="直線コネクタ 209"/>
+              <p:cNvCxnSpPr/>
+              <p:nvPr/>
+            </p:nvCxnSpPr>
+            <p:spPr>
+              <a:xfrm>
+                <a:off x="8016775" y="6102963"/>
+                <a:ext cx="337254" cy="0"/>
+              </a:xfrm>
+              <a:prstGeom prst="line">
+                <a:avLst/>
+              </a:prstGeom>
+              <a:ln w="12700">
+                <a:solidFill>
+                  <a:schemeClr val="tx1"/>
+                </a:solidFill>
+              </a:ln>
+            </p:spPr>
+            <p:style>
+              <a:lnRef idx="1">
+                <a:schemeClr val="accent1"/>
+              </a:lnRef>
+              <a:fillRef idx="0">
+                <a:schemeClr val="accent1"/>
+              </a:fillRef>
+              <a:effectRef idx="0">
+                <a:schemeClr val="accent1"/>
+              </a:effectRef>
+              <a:fontRef idx="minor">
+                <a:schemeClr val="tx1"/>
+              </a:fontRef>
+            </p:style>
+          </p:cxnSp>
+        </p:grpSp>
+        <p:grpSp>
+          <p:nvGrpSpPr>
+            <p:cNvPr id="201" name="グループ化 200"/>
+            <p:cNvGrpSpPr/>
+            <p:nvPr/>
+          </p:nvGrpSpPr>
+          <p:grpSpPr>
+            <a:xfrm>
+              <a:off x="2632279" y="1614180"/>
+              <a:ext cx="2533772" cy="6891874"/>
+              <a:chOff x="2632279" y="1614180"/>
+              <a:chExt cx="2533772" cy="6891874"/>
+            </a:xfrm>
+          </p:grpSpPr>
+          <p:sp>
+            <p:nvSpPr>
+              <p:cNvPr id="202" name="正方形/長方形 201"/>
+              <p:cNvSpPr/>
+              <p:nvPr/>
+            </p:nvSpPr>
+            <p:spPr>
+              <a:xfrm>
+                <a:off x="2907792" y="3033104"/>
+                <a:ext cx="1982746" cy="4003359"/>
+              </a:xfrm>
+              <a:prstGeom prst="rect">
+                <a:avLst/>
+              </a:prstGeom>
+              <a:solidFill>
+                <a:schemeClr val="bg1"/>
+              </a:solidFill>
+              <a:ln>
+                <a:solidFill>
+                  <a:schemeClr val="tx1"/>
+                </a:solidFill>
+              </a:ln>
+            </p:spPr>
+            <p:style>
+              <a:lnRef idx="2">
+                <a:schemeClr val="accent1">
+                  <a:shade val="50000"/>
+                </a:schemeClr>
+              </a:lnRef>
+              <a:fillRef idx="1">
+                <a:schemeClr val="accent1"/>
+              </a:fillRef>
+              <a:effectRef idx="0">
+                <a:schemeClr val="accent1"/>
+              </a:effectRef>
+              <a:fontRef idx="minor">
+                <a:schemeClr val="lt1"/>
+              </a:fontRef>
+            </p:style>
+            <p:txBody>
+              <a:bodyPr rtlCol="0" anchor="ctr"/>
+              <a:lstStyle/>
+              <a:p>
+                <a:pPr algn="ctr"/>
+                <a:endParaRPr kumimoji="1" lang="ja-JP" altLang="en-US"/>
+              </a:p>
+            </p:txBody>
+          </p:sp>
+          <p:sp>
+            <p:nvSpPr>
+              <p:cNvPr id="203" name="正方形/長方形 202"/>
+              <p:cNvSpPr/>
+              <p:nvPr/>
+            </p:nvSpPr>
+            <p:spPr>
+              <a:xfrm>
+                <a:off x="3774277" y="1614180"/>
+                <a:ext cx="760127" cy="1013510"/>
+              </a:xfrm>
+              <a:prstGeom prst="rect">
+                <a:avLst/>
+              </a:prstGeom>
+              <a:solidFill>
+                <a:schemeClr val="tx1"/>
+              </a:solidFill>
+              <a:ln>
+                <a:solidFill>
+                  <a:schemeClr val="tx1"/>
+                </a:solidFill>
+              </a:ln>
+            </p:spPr>
+            <p:style>
+              <a:lnRef idx="2">
+                <a:schemeClr val="accent1">
+                  <a:shade val="50000"/>
+                </a:schemeClr>
+              </a:lnRef>
+              <a:fillRef idx="1">
+                <a:schemeClr val="accent1"/>
+              </a:fillRef>
+              <a:effectRef idx="0">
+                <a:schemeClr val="accent1"/>
+              </a:effectRef>
+              <a:fontRef idx="minor">
+                <a:schemeClr val="lt1"/>
+              </a:fontRef>
+            </p:style>
+            <p:txBody>
+              <a:bodyPr rtlCol="0" anchor="ctr"/>
+              <a:lstStyle/>
+              <a:p>
+                <a:pPr algn="ctr"/>
+                <a:endParaRPr kumimoji="1" lang="ja-JP" altLang="en-US"/>
+              </a:p>
+            </p:txBody>
+          </p:sp>
+          <p:sp>
+            <p:nvSpPr>
+              <p:cNvPr id="204" name="正方形/長方形 203"/>
+              <p:cNvSpPr/>
+              <p:nvPr/>
+            </p:nvSpPr>
+            <p:spPr>
+              <a:xfrm>
+                <a:off x="4494262" y="1614184"/>
+                <a:ext cx="319621" cy="1418916"/>
+              </a:xfrm>
+              <a:prstGeom prst="rect">
+                <a:avLst/>
+              </a:prstGeom>
+              <a:solidFill>
+                <a:schemeClr val="bg1">
+                  <a:lumMod val="75000"/>
+                </a:schemeClr>
+              </a:solidFill>
+              <a:ln>
+                <a:solidFill>
+                  <a:schemeClr val="tx1"/>
+                </a:solidFill>
+              </a:ln>
+            </p:spPr>
+            <p:style>
+              <a:lnRef idx="2">
+                <a:schemeClr val="accent1">
+                  <a:shade val="50000"/>
+                </a:schemeClr>
+              </a:lnRef>
+              <a:fillRef idx="1">
+                <a:schemeClr val="accent1"/>
+              </a:fillRef>
+              <a:effectRef idx="0">
+                <a:schemeClr val="accent1"/>
+              </a:effectRef>
+              <a:fontRef idx="minor">
+                <a:schemeClr val="lt1"/>
+              </a:fontRef>
+            </p:style>
+            <p:txBody>
+              <a:bodyPr rtlCol="0" anchor="ctr"/>
+              <a:lstStyle/>
+              <a:p>
+                <a:pPr algn="ctr"/>
+                <a:endParaRPr kumimoji="1" lang="ja-JP" altLang="en-US"/>
+              </a:p>
+            </p:txBody>
+          </p:sp>
+          <p:sp>
+            <p:nvSpPr>
+              <p:cNvPr id="205" name="円/楕円 204"/>
+              <p:cNvSpPr/>
+              <p:nvPr/>
+            </p:nvSpPr>
+            <p:spPr>
+              <a:xfrm>
+                <a:off x="2632279" y="5972282"/>
+                <a:ext cx="2533772" cy="2533772"/>
+              </a:xfrm>
+              <a:prstGeom prst="ellipse">
+                <a:avLst/>
+              </a:prstGeom>
+              <a:solidFill>
+                <a:schemeClr val="bg2"/>
+              </a:solidFill>
+              <a:ln w="76200">
+                <a:solidFill>
+                  <a:schemeClr val="tx1"/>
+                </a:solidFill>
+              </a:ln>
+            </p:spPr>
+            <p:style>
+              <a:lnRef idx="2">
+                <a:schemeClr val="accent1">
+                  <a:shade val="50000"/>
+                </a:schemeClr>
+              </a:lnRef>
+              <a:fillRef idx="1">
+                <a:schemeClr val="accent1"/>
+              </a:fillRef>
+              <a:effectRef idx="0">
+                <a:schemeClr val="accent1"/>
+              </a:effectRef>
+              <a:fontRef idx="minor">
+                <a:schemeClr val="lt1"/>
+              </a:fontRef>
+            </p:style>
+            <p:txBody>
+              <a:bodyPr rtlCol="0" anchor="ctr"/>
+              <a:lstStyle/>
+              <a:p>
+                <a:pPr algn="ctr"/>
+                <a:endParaRPr kumimoji="1" lang="ja-JP" altLang="en-US"/>
+              </a:p>
+            </p:txBody>
+          </p:sp>
+        </p:grpSp>
+      </p:grpSp>
+      <p:sp>
+        <p:nvSpPr>
+          <p:cNvPr id="213" name="円弧 212"/>
+          <p:cNvSpPr/>
+          <p:nvPr/>
+        </p:nvSpPr>
+        <p:spPr>
+          <a:xfrm rot="18900001">
+            <a:off x="11232462" y="1774181"/>
+            <a:ext cx="712135" cy="712135"/>
+          </a:xfrm>
+          <a:prstGeom prst="arc">
+            <a:avLst/>
+          </a:prstGeom>
+          <a:ln w="38100">
+            <a:solidFill>
+              <a:srgbClr val="FF0000"/>
+            </a:solidFill>
+            <a:headEnd type="triangle"/>
+            <a:tailEnd type="triangle"/>
+          </a:ln>
+        </p:spPr>
+        <p:style>
+          <a:lnRef idx="1">
+            <a:schemeClr val="accent1"/>
+          </a:lnRef>
+          <a:fillRef idx="0">
+            <a:schemeClr val="accent1"/>
+          </a:fillRef>
+          <a:effectRef idx="0">
+            <a:schemeClr val="accent1"/>
+          </a:effectRef>
+          <a:fontRef idx="minor">
+            <a:schemeClr val="tx1"/>
+          </a:fontRef>
+        </p:style>
+        <p:txBody>
+          <a:bodyPr rtlCol="0" anchor="ctr"/>
+          <a:lstStyle/>
+          <a:p>
+            <a:pPr algn="ctr"/>
+            <a:endParaRPr kumimoji="1" lang="ja-JP" altLang="en-US"/>
+          </a:p>
+        </p:txBody>
+      </p:sp>
+      <p:sp>
+        <p:nvSpPr>
+          <p:cNvPr id="214" name="円弧 213"/>
+          <p:cNvSpPr/>
+          <p:nvPr/>
+        </p:nvSpPr>
+        <p:spPr>
+          <a:xfrm rot="18900000">
+            <a:off x="8710623" y="1777293"/>
+            <a:ext cx="712135" cy="712135"/>
+          </a:xfrm>
+          <a:prstGeom prst="arc">
+            <a:avLst/>
+          </a:prstGeom>
+          <a:ln w="38100">
+            <a:solidFill>
+              <a:srgbClr val="FF0000"/>
+            </a:solidFill>
+            <a:headEnd type="triangle"/>
+            <a:tailEnd type="none"/>
+          </a:ln>
+        </p:spPr>
+        <p:style>
+          <a:lnRef idx="1">
+            <a:schemeClr val="accent1"/>
+          </a:lnRef>
+          <a:fillRef idx="0">
+            <a:schemeClr val="accent1"/>
+          </a:fillRef>
+          <a:effectRef idx="0">
+            <a:schemeClr val="accent1"/>
+          </a:effectRef>
+          <a:fontRef idx="minor">
+            <a:schemeClr val="tx1"/>
+          </a:fontRef>
+        </p:style>
+        <p:txBody>
+          <a:bodyPr rtlCol="0" anchor="ctr"/>
+          <a:lstStyle/>
+          <a:p>
+            <a:pPr algn="ctr"/>
+            <a:endParaRPr kumimoji="1" lang="ja-JP" altLang="en-US"/>
+          </a:p>
+        </p:txBody>
+      </p:sp>
+      <p:sp>
+        <p:nvSpPr>
+          <p:cNvPr id="215" name="テキスト ボックス 214"/>
+          <p:cNvSpPr txBox="1"/>
+          <p:nvPr/>
+        </p:nvSpPr>
+        <p:spPr>
+          <a:xfrm>
+            <a:off x="9290320" y="1352347"/>
+            <a:ext cx="947850" cy="369332"/>
+          </a:xfrm>
+          <a:prstGeom prst="rect">
+            <a:avLst/>
+          </a:prstGeom>
+          <a:noFill/>
+        </p:spPr>
+        <p:txBody>
+          <a:bodyPr wrap="square" rtlCol="0">
+            <a:spAutoFit/>
+          </a:bodyPr>
+          <a:lstStyle/>
+          <a:p>
+            <a:r>
+              <a:rPr lang="en-US" altLang="ja-JP" sz="1800" dirty="0" smtClean="0"/>
+              <a:t>1msec</a:t>
+            </a:r>
+            <a:endParaRPr kumimoji="1" lang="ja-JP" altLang="en-US" sz="1800" dirty="0"/>
+          </a:p>
+        </p:txBody>
+      </p:sp>
+      <p:sp>
+        <p:nvSpPr>
+          <p:cNvPr id="216" name="テキスト ボックス 215"/>
+          <p:cNvSpPr txBox="1"/>
+          <p:nvPr/>
+        </p:nvSpPr>
+        <p:spPr>
+          <a:xfrm>
+            <a:off x="10552081" y="1971151"/>
+            <a:ext cx="947850" cy="369332"/>
+          </a:xfrm>
+          <a:prstGeom prst="rect">
+            <a:avLst/>
+          </a:prstGeom>
+          <a:noFill/>
+        </p:spPr>
+        <p:txBody>
+          <a:bodyPr wrap="square" rtlCol="0">
+            <a:spAutoFit/>
+          </a:bodyPr>
+          <a:lstStyle/>
+          <a:p>
+            <a:r>
+              <a:rPr lang="en-US" altLang="ja-JP" sz="1800" dirty="0" smtClean="0"/>
+              <a:t>3msec</a:t>
+            </a:r>
+            <a:endParaRPr kumimoji="1" lang="ja-JP" altLang="en-US" sz="1800" dirty="0"/>
+          </a:p>
+        </p:txBody>
+      </p:sp>
+      <p:sp>
+        <p:nvSpPr>
+          <p:cNvPr id="217" name="左右矢印 216"/>
+          <p:cNvSpPr/>
+          <p:nvPr/>
+        </p:nvSpPr>
+        <p:spPr>
+          <a:xfrm>
+            <a:off x="10041618" y="1721679"/>
+            <a:ext cx="628352" cy="250396"/>
+          </a:xfrm>
+          <a:prstGeom prst="leftRightArrow">
+            <a:avLst/>
+          </a:prstGeom>
+          <a:solidFill>
+            <a:schemeClr val="bg1"/>
+          </a:solidFill>
+          <a:ln>
+            <a:solidFill>
+              <a:schemeClr val="tx1"/>
+            </a:solidFill>
+          </a:ln>
+        </p:spPr>
+        <p:style>
+          <a:lnRef idx="2">
+            <a:schemeClr val="accent1">
+              <a:shade val="50000"/>
+            </a:schemeClr>
+          </a:lnRef>
+          <a:fillRef idx="1">
+            <a:schemeClr val="accent1"/>
+          </a:fillRef>
+          <a:effectRef idx="0">
+            <a:schemeClr val="accent1"/>
+          </a:effectRef>
+          <a:fontRef idx="minor">
+            <a:schemeClr val="lt1"/>
+          </a:fontRef>
+        </p:style>
+        <p:txBody>
+          <a:bodyPr rtlCol="0" anchor="ctr"/>
+          <a:lstStyle/>
+          <a:p>
+            <a:pPr algn="ctr"/>
+            <a:endParaRPr kumimoji="1" lang="ja-JP" altLang="en-US"/>
+          </a:p>
+        </p:txBody>
+      </p:sp>
+      <p:sp>
+        <p:nvSpPr>
+          <p:cNvPr id="218" name="正方形/長方形 217"/>
+          <p:cNvSpPr/>
+          <p:nvPr/>
+        </p:nvSpPr>
+        <p:spPr>
+          <a:xfrm rot="5400000">
+            <a:off x="2843110" y="994999"/>
+            <a:ext cx="592075" cy="2006894"/>
+          </a:xfrm>
+          <a:prstGeom prst="rect">
+            <a:avLst/>
+          </a:prstGeom>
+          <a:solidFill>
+            <a:schemeClr val="tx1"/>
+          </a:solidFill>
+          <a:ln>
+            <a:solidFill>
+              <a:schemeClr val="tx1"/>
+            </a:solidFill>
+          </a:ln>
+        </p:spPr>
+        <p:style>
+          <a:lnRef idx="2">
+            <a:schemeClr val="accent1">
+              <a:shade val="50000"/>
+            </a:schemeClr>
+          </a:lnRef>
+          <a:fillRef idx="1">
+            <a:schemeClr val="accent1"/>
+          </a:fillRef>
+          <a:effectRef idx="0">
+            <a:schemeClr val="accent1"/>
+          </a:effectRef>
+          <a:fontRef idx="minor">
+            <a:schemeClr val="lt1"/>
+          </a:fontRef>
+        </p:style>
+        <p:txBody>
+          <a:bodyPr rtlCol="0" anchor="ctr"/>
+          <a:lstStyle/>
+          <a:p>
+            <a:pPr algn="ctr"/>
+            <a:endParaRPr kumimoji="1" lang="ja-JP" altLang="en-US"/>
+          </a:p>
+        </p:txBody>
+      </p:sp>
+      <p:grpSp>
+        <p:nvGrpSpPr>
+          <p:cNvPr id="219" name="グループ化 218"/>
+          <p:cNvGrpSpPr/>
+          <p:nvPr/>
+        </p:nvGrpSpPr>
+        <p:grpSpPr>
+          <a:xfrm rot="5400000">
+            <a:off x="1838311" y="1293509"/>
+            <a:ext cx="2570747" cy="1858643"/>
+            <a:chOff x="3293289" y="1967488"/>
+            <a:chExt cx="3744615" cy="2707345"/>
+          </a:xfrm>
+        </p:grpSpPr>
+        <p:sp>
+          <p:nvSpPr>
+            <p:cNvPr id="220" name="正方形/長方形 219"/>
+            <p:cNvSpPr/>
+            <p:nvPr/>
+          </p:nvSpPr>
+          <p:spPr>
+            <a:xfrm>
+              <a:off x="3593215" y="3310866"/>
+              <a:ext cx="3188585" cy="114492"/>
+            </a:xfrm>
+            <a:prstGeom prst="rect">
+              <a:avLst/>
+            </a:prstGeom>
+            <a:solidFill>
+              <a:schemeClr val="bg2"/>
+            </a:solidFill>
+            <a:ln>
+              <a:solidFill>
+                <a:schemeClr val="tx1"/>
+              </a:solidFill>
+            </a:ln>
+          </p:spPr>
+          <p:style>
+            <a:lnRef idx="2">
+              <a:schemeClr val="accent1">
+                <a:shade val="50000"/>
+              </a:schemeClr>
+            </a:lnRef>
+            <a:fillRef idx="1">
+              <a:schemeClr val="accent1"/>
+            </a:fillRef>
+            <a:effectRef idx="0">
+              <a:schemeClr val="accent1"/>
+            </a:effectRef>
+            <a:fontRef idx="minor">
+              <a:schemeClr val="lt1"/>
+            </a:fontRef>
+          </p:style>
+          <p:txBody>
+            <a:bodyPr rtlCol="0" anchor="ctr"/>
+            <a:lstStyle/>
+            <a:p>
+              <a:pPr algn="ctr"/>
+              <a:endParaRPr kumimoji="1" lang="ja-JP" altLang="en-US"/>
+            </a:p>
+          </p:txBody>
+        </p:sp>
+        <p:sp>
+          <p:nvSpPr>
+            <p:cNvPr id="221" name="正方形/長方形 220"/>
+            <p:cNvSpPr/>
+            <p:nvPr/>
+          </p:nvSpPr>
+          <p:spPr>
+            <a:xfrm>
+              <a:off x="3876716" y="2583502"/>
+              <a:ext cx="2636315" cy="1546408"/>
+            </a:xfrm>
+            <a:prstGeom prst="rect">
+              <a:avLst/>
+            </a:prstGeom>
+            <a:solidFill>
+              <a:schemeClr val="bg1"/>
+            </a:solidFill>
+            <a:ln>
+              <a:solidFill>
+                <a:schemeClr val="tx1"/>
+              </a:solidFill>
+            </a:ln>
+          </p:spPr>
+          <p:style>
+            <a:lnRef idx="2">
+              <a:schemeClr val="accent1">
+                <a:shade val="50000"/>
+              </a:schemeClr>
+            </a:lnRef>
+            <a:fillRef idx="1">
+              <a:schemeClr val="accent1"/>
+            </a:fillRef>
+            <a:effectRef idx="0">
+              <a:schemeClr val="accent1"/>
+            </a:effectRef>
+            <a:fontRef idx="minor">
+              <a:schemeClr val="lt1"/>
+            </a:fontRef>
+          </p:style>
+          <p:txBody>
+            <a:bodyPr rtlCol="0" anchor="ctr"/>
+            <a:lstStyle/>
+            <a:p>
+              <a:pPr algn="ctr"/>
+              <a:endParaRPr kumimoji="1" lang="ja-JP" altLang="en-US"/>
+            </a:p>
+          </p:txBody>
+        </p:sp>
+        <p:sp>
+          <p:nvSpPr>
+            <p:cNvPr id="222" name="正方形/長方形 221"/>
+            <p:cNvSpPr/>
+            <p:nvPr/>
+          </p:nvSpPr>
+          <p:spPr>
+            <a:xfrm>
+              <a:off x="3293289" y="2141061"/>
+              <a:ext cx="442485" cy="2533772"/>
+            </a:xfrm>
+            <a:prstGeom prst="rect">
+              <a:avLst/>
+            </a:prstGeom>
+            <a:solidFill>
+              <a:schemeClr val="tx1"/>
+            </a:solidFill>
+            <a:ln>
+              <a:solidFill>
+                <a:schemeClr val="tx1"/>
+              </a:solidFill>
+            </a:ln>
+          </p:spPr>
+          <p:style>
+            <a:lnRef idx="2">
+              <a:schemeClr val="accent1">
+                <a:shade val="50000"/>
+              </a:schemeClr>
+            </a:lnRef>
+            <a:fillRef idx="1">
+              <a:schemeClr val="accent1"/>
+            </a:fillRef>
+            <a:effectRef idx="0">
+              <a:schemeClr val="accent1"/>
+            </a:effectRef>
+            <a:fontRef idx="minor">
+              <a:schemeClr val="lt1"/>
+            </a:fontRef>
+          </p:style>
+          <p:txBody>
+            <a:bodyPr rtlCol="0" anchor="ctr"/>
+            <a:lstStyle/>
+            <a:p>
+              <a:pPr algn="ctr"/>
+              <a:endParaRPr kumimoji="1" lang="ja-JP" altLang="en-US"/>
+            </a:p>
+          </p:txBody>
+        </p:sp>
+        <p:sp>
+          <p:nvSpPr>
+            <p:cNvPr id="223" name="正方形/長方形 222"/>
+            <p:cNvSpPr/>
+            <p:nvPr/>
+          </p:nvSpPr>
+          <p:spPr>
+            <a:xfrm>
+              <a:off x="6595419" y="2141061"/>
+              <a:ext cx="442485" cy="2533772"/>
+            </a:xfrm>
+            <a:prstGeom prst="rect">
+              <a:avLst/>
+            </a:prstGeom>
+            <a:solidFill>
+              <a:schemeClr val="tx1"/>
+            </a:solidFill>
+            <a:ln>
+              <a:solidFill>
+                <a:schemeClr val="tx1"/>
+              </a:solidFill>
+            </a:ln>
+          </p:spPr>
+          <p:style>
+            <a:lnRef idx="2">
+              <a:schemeClr val="accent1">
+                <a:shade val="50000"/>
+              </a:schemeClr>
+            </a:lnRef>
+            <a:fillRef idx="1">
+              <a:schemeClr val="accent1"/>
+            </a:fillRef>
+            <a:effectRef idx="0">
+              <a:schemeClr val="accent1"/>
+            </a:effectRef>
+            <a:fontRef idx="minor">
+              <a:schemeClr val="lt1"/>
+            </a:fontRef>
+          </p:style>
+          <p:txBody>
+            <a:bodyPr rtlCol="0" anchor="ctr"/>
+            <a:lstStyle/>
+            <a:p>
+              <a:pPr algn="ctr"/>
+              <a:endParaRPr kumimoji="1" lang="ja-JP" altLang="en-US"/>
+            </a:p>
+          </p:txBody>
+        </p:sp>
+        <p:sp>
+          <p:nvSpPr>
+            <p:cNvPr id="224" name="正方形/長方形 223"/>
+            <p:cNvSpPr/>
+            <p:nvPr/>
+          </p:nvSpPr>
+          <p:spPr>
+            <a:xfrm>
+              <a:off x="3876715" y="2739879"/>
+              <a:ext cx="2636315" cy="529102"/>
+            </a:xfrm>
+            <a:prstGeom prst="rect">
+              <a:avLst/>
+            </a:prstGeom>
+            <a:solidFill>
+              <a:schemeClr val="tx1"/>
+            </a:solidFill>
+            <a:ln>
+              <a:solidFill>
+                <a:schemeClr val="tx1"/>
+              </a:solidFill>
+            </a:ln>
+          </p:spPr>
+          <p:style>
+            <a:lnRef idx="2">
+              <a:schemeClr val="accent1">
+                <a:shade val="50000"/>
+              </a:schemeClr>
+            </a:lnRef>
+            <a:fillRef idx="1">
+              <a:schemeClr val="accent1"/>
+            </a:fillRef>
+            <a:effectRef idx="0">
+              <a:schemeClr val="accent1"/>
+            </a:effectRef>
+            <a:fontRef idx="minor">
+              <a:schemeClr val="lt1"/>
+            </a:fontRef>
+          </p:style>
+          <p:txBody>
+            <a:bodyPr rtlCol="0" anchor="ctr"/>
+            <a:lstStyle/>
+            <a:p>
+              <a:pPr algn="ctr"/>
+              <a:endParaRPr kumimoji="1" lang="ja-JP" altLang="en-US"/>
+            </a:p>
+          </p:txBody>
+        </p:sp>
+        <p:sp>
+          <p:nvSpPr>
+            <p:cNvPr id="225" name="正方形/長方形 224"/>
+            <p:cNvSpPr/>
+            <p:nvPr/>
+          </p:nvSpPr>
+          <p:spPr>
+            <a:xfrm>
+              <a:off x="4728787" y="2583502"/>
+              <a:ext cx="1013127" cy="156377"/>
+            </a:xfrm>
+            <a:prstGeom prst="rect">
+              <a:avLst/>
+            </a:prstGeom>
+            <a:solidFill>
+              <a:schemeClr val="bg1">
+                <a:lumMod val="75000"/>
+              </a:schemeClr>
+            </a:solidFill>
+            <a:ln>
+              <a:solidFill>
+                <a:schemeClr val="tx1"/>
+              </a:solidFill>
+            </a:ln>
+          </p:spPr>
+          <p:style>
+            <a:lnRef idx="2">
+              <a:schemeClr val="accent1">
+                <a:shade val="50000"/>
+              </a:schemeClr>
+            </a:lnRef>
+            <a:fillRef idx="1">
+              <a:schemeClr val="accent1"/>
+            </a:fillRef>
+            <a:effectRef idx="0">
+              <a:schemeClr val="accent1"/>
+            </a:effectRef>
+            <a:fontRef idx="minor">
+              <a:schemeClr val="lt1"/>
+            </a:fontRef>
+          </p:style>
+          <p:txBody>
+            <a:bodyPr rtlCol="0" anchor="ctr"/>
+            <a:lstStyle/>
+            <a:p>
+              <a:pPr algn="ctr"/>
+              <a:endParaRPr kumimoji="1" lang="ja-JP" altLang="en-US"/>
+            </a:p>
+          </p:txBody>
+        </p:sp>
+        <p:sp>
+          <p:nvSpPr>
+            <p:cNvPr id="226" name="正方形/長方形 225"/>
+            <p:cNvSpPr/>
+            <p:nvPr/>
+          </p:nvSpPr>
+          <p:spPr>
+            <a:xfrm>
+              <a:off x="4224715" y="3282354"/>
+              <a:ext cx="772380" cy="156377"/>
+            </a:xfrm>
+            <a:prstGeom prst="rect">
+              <a:avLst/>
+            </a:prstGeom>
+            <a:solidFill>
+              <a:srgbClr val="FF0000"/>
+            </a:solidFill>
+            <a:ln>
+              <a:solidFill>
+                <a:srgbClr val="FF0000"/>
+              </a:solidFill>
+            </a:ln>
+          </p:spPr>
+          <p:style>
+            <a:lnRef idx="2">
+              <a:schemeClr val="accent1">
+                <a:shade val="50000"/>
+              </a:schemeClr>
+            </a:lnRef>
+            <a:fillRef idx="1">
+              <a:schemeClr val="accent1"/>
+            </a:fillRef>
+            <a:effectRef idx="0">
+              <a:schemeClr val="accent1"/>
+            </a:effectRef>
+            <a:fontRef idx="minor">
+              <a:schemeClr val="lt1"/>
+            </a:fontRef>
+          </p:style>
+          <p:txBody>
+            <a:bodyPr rtlCol="0" anchor="ctr"/>
+            <a:lstStyle/>
+            <a:p>
+              <a:pPr algn="ctr"/>
+              <a:endParaRPr kumimoji="1" lang="ja-JP" altLang="en-US"/>
+            </a:p>
+          </p:txBody>
+        </p:sp>
+        <p:sp>
+          <p:nvSpPr>
+            <p:cNvPr id="227" name="正方形/長方形 226"/>
+            <p:cNvSpPr/>
+            <p:nvPr/>
+          </p:nvSpPr>
+          <p:spPr>
+            <a:xfrm>
+              <a:off x="5457681" y="3282354"/>
+              <a:ext cx="772380" cy="156377"/>
+            </a:xfrm>
+            <a:prstGeom prst="rect">
+              <a:avLst/>
+            </a:prstGeom>
+            <a:solidFill>
+              <a:srgbClr val="FF0000"/>
+            </a:solidFill>
+            <a:ln>
+              <a:solidFill>
+                <a:srgbClr val="FF0000"/>
+              </a:solidFill>
+            </a:ln>
+          </p:spPr>
+          <p:style>
+            <a:lnRef idx="2">
+              <a:schemeClr val="accent1">
+                <a:shade val="50000"/>
+              </a:schemeClr>
+            </a:lnRef>
+            <a:fillRef idx="1">
+              <a:schemeClr val="accent1"/>
+            </a:fillRef>
+            <a:effectRef idx="0">
+              <a:schemeClr val="accent1"/>
+            </a:effectRef>
+            <a:fontRef idx="minor">
+              <a:schemeClr val="lt1"/>
+            </a:fontRef>
+          </p:style>
+          <p:txBody>
+            <a:bodyPr rtlCol="0" anchor="ctr"/>
+            <a:lstStyle/>
+            <a:p>
+              <a:pPr algn="ctr"/>
+              <a:endParaRPr kumimoji="1" lang="ja-JP" altLang="en-US"/>
+            </a:p>
+          </p:txBody>
+        </p:sp>
+        <p:sp>
+          <p:nvSpPr>
+            <p:cNvPr id="228" name="正方形/長方形 227"/>
+            <p:cNvSpPr/>
+            <p:nvPr/>
+          </p:nvSpPr>
+          <p:spPr>
+            <a:xfrm>
+              <a:off x="4503809" y="1967488"/>
+              <a:ext cx="1480932" cy="182880"/>
+            </a:xfrm>
+            <a:prstGeom prst="rect">
+              <a:avLst/>
+            </a:prstGeom>
+            <a:solidFill>
+              <a:schemeClr val="bg2"/>
+            </a:solidFill>
+            <a:ln>
+              <a:solidFill>
+                <a:schemeClr val="tx1"/>
+              </a:solidFill>
+            </a:ln>
+          </p:spPr>
+          <p:style>
+            <a:lnRef idx="2">
+              <a:schemeClr val="accent1">
+                <a:shade val="50000"/>
+              </a:schemeClr>
+            </a:lnRef>
+            <a:fillRef idx="1">
+              <a:schemeClr val="accent1"/>
+            </a:fillRef>
+            <a:effectRef idx="0">
+              <a:schemeClr val="accent1"/>
+            </a:effectRef>
+            <a:fontRef idx="minor">
+              <a:schemeClr val="lt1"/>
+            </a:fontRef>
+          </p:style>
+          <p:txBody>
+            <a:bodyPr rtlCol="0" anchor="ctr"/>
+            <a:lstStyle/>
+            <a:p>
+              <a:pPr algn="ctr"/>
+              <a:endParaRPr kumimoji="1" lang="ja-JP" altLang="en-US"/>
+            </a:p>
+          </p:txBody>
+        </p:sp>
+        <p:sp>
+          <p:nvSpPr>
+            <p:cNvPr id="229" name="正方形/長方形 228"/>
+            <p:cNvSpPr/>
+            <p:nvPr/>
+          </p:nvSpPr>
+          <p:spPr>
+            <a:xfrm rot="16200000">
+              <a:off x="4378682" y="2275495"/>
+              <a:ext cx="433134" cy="182880"/>
+            </a:xfrm>
+            <a:prstGeom prst="rect">
+              <a:avLst/>
+            </a:prstGeom>
+            <a:solidFill>
+              <a:schemeClr val="bg2"/>
+            </a:solidFill>
+            <a:ln>
+              <a:solidFill>
+                <a:schemeClr val="tx1"/>
+              </a:solidFill>
+            </a:ln>
+          </p:spPr>
+          <p:style>
+            <a:lnRef idx="2">
+              <a:schemeClr val="accent1">
+                <a:shade val="50000"/>
+              </a:schemeClr>
+            </a:lnRef>
+            <a:fillRef idx="1">
+              <a:schemeClr val="accent1"/>
+            </a:fillRef>
+            <a:effectRef idx="0">
+              <a:schemeClr val="accent1"/>
+            </a:effectRef>
+            <a:fontRef idx="minor">
+              <a:schemeClr val="lt1"/>
+            </a:fontRef>
+          </p:style>
+          <p:txBody>
+            <a:bodyPr rtlCol="0" anchor="ctr"/>
+            <a:lstStyle/>
+            <a:p>
+              <a:pPr algn="ctr"/>
+              <a:endParaRPr kumimoji="1" lang="ja-JP" altLang="en-US"/>
+            </a:p>
+          </p:txBody>
+        </p:sp>
+        <p:sp>
+          <p:nvSpPr>
+            <p:cNvPr id="230" name="正方形/長方形 229"/>
+            <p:cNvSpPr/>
+            <p:nvPr/>
+          </p:nvSpPr>
+          <p:spPr>
+            <a:xfrm rot="16200000">
+              <a:off x="5674483" y="2275495"/>
+              <a:ext cx="433134" cy="182880"/>
+            </a:xfrm>
+            <a:prstGeom prst="rect">
+              <a:avLst/>
+            </a:prstGeom>
+            <a:solidFill>
+              <a:schemeClr val="bg2"/>
+            </a:solidFill>
+            <a:ln>
+              <a:solidFill>
+                <a:schemeClr val="tx1"/>
+              </a:solidFill>
+            </a:ln>
+          </p:spPr>
+          <p:style>
+            <a:lnRef idx="2">
+              <a:schemeClr val="accent1">
+                <a:shade val="50000"/>
+              </a:schemeClr>
+            </a:lnRef>
+            <a:fillRef idx="1">
+              <a:schemeClr val="accent1"/>
+            </a:fillRef>
+            <a:effectRef idx="0">
+              <a:schemeClr val="accent1"/>
+            </a:effectRef>
+            <a:fontRef idx="minor">
+              <a:schemeClr val="lt1"/>
+            </a:fontRef>
+          </p:style>
+          <p:txBody>
+            <a:bodyPr rtlCol="0" anchor="ctr"/>
+            <a:lstStyle/>
+            <a:p>
+              <a:pPr algn="ctr"/>
+              <a:endParaRPr kumimoji="1" lang="ja-JP" altLang="en-US"/>
+            </a:p>
+          </p:txBody>
+        </p:sp>
+      </p:grpSp>
+      <p:cxnSp>
+        <p:nvCxnSpPr>
+          <p:cNvPr id="232" name="直線コネクタ 231"/>
+          <p:cNvCxnSpPr/>
+          <p:nvPr/>
+        </p:nvCxnSpPr>
+        <p:spPr>
+          <a:xfrm>
+            <a:off x="754000" y="1527126"/>
+            <a:ext cx="0" cy="1596124"/>
+          </a:xfrm>
+          <a:prstGeom prst="line">
+            <a:avLst/>
+          </a:prstGeom>
+          <a:ln w="19050">
+            <a:solidFill>
+              <a:schemeClr val="tx1"/>
+            </a:solidFill>
+          </a:ln>
+        </p:spPr>
+        <p:style>
+          <a:lnRef idx="1">
+            <a:schemeClr val="accent1"/>
+          </a:lnRef>
+          <a:fillRef idx="0">
+            <a:schemeClr val="accent1"/>
+          </a:fillRef>
+          <a:effectRef idx="0">
+            <a:schemeClr val="accent1"/>
+          </a:effectRef>
+          <a:fontRef idx="minor">
+            <a:schemeClr val="tx1"/>
+          </a:fontRef>
+        </p:style>
+      </p:cxnSp>
+      <p:sp>
+        <p:nvSpPr>
+          <p:cNvPr id="235" name="正方形/長方形 234"/>
+          <p:cNvSpPr/>
+          <p:nvPr/>
+        </p:nvSpPr>
+        <p:spPr>
+          <a:xfrm>
+            <a:off x="1987821" y="852558"/>
+            <a:ext cx="2193335" cy="824036"/>
+          </a:xfrm>
+          <a:prstGeom prst="rect">
+            <a:avLst/>
+          </a:prstGeom>
+          <a:solidFill>
+            <a:schemeClr val="bg1"/>
+          </a:solidFill>
+          <a:ln>
+            <a:solidFill>
+              <a:schemeClr val="bg1"/>
+            </a:solidFill>
+          </a:ln>
+        </p:spPr>
+        <p:style>
+          <a:lnRef idx="2">
+            <a:schemeClr val="accent1">
+              <a:shade val="50000"/>
+            </a:schemeClr>
+          </a:lnRef>
+          <a:fillRef idx="1">
+            <a:schemeClr val="accent1"/>
+          </a:fillRef>
+          <a:effectRef idx="0">
+            <a:schemeClr val="accent1"/>
+          </a:effectRef>
+          <a:fontRef idx="minor">
+            <a:schemeClr val="lt1"/>
+          </a:fontRef>
+        </p:style>
+        <p:txBody>
+          <a:bodyPr rtlCol="0" anchor="ctr"/>
+          <a:lstStyle/>
+          <a:p>
+            <a:pPr algn="ctr"/>
+            <a:endParaRPr kumimoji="1" lang="ja-JP" altLang="en-US"/>
+          </a:p>
+        </p:txBody>
+      </p:sp>
+      <p:sp>
+        <p:nvSpPr>
+          <p:cNvPr id="238" name="フリーフォーム 237"/>
+          <p:cNvSpPr/>
+          <p:nvPr/>
+        </p:nvSpPr>
+        <p:spPr>
+          <a:xfrm>
+            <a:off x="783776" y="1768501"/>
+            <a:ext cx="990294" cy="1330299"/>
+          </a:xfrm>
+          <a:custGeom>
+            <a:avLst/>
+            <a:gdLst>
+              <a:gd name="connsiteX0" fmla="*/ 3624 w 816984"/>
+              <a:gd name="connsiteY0" fmla="*/ 0 h 1308100"/>
+              <a:gd name="connsiteX1" fmla="*/ 105224 w 816984"/>
+              <a:gd name="connsiteY1" fmla="*/ 355600 h 1308100"/>
+              <a:gd name="connsiteX2" fmla="*/ 702124 w 816984"/>
+              <a:gd name="connsiteY2" fmla="*/ 876300 h 1308100"/>
+              <a:gd name="connsiteX3" fmla="*/ 816424 w 816984"/>
+              <a:gd name="connsiteY3" fmla="*/ 1308100 h 1308100"/>
+            </a:gdLst>
+            <a:ahLst/>
+            <a:cxnLst>
+              <a:cxn ang="0">
+                <a:pos x="connsiteX0" y="connsiteY0"/>
+              </a:cxn>
+              <a:cxn ang="0">
+                <a:pos x="connsiteX1" y="connsiteY1"/>
+              </a:cxn>
+              <a:cxn ang="0">
+                <a:pos x="connsiteX2" y="connsiteY2"/>
+              </a:cxn>
+              <a:cxn ang="0">
+                <a:pos x="connsiteX3" y="connsiteY3"/>
+              </a:cxn>
+            </a:cxnLst>
+            <a:rect l="l" t="t" r="r" b="b"/>
+            <a:pathLst>
+              <a:path w="816984" h="1308100">
+                <a:moveTo>
+                  <a:pt x="3624" y="0"/>
+                </a:moveTo>
+                <a:cubicBezTo>
+                  <a:pt x="-3785" y="104775"/>
+                  <a:pt x="-11193" y="209550"/>
+                  <a:pt x="105224" y="355600"/>
+                </a:cubicBezTo>
+                <a:cubicBezTo>
+                  <a:pt x="221641" y="501650"/>
+                  <a:pt x="583591" y="717550"/>
+                  <a:pt x="702124" y="876300"/>
+                </a:cubicBezTo>
+                <a:cubicBezTo>
+                  <a:pt x="820657" y="1035050"/>
+                  <a:pt x="818540" y="1171575"/>
+                  <a:pt x="816424" y="1308100"/>
+                </a:cubicBezTo>
+              </a:path>
+            </a:pathLst>
+          </a:custGeom>
+          <a:noFill/>
+          <a:ln w="38100">
+            <a:solidFill>
+              <a:schemeClr val="tx1"/>
+            </a:solidFill>
+          </a:ln>
+        </p:spPr>
+        <p:style>
+          <a:lnRef idx="2">
+            <a:schemeClr val="accent1">
+              <a:shade val="50000"/>
+            </a:schemeClr>
+          </a:lnRef>
+          <a:fillRef idx="1">
+            <a:schemeClr val="accent1"/>
+          </a:fillRef>
+          <a:effectRef idx="0">
+            <a:schemeClr val="accent1"/>
+          </a:effectRef>
+          <a:fontRef idx="minor">
+            <a:schemeClr val="lt1"/>
+          </a:fontRef>
+        </p:style>
+        <p:txBody>
+          <a:bodyPr rtlCol="0" anchor="ctr"/>
+          <a:lstStyle/>
+          <a:p>
+            <a:pPr algn="ctr"/>
+            <a:endParaRPr kumimoji="1" lang="ja-JP" altLang="en-US"/>
+          </a:p>
+        </p:txBody>
+      </p:sp>
+      <p:cxnSp>
+        <p:nvCxnSpPr>
+          <p:cNvPr id="240" name="直線矢印コネクタ 239"/>
+          <p:cNvCxnSpPr/>
+          <p:nvPr/>
+        </p:nvCxnSpPr>
+        <p:spPr>
+          <a:xfrm>
+            <a:off x="614792" y="1652163"/>
+            <a:ext cx="1373029" cy="0"/>
+          </a:xfrm>
+          <a:prstGeom prst="straightConnector1">
+            <a:avLst/>
+          </a:prstGeom>
+          <a:ln w="19050">
+            <a:solidFill>
+              <a:schemeClr val="tx1"/>
+            </a:solidFill>
+            <a:tailEnd type="triangle"/>
+          </a:ln>
+        </p:spPr>
+        <p:style>
+          <a:lnRef idx="1">
+            <a:schemeClr val="accent1"/>
+          </a:lnRef>
+          <a:fillRef idx="0">
+            <a:schemeClr val="accent1"/>
+          </a:fillRef>
+          <a:effectRef idx="0">
+            <a:schemeClr val="accent1"/>
+          </a:effectRef>
+          <a:fontRef idx="minor">
+            <a:schemeClr val="tx1"/>
+          </a:fontRef>
+        </p:style>
+      </p:cxnSp>
+      <p:sp>
+        <p:nvSpPr>
+          <p:cNvPr id="243" name="テキスト ボックス 242"/>
+          <p:cNvSpPr txBox="1"/>
+          <p:nvPr/>
+        </p:nvSpPr>
+        <p:spPr>
+          <a:xfrm>
+            <a:off x="848282" y="1246986"/>
+            <a:ext cx="1497957" cy="418128"/>
+          </a:xfrm>
+          <a:prstGeom prst="rect">
+            <a:avLst/>
+          </a:prstGeom>
+          <a:noFill/>
+        </p:spPr>
+        <p:txBody>
+          <a:bodyPr wrap="square" rtlCol="0">
+            <a:spAutoFit/>
+          </a:bodyPr>
+          <a:lstStyle/>
+          <a:p>
+            <a:r>
+              <a:rPr kumimoji="1" lang="ja-JP" altLang="en-US" dirty="0" smtClean="0"/>
+              <a:t>センサ値</a:t>
+            </a:r>
+            <a:endParaRPr kumimoji="1" lang="ja-JP" altLang="en-US" dirty="0"/>
+          </a:p>
+        </p:txBody>
+      </p:sp>
+      <p:cxnSp>
+        <p:nvCxnSpPr>
+          <p:cNvPr id="247" name="直線矢印コネクタ 246"/>
+          <p:cNvCxnSpPr/>
+          <p:nvPr/>
+        </p:nvCxnSpPr>
+        <p:spPr>
+          <a:xfrm>
+            <a:off x="783776" y="2953606"/>
+            <a:ext cx="990294" cy="0"/>
+          </a:xfrm>
+          <a:prstGeom prst="straightConnector1">
+            <a:avLst/>
+          </a:prstGeom>
+          <a:ln>
+            <a:solidFill>
+              <a:srgbClr val="FF0000"/>
+            </a:solidFill>
+            <a:headEnd type="triangle"/>
+            <a:tailEnd type="triangle"/>
+          </a:ln>
+        </p:spPr>
+        <p:style>
+          <a:lnRef idx="1">
+            <a:schemeClr val="accent1"/>
+          </a:lnRef>
+          <a:fillRef idx="0">
+            <a:schemeClr val="accent1"/>
+          </a:fillRef>
+          <a:effectRef idx="0">
+            <a:schemeClr val="accent1"/>
+          </a:effectRef>
+          <a:fontRef idx="minor">
+            <a:schemeClr val="tx1"/>
+          </a:fontRef>
+        </p:style>
+      </p:cxnSp>
+      <p:cxnSp>
+        <p:nvCxnSpPr>
+          <p:cNvPr id="252" name="直線矢印コネクタ 251"/>
+          <p:cNvCxnSpPr/>
+          <p:nvPr/>
+        </p:nvCxnSpPr>
+        <p:spPr>
+          <a:xfrm>
+            <a:off x="790275" y="2335453"/>
+            <a:ext cx="385237" cy="0"/>
+          </a:xfrm>
+          <a:prstGeom prst="straightConnector1">
+            <a:avLst/>
+          </a:prstGeom>
+          <a:ln>
+            <a:solidFill>
+              <a:srgbClr val="FF0000"/>
+            </a:solidFill>
+            <a:headEnd type="triangle"/>
+            <a:tailEnd type="triangle"/>
+          </a:ln>
+        </p:spPr>
+        <p:style>
+          <a:lnRef idx="1">
+            <a:schemeClr val="accent1"/>
+          </a:lnRef>
+          <a:fillRef idx="0">
+            <a:schemeClr val="accent1"/>
+          </a:fillRef>
+          <a:effectRef idx="0">
+            <a:schemeClr val="accent1"/>
+          </a:effectRef>
+          <a:fontRef idx="minor">
+            <a:schemeClr val="tx1"/>
+          </a:fontRef>
+        </p:style>
+      </p:cxnSp>
+      <p:cxnSp>
+        <p:nvCxnSpPr>
+          <p:cNvPr id="253" name="直線コネクタ 252"/>
+          <p:cNvCxnSpPr/>
+          <p:nvPr/>
+        </p:nvCxnSpPr>
+        <p:spPr>
+          <a:xfrm>
+            <a:off x="783776" y="1844500"/>
+            <a:ext cx="0" cy="1140139"/>
+          </a:xfrm>
+          <a:prstGeom prst="line">
+            <a:avLst/>
+          </a:prstGeom>
+          <a:ln>
+            <a:solidFill>
+              <a:srgbClr val="FF0000"/>
+            </a:solidFill>
+            <a:prstDash val="lgDash"/>
+          </a:ln>
+        </p:spPr>
+        <p:style>
+          <a:lnRef idx="1">
+            <a:schemeClr val="accent1"/>
+          </a:lnRef>
+          <a:fillRef idx="0">
+            <a:schemeClr val="accent1"/>
+          </a:fillRef>
+          <a:effectRef idx="0">
+            <a:schemeClr val="accent1"/>
+          </a:effectRef>
+          <a:fontRef idx="minor">
+            <a:schemeClr val="tx1"/>
+          </a:fontRef>
+        </p:style>
+      </p:cxnSp>
+      <p:sp>
+        <p:nvSpPr>
+          <p:cNvPr id="256" name="テキスト ボックス 255"/>
+          <p:cNvSpPr txBox="1"/>
+          <p:nvPr/>
+        </p:nvSpPr>
+        <p:spPr>
+          <a:xfrm>
+            <a:off x="649999" y="3226620"/>
+            <a:ext cx="1635752" cy="246221"/>
+          </a:xfrm>
+          <a:prstGeom prst="rect">
+            <a:avLst/>
+          </a:prstGeom>
+          <a:noFill/>
+        </p:spPr>
+        <p:txBody>
+          <a:bodyPr wrap="square" rtlCol="0">
+            <a:spAutoFit/>
+          </a:bodyPr>
+          <a:lstStyle/>
+          <a:p>
+            <a:r>
+              <a:rPr kumimoji="1" lang="ja-JP" altLang="en-US" sz="1000" dirty="0" smtClean="0"/>
+              <a:t>長さの比が輝度値</a:t>
+            </a:r>
+            <a:endParaRPr kumimoji="1" lang="ja-JP" altLang="en-US" sz="1000" dirty="0"/>
           </a:p>
         </p:txBody>
       </p:sp>

--- a/提出用シート.pptx
+++ b/提出用シート.pptx
@@ -4131,7 +4131,7 @@
           </p:nvSpPr>
           <p:spPr>
             <a:xfrm>
-              <a:off x="6759023" y="4654640"/>
+              <a:off x="6759023" y="4625612"/>
               <a:ext cx="5461528" cy="2698687"/>
             </a:xfrm>
             <a:prstGeom prst="rect">
@@ -4648,15 +4648,7 @@
               </a:r>
               <a:r>
                 <a:rPr lang="ja-JP" altLang="en-US" dirty="0" smtClean="0"/>
-                <a:t>実装したい機能をユースケースにすべて挙げた後、コース完走に必要な機能から順に</a:t>
-              </a:r>
-              <a:r>
-                <a:rPr lang="ja-JP" altLang="en-US" dirty="0" smtClean="0"/>
-                <a:t>実現するため、実装</a:t>
-              </a:r>
-              <a:r>
-                <a:rPr lang="ja-JP" altLang="en-US" dirty="0" smtClean="0"/>
-                <a:t>をつけて。</a:t>
+                <a:t>ループをさせることを前提に、そのサイクルで実装する内容と、次サイクルに回す内容が分かるモデル表現にしました。</a:t>
               </a:r>
               <a:endParaRPr lang="ja-JP" altLang="en-US" dirty="0"/>
             </a:p>
@@ -6184,7 +6176,7 @@
         <p:spPr>
           <a:xfrm>
             <a:off x="857322" y="9107604"/>
-            <a:ext cx="6238803" cy="276999"/>
+            <a:ext cx="6785641" cy="276999"/>
           </a:xfrm>
           <a:prstGeom prst="rect">
             <a:avLst/>
@@ -6207,7 +6199,7 @@
             </a:r>
             <a:r>
               <a:rPr lang="ja-JP" altLang="en-US" sz="1200" dirty="0" smtClean="0"/>
-              <a:t>次周で</a:t>
+              <a:t>次サイクルで</a:t>
             </a:r>
             <a:r>
               <a:rPr lang="ja-JP" altLang="en-US" sz="1200" dirty="0" smtClean="0"/>
@@ -6217,36 +6209,6 @@
           </a:p>
         </p:txBody>
       </p:sp>
-      <p:pic>
-        <p:nvPicPr>
-          <p:cNvPr id="70" name="コンテンツ プレースホルダー 68"/>
-          <p:cNvPicPr>
-            <a:picLocks noChangeAspect="1"/>
-          </p:cNvPicPr>
-          <p:nvPr/>
-        </p:nvPicPr>
-        <p:blipFill>
-          <a:blip r:embed="rId3" cstate="print">
-            <a:extLst>
-              <a:ext uri="{28A0092B-C50C-407E-A947-70E740481C1C}">
-                <a14:useLocalDpi xmlns:a14="http://schemas.microsoft.com/office/drawing/2010/main" val="0"/>
-              </a:ext>
-            </a:extLst>
-          </a:blip>
-          <a:stretch>
-            <a:fillRect/>
-          </a:stretch>
-        </p:blipFill>
-        <p:spPr>
-          <a:xfrm>
-            <a:off x="361950" y="4511809"/>
-            <a:ext cx="7337441" cy="4611644"/>
-          </a:xfrm>
-          <a:prstGeom prst="rect">
-            <a:avLst/>
-          </a:prstGeom>
-        </p:spPr>
-      </p:pic>
       <p:sp>
         <p:nvSpPr>
           <p:cNvPr id="74" name="円/楕円 73"/>
@@ -8805,6 +8767,36 @@
           </a:graphicData>
         </a:graphic>
       </p:graphicFrame>
+      <p:pic>
+        <p:nvPicPr>
+          <p:cNvPr id="2" name="図 1"/>
+          <p:cNvPicPr>
+            <a:picLocks noChangeAspect="1"/>
+          </p:cNvPicPr>
+          <p:nvPr/>
+        </p:nvPicPr>
+        <p:blipFill>
+          <a:blip r:embed="rId3" cstate="print">
+            <a:extLst>
+              <a:ext uri="{28A0092B-C50C-407E-A947-70E740481C1C}">
+                <a14:useLocalDpi xmlns:a14="http://schemas.microsoft.com/office/drawing/2010/main" val="0"/>
+              </a:ext>
+            </a:extLst>
+          </a:blip>
+          <a:stretch>
+            <a:fillRect/>
+          </a:stretch>
+        </p:blipFill>
+        <p:spPr>
+          <a:xfrm>
+            <a:off x="374863" y="4571449"/>
+            <a:ext cx="7268100" cy="4568062"/>
+          </a:xfrm>
+          <a:prstGeom prst="rect">
+            <a:avLst/>
+          </a:prstGeom>
+        </p:spPr>
+      </p:pic>
     </p:spTree>
     <p:extLst>
       <p:ext uri="{BB962C8B-B14F-4D97-AF65-F5344CB8AC3E}">
@@ -9286,36 +9278,6 @@
           </a:p>
         </p:txBody>
       </p:sp>
-      <p:pic>
-        <p:nvPicPr>
-          <p:cNvPr id="8" name="図 7"/>
-          <p:cNvPicPr>
-            <a:picLocks noChangeAspect="1"/>
-          </p:cNvPicPr>
-          <p:nvPr/>
-        </p:nvPicPr>
-        <p:blipFill>
-          <a:blip r:embed="rId4" cstate="print">
-            <a:extLst>
-              <a:ext uri="{28A0092B-C50C-407E-A947-70E740481C1C}">
-                <a14:useLocalDpi xmlns:a14="http://schemas.microsoft.com/office/drawing/2010/main" val="0"/>
-              </a:ext>
-            </a:extLst>
-          </a:blip>
-          <a:stretch>
-            <a:fillRect/>
-          </a:stretch>
-        </p:blipFill>
-        <p:spPr>
-          <a:xfrm>
-            <a:off x="3696430" y="4213163"/>
-            <a:ext cx="8840246" cy="4830649"/>
-          </a:xfrm>
-          <a:prstGeom prst="rect">
-            <a:avLst/>
-          </a:prstGeom>
-        </p:spPr>
-      </p:pic>
       <p:sp>
         <p:nvSpPr>
           <p:cNvPr id="23" name="テキスト ボックス 22"/>
@@ -9339,7 +9301,7 @@
           <a:lstStyle/>
           <a:p>
             <a:r>
-              <a:rPr lang="ja-JP" altLang="en-US" sz="1400" smtClean="0"/>
+              <a:rPr lang="ja-JP" altLang="en-US" sz="1400" dirty="0" smtClean="0"/>
               <a:t>○オブジェクト図・オブジェクトの役割分析</a:t>
             </a:r>
             <a:endParaRPr lang="en-US" altLang="ja-JP" sz="1400" dirty="0" smtClean="0"/>
@@ -9694,7 +9656,7 @@
         <p:spPr>
           <a:xfrm>
             <a:off x="3612854" y="3810347"/>
-            <a:ext cx="8923822" cy="5371753"/>
+            <a:ext cx="8923822" cy="5511453"/>
           </a:xfrm>
           <a:prstGeom prst="roundRect">
             <a:avLst>
@@ -9733,6 +9695,118 @@
           </a:p>
         </p:txBody>
       </p:sp>
+      <p:sp>
+        <p:nvSpPr>
+          <p:cNvPr id="27" name="テキスト ボックス 26"/>
+          <p:cNvSpPr txBox="1"/>
+          <p:nvPr/>
+        </p:nvSpPr>
+        <p:spPr>
+          <a:xfrm>
+            <a:off x="9593072" y="3926716"/>
+            <a:ext cx="2713228" cy="307777"/>
+          </a:xfrm>
+          <a:prstGeom prst="rect">
+            <a:avLst/>
+          </a:prstGeom>
+          <a:noFill/>
+        </p:spPr>
+        <p:txBody>
+          <a:bodyPr wrap="square" rtlCol="0">
+            <a:spAutoFit/>
+          </a:bodyPr>
+          <a:lstStyle/>
+          <a:p>
+            <a:r>
+              <a:rPr lang="ja-JP" altLang="en-US" sz="1400" dirty="0" smtClean="0"/>
+              <a:t>この色は次</a:t>
+            </a:r>
+            <a:r>
+              <a:rPr lang="ja-JP" altLang="en-US" sz="1400" dirty="0"/>
+              <a:t>サイクルで実装予定</a:t>
+            </a:r>
+            <a:endParaRPr lang="en-US" altLang="ja-JP" sz="1400" dirty="0" smtClean="0"/>
+          </a:p>
+        </p:txBody>
+      </p:sp>
+      <p:sp>
+        <p:nvSpPr>
+          <p:cNvPr id="5" name="正方形/長方形 4"/>
+          <p:cNvSpPr/>
+          <p:nvPr/>
+        </p:nvSpPr>
+        <p:spPr>
+          <a:xfrm>
+            <a:off x="9326372" y="3967365"/>
+            <a:ext cx="266700" cy="190124"/>
+          </a:xfrm>
+          <a:prstGeom prst="rect">
+            <a:avLst/>
+          </a:prstGeom>
+          <a:solidFill>
+            <a:srgbClr val="FE3267"/>
+          </a:solidFill>
+          <a:ln>
+            <a:solidFill>
+              <a:schemeClr val="tx1"/>
+            </a:solidFill>
+          </a:ln>
+        </p:spPr>
+        <p:style>
+          <a:lnRef idx="2">
+            <a:schemeClr val="accent1">
+              <a:shade val="50000"/>
+            </a:schemeClr>
+          </a:lnRef>
+          <a:fillRef idx="1">
+            <a:schemeClr val="accent1"/>
+          </a:fillRef>
+          <a:effectRef idx="0">
+            <a:schemeClr val="accent1"/>
+          </a:effectRef>
+          <a:fontRef idx="minor">
+            <a:schemeClr val="lt1"/>
+          </a:fontRef>
+        </p:style>
+        <p:txBody>
+          <a:bodyPr rtlCol="0" anchor="ctr"/>
+          <a:lstStyle/>
+          <a:p>
+            <a:pPr algn="ctr"/>
+            <a:endParaRPr kumimoji="1" lang="ja-JP" altLang="en-US"/>
+          </a:p>
+        </p:txBody>
+      </p:sp>
+      <p:pic>
+        <p:nvPicPr>
+          <p:cNvPr id="6" name="図 5"/>
+          <p:cNvPicPr>
+            <a:picLocks noChangeAspect="1"/>
+          </p:cNvPicPr>
+          <p:nvPr/>
+        </p:nvPicPr>
+        <p:blipFill>
+          <a:blip r:embed="rId4" cstate="print">
+            <a:extLst>
+              <a:ext uri="{28A0092B-C50C-407E-A947-70E740481C1C}">
+                <a14:useLocalDpi xmlns:a14="http://schemas.microsoft.com/office/drawing/2010/main" val="0"/>
+              </a:ext>
+            </a:extLst>
+          </a:blip>
+          <a:stretch>
+            <a:fillRect/>
+          </a:stretch>
+        </p:blipFill>
+        <p:spPr>
+          <a:xfrm>
+            <a:off x="3733040" y="4234493"/>
+            <a:ext cx="8655914" cy="4858707"/>
+          </a:xfrm>
+          <a:prstGeom prst="rect">
+            <a:avLst/>
+          </a:prstGeom>
+        </p:spPr>
+      </p:pic>
     </p:spTree>
     <p:extLst>
       <p:ext uri="{BB962C8B-B14F-4D97-AF65-F5344CB8AC3E}">
@@ -10256,7 +10330,7 @@
       </p:sp>
       <p:pic>
         <p:nvPicPr>
-          <p:cNvPr id="6" name="コンテンツ プレースホルダー 5"/>
+          <p:cNvPr id="5" name="コンテンツ プレースホルダー 4"/>
           <p:cNvPicPr>
             <a:picLocks noGrp="1" noChangeAspect="1"/>
           </p:cNvPicPr>
@@ -11521,12 +11595,11 @@
           <a:p>
             <a:r>
               <a:rPr lang="ja-JP" altLang="en-US" sz="1400" dirty="0" smtClean="0"/>
-              <a:t>○輝度値</a:t>
-            </a:r>
-            <a:r>
-              <a:rPr kumimoji="1" lang="ja-JP" altLang="en-US" sz="1400" dirty="0" smtClean="0"/>
-              <a:t>トレース</a:t>
-            </a:r>
+              <a:t>○旋回量の調整</a:t>
+            </a:r>
+            <a:endParaRPr lang="en-US" altLang="ja-JP" sz="1400" dirty="0"/>
+          </a:p>
+          <a:p>
             <a:endParaRPr kumimoji="1" lang="en-US" altLang="ja-JP" sz="1400" dirty="0" smtClean="0"/>
           </a:p>
           <a:p>
@@ -11542,12 +11615,12 @@
             <a:endParaRPr kumimoji="1" lang="en-US" altLang="ja-JP" sz="1400" dirty="0" smtClean="0"/>
           </a:p>
           <a:p>
+            <a:endParaRPr lang="en-US" altLang="ja-JP" sz="1400" dirty="0" smtClean="0"/>
+          </a:p>
+          <a:p>
             <a:endParaRPr lang="en-US" altLang="ja-JP" sz="1400" dirty="0"/>
           </a:p>
           <a:p>
-            <a:endParaRPr kumimoji="1" lang="en-US" altLang="ja-JP" sz="1400" dirty="0" smtClean="0"/>
-          </a:p>
-          <a:p>
             <a:endParaRPr lang="en-US" altLang="ja-JP" sz="1400" dirty="0" smtClean="0"/>
           </a:p>
           <a:p>
@@ -11561,9 +11634,6 @@
           </a:p>
           <a:p>
             <a:endParaRPr lang="en-US" altLang="ja-JP" sz="1400" dirty="0" smtClean="0"/>
-          </a:p>
-          <a:p>
-            <a:endParaRPr lang="en-US" altLang="ja-JP" sz="1400" dirty="0"/>
           </a:p>
           <a:p>
             <a:r>
@@ -11574,18 +11644,10 @@
           </a:p>
           <a:p>
             <a:r>
-              <a:rPr kumimoji="1" lang="ja-JP" altLang="en-US" sz="1400" dirty="0" smtClean="0"/>
-              <a:t>センサ値を黒値からの差分と黒↔白間の値の比（</a:t>
-            </a:r>
-            <a:r>
-              <a:rPr kumimoji="1" lang="en-US" altLang="ja-JP" sz="1400" dirty="0" smtClean="0"/>
-              <a:t>=</a:t>
-            </a:r>
-            <a:r>
-              <a:rPr kumimoji="1" lang="ja-JP" altLang="en-US" sz="1400" dirty="0" smtClean="0"/>
-              <a:t>輝度値）として扱うことで、外乱の影響を防ぐ。</a:t>
-            </a:r>
-            <a:endParaRPr kumimoji="1" lang="en-US" altLang="ja-JP" sz="1400" dirty="0" smtClean="0"/>
+              <a:rPr lang="ja-JP" altLang="en-US" sz="1400" dirty="0" smtClean="0"/>
+              <a:t>目標とした値からセンサ値が遠ざかるほど、大きく旋回し、目標値周辺では直進走行するような処理を行った。</a:t>
+            </a:r>
+            <a:endParaRPr lang="en-US" altLang="ja-JP" sz="1400" dirty="0" smtClean="0"/>
           </a:p>
         </p:txBody>
       </p:sp>
@@ -11616,7 +11678,15 @@
           <a:p>
             <a:r>
               <a:rPr lang="ja-JP" altLang="en-US" sz="1400" dirty="0" smtClean="0"/>
-              <a:t>○直進のフィードフォワード</a:t>
+              <a:t>○倒立振子</a:t>
+            </a:r>
+            <a:r>
+              <a:rPr lang="en-US" altLang="ja-JP" sz="1400" dirty="0" smtClean="0"/>
+              <a:t>ON/OFF</a:t>
+            </a:r>
+            <a:r>
+              <a:rPr lang="ja-JP" altLang="en-US" sz="1400" dirty="0" smtClean="0"/>
+              <a:t>切り替え走行</a:t>
             </a:r>
             <a:endParaRPr lang="en-US" altLang="ja-JP" sz="1400" dirty="0" smtClean="0"/>
           </a:p>
@@ -18508,7 +18578,7 @@
         <p:spPr>
           <a:xfrm>
             <a:off x="9290320" y="1352347"/>
-            <a:ext cx="947850" cy="369332"/>
+            <a:ext cx="1261238" cy="369332"/>
           </a:xfrm>
           <a:prstGeom prst="rect">
             <a:avLst/>
@@ -18523,7 +18593,15 @@
           <a:p>
             <a:r>
               <a:rPr lang="en-US" altLang="ja-JP" sz="1800" dirty="0" smtClean="0"/>
-              <a:t>1msec</a:t>
+              <a:t>4-A</a:t>
+            </a:r>
+            <a:r>
+              <a:rPr lang="ja-JP" altLang="en-US" sz="1800" dirty="0"/>
+              <a:t> </a:t>
+            </a:r>
+            <a:r>
+              <a:rPr lang="en-US" altLang="ja-JP" sz="1800" dirty="0" err="1" smtClean="0"/>
+              <a:t>msec</a:t>
             </a:r>
             <a:endParaRPr kumimoji="1" lang="ja-JP" altLang="en-US" sz="1800" dirty="0"/>
           </a:p>
@@ -18553,7 +18631,11 @@
           <a:p>
             <a:r>
               <a:rPr lang="en-US" altLang="ja-JP" sz="1800" dirty="0" smtClean="0"/>
-              <a:t>3msec</a:t>
+              <a:t>A </a:t>
+            </a:r>
+            <a:r>
+              <a:rPr lang="en-US" altLang="ja-JP" sz="1800" dirty="0" err="1" smtClean="0"/>
+              <a:t>msec</a:t>
             </a:r>
             <a:endParaRPr kumimoji="1" lang="ja-JP" altLang="en-US" sz="1800" dirty="0"/>
           </a:p>
@@ -19200,41 +19282,6 @@
           </p:txBody>
         </p:sp>
       </p:grpSp>
-      <p:cxnSp>
-        <p:nvCxnSpPr>
-          <p:cNvPr id="232" name="直線コネクタ 231"/>
-          <p:cNvCxnSpPr/>
-          <p:nvPr/>
-        </p:nvCxnSpPr>
-        <p:spPr>
-          <a:xfrm>
-            <a:off x="754000" y="1527126"/>
-            <a:ext cx="0" cy="1596124"/>
-          </a:xfrm>
-          <a:prstGeom prst="line">
-            <a:avLst/>
-          </a:prstGeom>
-          <a:ln w="19050">
-            <a:solidFill>
-              <a:schemeClr val="tx1"/>
-            </a:solidFill>
-          </a:ln>
-        </p:spPr>
-        <p:style>
-          <a:lnRef idx="1">
-            <a:schemeClr val="accent1"/>
-          </a:lnRef>
-          <a:fillRef idx="0">
-            <a:schemeClr val="accent1"/>
-          </a:fillRef>
-          <a:effectRef idx="0">
-            <a:schemeClr val="accent1"/>
-          </a:effectRef>
-          <a:fontRef idx="minor">
-            <a:schemeClr val="tx1"/>
-          </a:fontRef>
-        </p:style>
-      </p:cxnSp>
       <p:sp>
         <p:nvSpPr>
           <p:cNvPr id="235" name="正方形/長方形 234"/>
@@ -19244,7 +19291,7 @@
         <p:spPr>
           <a:xfrm>
             <a:off x="1987821" y="852558"/>
-            <a:ext cx="2193335" cy="824036"/>
+            <a:ext cx="2193335" cy="642184"/>
           </a:xfrm>
           <a:prstGeom prst="rect">
             <a:avLst/>
@@ -19421,8 +19468,8 @@
         </p:nvSpPr>
         <p:spPr>
           <a:xfrm>
-            <a:off x="848282" y="1246986"/>
-            <a:ext cx="1497957" cy="418128"/>
+            <a:off x="847815" y="1361236"/>
+            <a:ext cx="1497957" cy="307777"/>
           </a:xfrm>
           <a:prstGeom prst="rect">
             <a:avLst/>
@@ -19436,28 +19483,492 @@
           <a:lstStyle/>
           <a:p>
             <a:r>
-              <a:rPr kumimoji="1" lang="ja-JP" altLang="en-US" dirty="0" smtClean="0"/>
+              <a:rPr kumimoji="1" lang="ja-JP" altLang="en-US" sz="1400" dirty="0" smtClean="0"/>
               <a:t>センサ値</a:t>
             </a:r>
-            <a:endParaRPr kumimoji="1" lang="ja-JP" altLang="en-US" dirty="0"/>
+            <a:endParaRPr kumimoji="1" lang="ja-JP" altLang="en-US" sz="1400" dirty="0"/>
+          </a:p>
+        </p:txBody>
+      </p:sp>
+      <p:sp>
+        <p:nvSpPr>
+          <p:cNvPr id="256" name="テキスト ボックス 255"/>
+          <p:cNvSpPr txBox="1"/>
+          <p:nvPr/>
+        </p:nvSpPr>
+        <p:spPr>
+          <a:xfrm>
+            <a:off x="1429357" y="2255576"/>
+            <a:ext cx="631347" cy="246221"/>
+          </a:xfrm>
+          <a:prstGeom prst="rect">
+            <a:avLst/>
+          </a:prstGeom>
+          <a:noFill/>
+        </p:spPr>
+        <p:txBody>
+          <a:bodyPr wrap="square" rtlCol="0">
+            <a:spAutoFit/>
+          </a:bodyPr>
+          <a:lstStyle/>
+          <a:p>
+            <a:r>
+              <a:rPr kumimoji="1" lang="ja-JP" altLang="en-US" sz="1000" dirty="0" smtClean="0"/>
+              <a:t>目標</a:t>
+            </a:r>
+            <a:endParaRPr kumimoji="1" lang="ja-JP" altLang="en-US" sz="1000" dirty="0"/>
+          </a:p>
+        </p:txBody>
+      </p:sp>
+      <p:sp>
+        <p:nvSpPr>
+          <p:cNvPr id="258" name="円/楕円 257"/>
+          <p:cNvSpPr/>
+          <p:nvPr/>
+        </p:nvSpPr>
+        <p:spPr>
+          <a:xfrm>
+            <a:off x="1099774" y="2223477"/>
+            <a:ext cx="318689" cy="318689"/>
+          </a:xfrm>
+          <a:prstGeom prst="ellipse">
+            <a:avLst/>
+          </a:prstGeom>
+          <a:noFill/>
+          <a:ln w="38100">
+            <a:solidFill>
+              <a:srgbClr val="FF0000"/>
+            </a:solidFill>
+          </a:ln>
+        </p:spPr>
+        <p:style>
+          <a:lnRef idx="2">
+            <a:schemeClr val="accent1">
+              <a:shade val="50000"/>
+            </a:schemeClr>
+          </a:lnRef>
+          <a:fillRef idx="1">
+            <a:schemeClr val="accent1"/>
+          </a:fillRef>
+          <a:effectRef idx="0">
+            <a:schemeClr val="accent1"/>
+          </a:effectRef>
+          <a:fontRef idx="minor">
+            <a:schemeClr val="lt1"/>
+          </a:fontRef>
+        </p:style>
+        <p:txBody>
+          <a:bodyPr rtlCol="0" anchor="ctr"/>
+          <a:lstStyle/>
+          <a:p>
+            <a:pPr algn="ctr"/>
+            <a:endParaRPr kumimoji="1" lang="ja-JP" altLang="en-US"/>
           </a:p>
         </p:txBody>
       </p:sp>
       <p:cxnSp>
         <p:nvCxnSpPr>
-          <p:cNvPr id="247" name="直線矢印コネクタ 246"/>
+          <p:cNvPr id="269" name="直線矢印コネクタ 268"/>
           <p:cNvCxnSpPr/>
           <p:nvPr/>
         </p:nvCxnSpPr>
         <p:spPr>
           <a:xfrm>
-            <a:off x="783776" y="2953606"/>
-            <a:ext cx="990294" cy="0"/>
+            <a:off x="604008" y="3220647"/>
+            <a:ext cx="1373029" cy="0"/>
           </a:xfrm>
           <a:prstGeom prst="straightConnector1">
             <a:avLst/>
           </a:prstGeom>
-          <a:ln>
+          <a:ln w="19050">
+            <a:solidFill>
+              <a:schemeClr val="tx1"/>
+            </a:solidFill>
+            <a:tailEnd type="triangle"/>
+          </a:ln>
+        </p:spPr>
+        <p:style>
+          <a:lnRef idx="1">
+            <a:schemeClr val="accent1"/>
+          </a:lnRef>
+          <a:fillRef idx="0">
+            <a:schemeClr val="accent1"/>
+          </a:fillRef>
+          <a:effectRef idx="0">
+            <a:schemeClr val="accent1"/>
+          </a:effectRef>
+          <a:fontRef idx="minor">
+            <a:schemeClr val="tx1"/>
+          </a:fontRef>
+        </p:style>
+      </p:cxnSp>
+      <p:grpSp>
+        <p:nvGrpSpPr>
+          <p:cNvPr id="272" name="グループ化 271"/>
+          <p:cNvGrpSpPr/>
+          <p:nvPr/>
+        </p:nvGrpSpPr>
+        <p:grpSpPr>
+          <a:xfrm rot="10800000">
+            <a:off x="748450" y="1673396"/>
+            <a:ext cx="1071082" cy="1423230"/>
+            <a:chOff x="861338" y="1713104"/>
+            <a:chExt cx="990294" cy="1602902"/>
+          </a:xfrm>
+        </p:grpSpPr>
+        <p:sp>
+          <p:nvSpPr>
+            <p:cNvPr id="270" name="フリーフォーム 269"/>
+            <p:cNvSpPr/>
+            <p:nvPr/>
+          </p:nvSpPr>
+          <p:spPr>
+            <a:xfrm>
+              <a:off x="861338" y="1713104"/>
+              <a:ext cx="990294" cy="814400"/>
+            </a:xfrm>
+            <a:custGeom>
+              <a:avLst/>
+              <a:gdLst>
+                <a:gd name="connsiteX0" fmla="*/ 3624 w 816984"/>
+                <a:gd name="connsiteY0" fmla="*/ 0 h 1308100"/>
+                <a:gd name="connsiteX1" fmla="*/ 105224 w 816984"/>
+                <a:gd name="connsiteY1" fmla="*/ 355600 h 1308100"/>
+                <a:gd name="connsiteX2" fmla="*/ 702124 w 816984"/>
+                <a:gd name="connsiteY2" fmla="*/ 876300 h 1308100"/>
+                <a:gd name="connsiteX3" fmla="*/ 816424 w 816984"/>
+                <a:gd name="connsiteY3" fmla="*/ 1308100 h 1308100"/>
+              </a:gdLst>
+              <a:ahLst/>
+              <a:cxnLst>
+                <a:cxn ang="0">
+                  <a:pos x="connsiteX0" y="connsiteY0"/>
+                </a:cxn>
+                <a:cxn ang="0">
+                  <a:pos x="connsiteX1" y="connsiteY1"/>
+                </a:cxn>
+                <a:cxn ang="0">
+                  <a:pos x="connsiteX2" y="connsiteY2"/>
+                </a:cxn>
+                <a:cxn ang="0">
+                  <a:pos x="connsiteX3" y="connsiteY3"/>
+                </a:cxn>
+              </a:cxnLst>
+              <a:rect l="l" t="t" r="r" b="b"/>
+              <a:pathLst>
+                <a:path w="816984" h="1308100">
+                  <a:moveTo>
+                    <a:pt x="3624" y="0"/>
+                  </a:moveTo>
+                  <a:cubicBezTo>
+                    <a:pt x="-3785" y="104775"/>
+                    <a:pt x="-11193" y="209550"/>
+                    <a:pt x="105224" y="355600"/>
+                  </a:cubicBezTo>
+                  <a:cubicBezTo>
+                    <a:pt x="221641" y="501650"/>
+                    <a:pt x="583591" y="717550"/>
+                    <a:pt x="702124" y="876300"/>
+                  </a:cubicBezTo>
+                  <a:cubicBezTo>
+                    <a:pt x="820657" y="1035050"/>
+                    <a:pt x="818540" y="1171575"/>
+                    <a:pt x="816424" y="1308100"/>
+                  </a:cubicBezTo>
+                </a:path>
+              </a:pathLst>
+            </a:custGeom>
+            <a:noFill/>
+            <a:ln w="38100">
+              <a:solidFill>
+                <a:schemeClr val="accent5"/>
+              </a:solidFill>
+            </a:ln>
+          </p:spPr>
+          <p:style>
+            <a:lnRef idx="2">
+              <a:schemeClr val="accent1">
+                <a:shade val="50000"/>
+              </a:schemeClr>
+            </a:lnRef>
+            <a:fillRef idx="1">
+              <a:schemeClr val="accent1"/>
+            </a:fillRef>
+            <a:effectRef idx="0">
+              <a:schemeClr val="accent1"/>
+            </a:effectRef>
+            <a:fontRef idx="minor">
+              <a:schemeClr val="lt1"/>
+            </a:fontRef>
+          </p:style>
+          <p:txBody>
+            <a:bodyPr rtlCol="0" anchor="ctr"/>
+            <a:lstStyle/>
+            <a:p>
+              <a:pPr algn="ctr"/>
+              <a:endParaRPr kumimoji="1" lang="ja-JP" altLang="en-US"/>
+            </a:p>
+          </p:txBody>
+        </p:sp>
+        <p:sp>
+          <p:nvSpPr>
+            <p:cNvPr id="271" name="フリーフォーム 270"/>
+            <p:cNvSpPr/>
+            <p:nvPr/>
+          </p:nvSpPr>
+          <p:spPr>
+            <a:xfrm flipV="1">
+              <a:off x="867434" y="2457875"/>
+              <a:ext cx="984198" cy="858131"/>
+            </a:xfrm>
+            <a:custGeom>
+              <a:avLst/>
+              <a:gdLst>
+                <a:gd name="connsiteX0" fmla="*/ 3624 w 816984"/>
+                <a:gd name="connsiteY0" fmla="*/ 0 h 1308100"/>
+                <a:gd name="connsiteX1" fmla="*/ 105224 w 816984"/>
+                <a:gd name="connsiteY1" fmla="*/ 355600 h 1308100"/>
+                <a:gd name="connsiteX2" fmla="*/ 702124 w 816984"/>
+                <a:gd name="connsiteY2" fmla="*/ 876300 h 1308100"/>
+                <a:gd name="connsiteX3" fmla="*/ 816424 w 816984"/>
+                <a:gd name="connsiteY3" fmla="*/ 1308100 h 1308100"/>
+              </a:gdLst>
+              <a:ahLst/>
+              <a:cxnLst>
+                <a:cxn ang="0">
+                  <a:pos x="connsiteX0" y="connsiteY0"/>
+                </a:cxn>
+                <a:cxn ang="0">
+                  <a:pos x="connsiteX1" y="connsiteY1"/>
+                </a:cxn>
+                <a:cxn ang="0">
+                  <a:pos x="connsiteX2" y="connsiteY2"/>
+                </a:cxn>
+                <a:cxn ang="0">
+                  <a:pos x="connsiteX3" y="connsiteY3"/>
+                </a:cxn>
+              </a:cxnLst>
+              <a:rect l="l" t="t" r="r" b="b"/>
+              <a:pathLst>
+                <a:path w="816984" h="1308100">
+                  <a:moveTo>
+                    <a:pt x="3624" y="0"/>
+                  </a:moveTo>
+                  <a:cubicBezTo>
+                    <a:pt x="-3785" y="104775"/>
+                    <a:pt x="-11193" y="209550"/>
+                    <a:pt x="105224" y="355600"/>
+                  </a:cubicBezTo>
+                  <a:cubicBezTo>
+                    <a:pt x="221641" y="501650"/>
+                    <a:pt x="583591" y="717550"/>
+                    <a:pt x="702124" y="876300"/>
+                  </a:cubicBezTo>
+                  <a:cubicBezTo>
+                    <a:pt x="820657" y="1035050"/>
+                    <a:pt x="818540" y="1171575"/>
+                    <a:pt x="816424" y="1308100"/>
+                  </a:cubicBezTo>
+                </a:path>
+              </a:pathLst>
+            </a:custGeom>
+            <a:noFill/>
+            <a:ln w="38100">
+              <a:solidFill>
+                <a:schemeClr val="accent5"/>
+              </a:solidFill>
+            </a:ln>
+          </p:spPr>
+          <p:style>
+            <a:lnRef idx="2">
+              <a:schemeClr val="accent1">
+                <a:shade val="50000"/>
+              </a:schemeClr>
+            </a:lnRef>
+            <a:fillRef idx="1">
+              <a:schemeClr val="accent1"/>
+            </a:fillRef>
+            <a:effectRef idx="0">
+              <a:schemeClr val="accent1"/>
+            </a:effectRef>
+            <a:fontRef idx="minor">
+              <a:schemeClr val="lt1"/>
+            </a:fontRef>
+          </p:style>
+          <p:txBody>
+            <a:bodyPr rtlCol="0" anchor="ctr"/>
+            <a:lstStyle/>
+            <a:p>
+              <a:pPr algn="ctr"/>
+              <a:endParaRPr kumimoji="1" lang="ja-JP" altLang="en-US"/>
+            </a:p>
+          </p:txBody>
+        </p:sp>
+      </p:grpSp>
+      <p:sp>
+        <p:nvSpPr>
+          <p:cNvPr id="273" name="テキスト ボックス 272"/>
+          <p:cNvSpPr txBox="1"/>
+          <p:nvPr/>
+        </p:nvSpPr>
+        <p:spPr>
+          <a:xfrm>
+            <a:off x="848282" y="3249154"/>
+            <a:ext cx="1497957" cy="307777"/>
+          </a:xfrm>
+          <a:prstGeom prst="rect">
+            <a:avLst/>
+          </a:prstGeom>
+          <a:noFill/>
+        </p:spPr>
+        <p:txBody>
+          <a:bodyPr wrap="square" rtlCol="0">
+            <a:spAutoFit/>
+          </a:bodyPr>
+          <a:lstStyle/>
+          <a:p>
+            <a:r>
+              <a:rPr kumimoji="1" lang="ja-JP" altLang="en-US" sz="1400" dirty="0" smtClean="0">
+                <a:solidFill>
+                  <a:schemeClr val="accent5"/>
+                </a:solidFill>
+              </a:rPr>
+              <a:t>旋回量</a:t>
+            </a:r>
+            <a:endParaRPr kumimoji="1" lang="ja-JP" altLang="en-US" sz="1400" dirty="0">
+              <a:solidFill>
+                <a:schemeClr val="accent5"/>
+              </a:solidFill>
+            </a:endParaRPr>
+          </a:p>
+        </p:txBody>
+      </p:sp>
+      <p:cxnSp>
+        <p:nvCxnSpPr>
+          <p:cNvPr id="232" name="直線コネクタ 231"/>
+          <p:cNvCxnSpPr/>
+          <p:nvPr/>
+        </p:nvCxnSpPr>
+        <p:spPr>
+          <a:xfrm>
+            <a:off x="754000" y="1527126"/>
+            <a:ext cx="0" cy="1805258"/>
+          </a:xfrm>
+          <a:prstGeom prst="line">
+            <a:avLst/>
+          </a:prstGeom>
+          <a:ln w="19050">
+            <a:solidFill>
+              <a:schemeClr val="tx1"/>
+            </a:solidFill>
+          </a:ln>
+        </p:spPr>
+        <p:style>
+          <a:lnRef idx="1">
+            <a:schemeClr val="accent1"/>
+          </a:lnRef>
+          <a:fillRef idx="0">
+            <a:schemeClr val="accent1"/>
+          </a:fillRef>
+          <a:effectRef idx="0">
+            <a:schemeClr val="accent1"/>
+          </a:effectRef>
+          <a:fontRef idx="minor">
+            <a:schemeClr val="tx1"/>
+          </a:fontRef>
+        </p:style>
+      </p:cxnSp>
+      <p:sp>
+        <p:nvSpPr>
+          <p:cNvPr id="275" name="テキスト ボックス 274"/>
+          <p:cNvSpPr txBox="1"/>
+          <p:nvPr/>
+        </p:nvSpPr>
+        <p:spPr>
+          <a:xfrm>
+            <a:off x="1841447" y="2580629"/>
+            <a:ext cx="338554" cy="518124"/>
+          </a:xfrm>
+          <a:prstGeom prst="rect">
+            <a:avLst/>
+          </a:prstGeom>
+          <a:noFill/>
+        </p:spPr>
+        <p:txBody>
+          <a:bodyPr vert="eaVert" wrap="square" rtlCol="0">
+            <a:spAutoFit/>
+          </a:bodyPr>
+          <a:lstStyle/>
+          <a:p>
+            <a:r>
+              <a:rPr kumimoji="1" lang="ja-JP" altLang="en-US" sz="1000" dirty="0" smtClean="0">
+                <a:solidFill>
+                  <a:srgbClr val="FF0000"/>
+                </a:solidFill>
+              </a:rPr>
+              <a:t>右旋回</a:t>
+            </a:r>
+            <a:endParaRPr kumimoji="1" lang="ja-JP" altLang="en-US" sz="1000" dirty="0">
+              <a:solidFill>
+                <a:srgbClr val="FF0000"/>
+              </a:solidFill>
+            </a:endParaRPr>
+          </a:p>
+        </p:txBody>
+      </p:sp>
+      <p:sp>
+        <p:nvSpPr>
+          <p:cNvPr id="276" name="テキスト ボックス 275"/>
+          <p:cNvSpPr txBox="1"/>
+          <p:nvPr/>
+        </p:nvSpPr>
+        <p:spPr>
+          <a:xfrm>
+            <a:off x="1833467" y="1721827"/>
+            <a:ext cx="338554" cy="518124"/>
+          </a:xfrm>
+          <a:prstGeom prst="rect">
+            <a:avLst/>
+          </a:prstGeom>
+          <a:noFill/>
+        </p:spPr>
+        <p:txBody>
+          <a:bodyPr vert="eaVert" wrap="square" rtlCol="0">
+            <a:spAutoFit/>
+          </a:bodyPr>
+          <a:lstStyle/>
+          <a:p>
+            <a:r>
+              <a:rPr kumimoji="1" lang="ja-JP" altLang="en-US" sz="1000" dirty="0" smtClean="0">
+                <a:solidFill>
+                  <a:srgbClr val="FF0000"/>
+                </a:solidFill>
+              </a:rPr>
+              <a:t>左旋回</a:t>
+            </a:r>
+            <a:endParaRPr kumimoji="1" lang="ja-JP" altLang="en-US" sz="1000" dirty="0">
+              <a:solidFill>
+                <a:srgbClr val="FF0000"/>
+              </a:solidFill>
+            </a:endParaRPr>
+          </a:p>
+        </p:txBody>
+      </p:sp>
+      <p:cxnSp>
+        <p:nvCxnSpPr>
+          <p:cNvPr id="277" name="直線矢印コネクタ 276"/>
+          <p:cNvCxnSpPr/>
+          <p:nvPr/>
+        </p:nvCxnSpPr>
+        <p:spPr>
+          <a:xfrm>
+            <a:off x="1899688" y="2533563"/>
+            <a:ext cx="0" cy="609031"/>
+          </a:xfrm>
+          <a:prstGeom prst="straightConnector1">
+            <a:avLst/>
+          </a:prstGeom>
+          <a:ln w="19050">
             <a:solidFill>
               <a:srgbClr val="FF0000"/>
             </a:solidFill>
@@ -19482,19 +19993,19 @@
       </p:cxnSp>
       <p:cxnSp>
         <p:nvCxnSpPr>
-          <p:cNvPr id="252" name="直線矢印コネクタ 251"/>
+          <p:cNvPr id="278" name="直線矢印コネクタ 277"/>
           <p:cNvCxnSpPr/>
           <p:nvPr/>
         </p:nvCxnSpPr>
         <p:spPr>
           <a:xfrm>
-            <a:off x="790275" y="2335453"/>
-            <a:ext cx="385237" cy="0"/>
+            <a:off x="1899688" y="1675980"/>
+            <a:ext cx="0" cy="555016"/>
           </a:xfrm>
           <a:prstGeom prst="straightConnector1">
             <a:avLst/>
           </a:prstGeom>
-          <a:ln>
+          <a:ln w="19050">
             <a:solidFill>
               <a:srgbClr val="FF0000"/>
             </a:solidFill>
@@ -19517,72 +20028,6 @@
           </a:fontRef>
         </p:style>
       </p:cxnSp>
-      <p:cxnSp>
-        <p:nvCxnSpPr>
-          <p:cNvPr id="253" name="直線コネクタ 252"/>
-          <p:cNvCxnSpPr/>
-          <p:nvPr/>
-        </p:nvCxnSpPr>
-        <p:spPr>
-          <a:xfrm>
-            <a:off x="783776" y="1844500"/>
-            <a:ext cx="0" cy="1140139"/>
-          </a:xfrm>
-          <a:prstGeom prst="line">
-            <a:avLst/>
-          </a:prstGeom>
-          <a:ln>
-            <a:solidFill>
-              <a:srgbClr val="FF0000"/>
-            </a:solidFill>
-            <a:prstDash val="lgDash"/>
-          </a:ln>
-        </p:spPr>
-        <p:style>
-          <a:lnRef idx="1">
-            <a:schemeClr val="accent1"/>
-          </a:lnRef>
-          <a:fillRef idx="0">
-            <a:schemeClr val="accent1"/>
-          </a:fillRef>
-          <a:effectRef idx="0">
-            <a:schemeClr val="accent1"/>
-          </a:effectRef>
-          <a:fontRef idx="minor">
-            <a:schemeClr val="tx1"/>
-          </a:fontRef>
-        </p:style>
-      </p:cxnSp>
-      <p:sp>
-        <p:nvSpPr>
-          <p:cNvPr id="256" name="テキスト ボックス 255"/>
-          <p:cNvSpPr txBox="1"/>
-          <p:nvPr/>
-        </p:nvSpPr>
-        <p:spPr>
-          <a:xfrm>
-            <a:off x="649999" y="3226620"/>
-            <a:ext cx="1635752" cy="246221"/>
-          </a:xfrm>
-          <a:prstGeom prst="rect">
-            <a:avLst/>
-          </a:prstGeom>
-          <a:noFill/>
-        </p:spPr>
-        <p:txBody>
-          <a:bodyPr wrap="square" rtlCol="0">
-            <a:spAutoFit/>
-          </a:bodyPr>
-          <a:lstStyle/>
-          <a:p>
-            <a:r>
-              <a:rPr kumimoji="1" lang="ja-JP" altLang="en-US" sz="1000" dirty="0" smtClean="0"/>
-              <a:t>長さの比が輝度値</a:t>
-            </a:r>
-            <a:endParaRPr kumimoji="1" lang="ja-JP" altLang="en-US" sz="1000" dirty="0"/>
-          </a:p>
-        </p:txBody>
-      </p:sp>
     </p:spTree>
     <p:extLst>
       <p:ext uri="{BB962C8B-B14F-4D97-AF65-F5344CB8AC3E}">
